--- a/translations/en-us/RobotGame/PassiveAttachments.pptx
+++ b/translations/en-us/RobotGame/PassiveAttachments.pptx
@@ -8,22 +8,23 @@
     <p:sldMasterId id="2147483871" r:id="rId4"/>
     <p:sldMasterId id="2147483883" r:id="rId5"/>
     <p:sldMasterId id="2147483895" r:id="rId6"/>
+    <p:sldMasterId id="2147483907" r:id="rId7"/>
   </p:sldMasterIdLst>
   <p:notesMasterIdLst>
-    <p:notesMasterId r:id="rId15"/>
+    <p:notesMasterId r:id="rId16"/>
   </p:notesMasterIdLst>
   <p:handoutMasterIdLst>
-    <p:handoutMasterId r:id="rId16"/>
+    <p:handoutMasterId r:id="rId17"/>
   </p:handoutMasterIdLst>
   <p:sldIdLst>
-    <p:sldId id="289" r:id="rId7"/>
-    <p:sldId id="290" r:id="rId8"/>
-    <p:sldId id="291" r:id="rId9"/>
-    <p:sldId id="293" r:id="rId10"/>
-    <p:sldId id="292" r:id="rId11"/>
-    <p:sldId id="294" r:id="rId12"/>
-    <p:sldId id="295" r:id="rId13"/>
-    <p:sldId id="274" r:id="rId14"/>
+    <p:sldId id="289" r:id="rId8"/>
+    <p:sldId id="290" r:id="rId9"/>
+    <p:sldId id="291" r:id="rId10"/>
+    <p:sldId id="293" r:id="rId11"/>
+    <p:sldId id="292" r:id="rId12"/>
+    <p:sldId id="294" r:id="rId13"/>
+    <p:sldId id="295" r:id="rId14"/>
+    <p:sldId id="274" r:id="rId15"/>
   </p:sldIdLst>
   <p:sldSz cx="9144000" cy="6858000" type="screen4x3"/>
   <p:notesSz cx="6858000" cy="9144000"/>
@@ -223,7 +224,7 @@
           <a:p>
             <a:fld id="{E354B44E-40A3-0E46-B16A-9BF1250A248B}" type="datetimeFigureOut">
               <a:rPr lang="en-US" smtClean="0"/>
-              <a:t>6/7/18</a:t>
+              <a:t>6/11/18</a:t>
             </a:fld>
             <a:endParaRPr lang="en-US"/>
           </a:p>
@@ -389,7 +390,7 @@
           <a:p>
             <a:fld id="{C86AD16C-2DB4-6642-BAD4-9ED973A087A0}" type="datetimeFigureOut">
               <a:rPr lang="en-US" smtClean="0"/>
-              <a:t>6/7/18</a:t>
+              <a:t>6/11/18</a:t>
             </a:fld>
             <a:endParaRPr lang="en-US"/>
           </a:p>
@@ -932,9 +933,9 @@
           <a:bodyPr/>
           <a:lstStyle/>
           <a:p>
-            <a:fld id="{0E01E8F6-0B97-41F0-AB2E-D584A5C6F701}" type="datetime1">
+            <a:fld id="{8AC2B1A7-8D25-47F8-B31B-6B1DE2DA88BF}" type="datetime1">
               <a:rPr lang="en-US" smtClean="0"/>
-              <a:t>6/7/18</a:t>
+              <a:t>6/11/18</a:t>
             </a:fld>
             <a:endParaRPr lang="en-US"/>
           </a:p>
@@ -957,7 +958,7 @@
           <a:p>
             <a:r>
               <a:rPr lang="en-US"/>
-              <a:t>© 2018, FLL Tutorials, Last Edit 8/20/2016</a:t>
+              <a:t>© 2018, FLL Tutorials, Last Edit 6/11/2018</a:t>
             </a:r>
           </a:p>
         </p:txBody>
@@ -1528,9 +1529,9 @@
           <a:bodyPr/>
           <a:lstStyle/>
           <a:p>
-            <a:fld id="{82F24BAA-1736-4054-91F2-AC43AFB1665C}" type="datetime1">
+            <a:fld id="{DBB11BCA-0EB9-4568-B6C4-A824DEA0C463}" type="datetime1">
               <a:rPr lang="en-US" smtClean="0"/>
-              <a:t>6/7/18</a:t>
+              <a:t>6/11/18</a:t>
             </a:fld>
             <a:endParaRPr lang="en-US"/>
           </a:p>
@@ -1553,7 +1554,7 @@
           <a:p>
             <a:r>
               <a:rPr lang="en-US"/>
-              <a:t>© 2018, FLL Tutorials, Last Edit 8/20/2016</a:t>
+              <a:t>© 2018, FLL Tutorials, Last Edit 6/11/2018</a:t>
             </a:r>
           </a:p>
         </p:txBody>
@@ -1709,9 +1710,9 @@
           <a:bodyPr/>
           <a:lstStyle/>
           <a:p>
-            <a:fld id="{A32E1169-51FF-4306-9744-4455EE5C9A24}" type="datetime1">
+            <a:fld id="{81072690-04D0-4CF0-9A80-8CA48CAB047D}" type="datetime1">
               <a:rPr lang="en-US" smtClean="0"/>
-              <a:t>6/7/18</a:t>
+              <a:t>6/11/18</a:t>
             </a:fld>
             <a:endParaRPr lang="en-US"/>
           </a:p>
@@ -1734,7 +1735,7 @@
           <a:p>
             <a:r>
               <a:rPr lang="en-US"/>
-              <a:t>© 2018, FLL Tutorials, Last Edit 8/20/2016</a:t>
+              <a:t>© 2018, FLL Tutorials, Last Edit 6/11/2018</a:t>
             </a:r>
           </a:p>
         </p:txBody>
@@ -1925,9 +1926,9 @@
           <a:bodyPr/>
           <a:lstStyle/>
           <a:p>
-            <a:fld id="{44FAF5A1-1B58-4F15-A62B-01B22B3D14CD}" type="datetime1">
+            <a:fld id="{2CB2AAD3-F2C3-4C6F-87BC-B2B03568310F}" type="datetime1">
               <a:rPr lang="en-US" smtClean="0"/>
-              <a:t>6/7/18</a:t>
+              <a:t>6/11/18</a:t>
             </a:fld>
             <a:endParaRPr lang="en-US"/>
           </a:p>
@@ -1955,7 +1956,7 @@
           <a:p>
             <a:r>
               <a:rPr lang="en-US"/>
-              <a:t>© 2018, FLL Tutorials, Last Edit 8/20/2016</a:t>
+              <a:t>© 2018, FLL Tutorials, Last Edit 6/11/2018</a:t>
             </a:r>
           </a:p>
         </p:txBody>
@@ -2145,7 +2146,7 @@
           <a:noFill/>
           <a:extLst>
             <a:ext uri="{909E8E84-426E-40dd-AFC4-6F175D3DCCD1}">
-              <a14:hiddenFill xmlns="" xmlns:a14="http://schemas.microsoft.com/office/drawing/2010/main">
+              <a14:hiddenFill xmlns:a14="http://schemas.microsoft.com/office/drawing/2010/main" xmlns="">
                 <a:solidFill>
                   <a:srgbClr val="FFFFFF"/>
                 </a:solidFill>
@@ -2769,9 +2770,9 @@
           <a:bodyPr/>
           <a:lstStyle/>
           <a:p>
-            <a:fld id="{BA3AF496-CC61-47A6-8903-40342CEA7852}" type="datetime1">
+            <a:fld id="{516BAE2A-1987-4D97-B2F8-399D308130F7}" type="datetime1">
               <a:rPr lang="en-US" smtClean="0"/>
-              <a:t>6/7/18</a:t>
+              <a:t>6/11/18</a:t>
             </a:fld>
             <a:endParaRPr lang="en-US"/>
           </a:p>
@@ -2794,7 +2795,7 @@
           <a:p>
             <a:r>
               <a:rPr lang="en-US"/>
-              <a:t>© 2018, FLL Tutorials, Last Edit 8/20/2016</a:t>
+              <a:t>© 2018, FLL Tutorials, Last Edit 6/11/2018</a:t>
             </a:r>
           </a:p>
         </p:txBody>
@@ -3034,9 +3035,9 @@
           <a:bodyPr/>
           <a:lstStyle/>
           <a:p>
-            <a:fld id="{E2638E52-60E1-47F2-94CF-4452A22E2487}" type="datetime1">
+            <a:fld id="{A807470A-C826-410D-B2C5-C09B63E0195A}" type="datetime1">
               <a:rPr lang="en-US" smtClean="0"/>
-              <a:t>6/7/18</a:t>
+              <a:t>6/11/18</a:t>
             </a:fld>
             <a:endParaRPr lang="en-US"/>
           </a:p>
@@ -3090,7 +3091,7 @@
           <a:p>
             <a:r>
               <a:rPr lang="en-US"/>
-              <a:t>© 2018, FLL Tutorials, Last Edit 8/20/2016</a:t>
+              <a:t>© 2018, FLL Tutorials, Last Edit 6/11/2018</a:t>
             </a:r>
           </a:p>
         </p:txBody>
@@ -3337,9 +3338,9 @@
           <a:bodyPr/>
           <a:lstStyle/>
           <a:p>
-            <a:fld id="{D9E5F6F0-A4CD-4D26-8BD5-AA8FAE31176A}" type="datetime1">
+            <a:fld id="{E9EFFC39-F66C-4465-B0C7-8736EF34DB40}" type="datetime1">
               <a:rPr lang="en-US" smtClean="0"/>
-              <a:t>6/7/18</a:t>
+              <a:t>6/11/18</a:t>
             </a:fld>
             <a:endParaRPr lang="en-US"/>
           </a:p>
@@ -3362,7 +3363,7 @@
           <a:p>
             <a:r>
               <a:rPr lang="en-US"/>
-              <a:t>© 2018, FLL Tutorials, Last Edit 8/20/2016</a:t>
+              <a:t>© 2018, FLL Tutorials, Last Edit 6/11/2018</a:t>
             </a:r>
           </a:p>
         </p:txBody>
@@ -3791,9 +3792,9 @@
           <a:bodyPr/>
           <a:lstStyle/>
           <a:p>
-            <a:fld id="{DE5967D0-C686-41B2-9F92-6DF904171714}" type="datetime1">
+            <a:fld id="{DD243B61-3F3C-48D0-A6B4-835CE7B5E608}" type="datetime1">
               <a:rPr lang="en-US" smtClean="0"/>
-              <a:t>6/7/18</a:t>
+              <a:t>6/11/18</a:t>
             </a:fld>
             <a:endParaRPr lang="en-US"/>
           </a:p>
@@ -3816,7 +3817,7 @@
           <a:p>
             <a:r>
               <a:rPr lang="en-US"/>
-              <a:t>© 2018, FLL Tutorials, Last Edit 8/20/2016</a:t>
+              <a:t>© 2018, FLL Tutorials, Last Edit 6/11/2018</a:t>
             </a:r>
           </a:p>
         </p:txBody>
@@ -3919,9 +3920,9 @@
           <a:bodyPr/>
           <a:lstStyle/>
           <a:p>
-            <a:fld id="{78485B1E-F09F-43B0-9767-18A2DE707FCA}" type="datetime1">
+            <a:fld id="{C00E1DF0-3146-4CA8-B441-8D902AB3FF9B}" type="datetime1">
               <a:rPr lang="en-US" smtClean="0"/>
-              <a:t>6/7/18</a:t>
+              <a:t>6/11/18</a:t>
             </a:fld>
             <a:endParaRPr lang="en-US"/>
           </a:p>
@@ -3944,7 +3945,7 @@
           <a:p>
             <a:r>
               <a:rPr lang="en-US"/>
-              <a:t>© 2018, FLL Tutorials, Last Edit 8/20/2016</a:t>
+              <a:t>© 2018, FLL Tutorials, Last Edit 6/11/2018</a:t>
             </a:r>
           </a:p>
         </p:txBody>
@@ -4025,9 +4026,9 @@
           <a:bodyPr/>
           <a:lstStyle/>
           <a:p>
-            <a:fld id="{9C00F404-8B66-415A-9506-17F3B0C41509}" type="datetime1">
+            <a:fld id="{80438CCA-EB27-45D0-9CAF-6A70D9D2B93C}" type="datetime1">
               <a:rPr lang="en-US" smtClean="0"/>
-              <a:t>6/7/18</a:t>
+              <a:t>6/11/18</a:t>
             </a:fld>
             <a:endParaRPr lang="en-US"/>
           </a:p>
@@ -4050,7 +4051,7 @@
           <a:p>
             <a:r>
               <a:rPr lang="en-US"/>
-              <a:t>© 2018, FLL Tutorials, Last Edit 8/20/2016</a:t>
+              <a:t>© 2018, FLL Tutorials, Last Edit 6/11/2018</a:t>
             </a:r>
           </a:p>
         </p:txBody>
@@ -4283,9 +4284,9 @@
           <a:bodyPr/>
           <a:lstStyle/>
           <a:p>
-            <a:fld id="{33A6FBDD-8E7E-4212-8AC8-62D094930FFD}" type="datetime1">
+            <a:fld id="{DB5FEA89-3C32-491F-89B6-4831265393FB}" type="datetime1">
               <a:rPr lang="en-US" smtClean="0"/>
-              <a:t>6/7/18</a:t>
+              <a:t>6/11/18</a:t>
             </a:fld>
             <a:endParaRPr lang="en-US"/>
           </a:p>
@@ -4308,7 +4309,7 @@
           <a:p>
             <a:r>
               <a:rPr lang="en-US"/>
-              <a:t>© 2018, FLL Tutorials, Last Edit 8/20/2016</a:t>
+              <a:t>© 2018, FLL Tutorials, Last Edit 6/11/2018</a:t>
             </a:r>
           </a:p>
         </p:txBody>
@@ -4495,9 +4496,9 @@
           <a:bodyPr/>
           <a:lstStyle/>
           <a:p>
-            <a:fld id="{9FCB1F42-5D9F-4562-804D-D61203FF638A}" type="datetime1">
+            <a:fld id="{2B7190E9-60F6-4AAB-B784-CB98BA3EE24A}" type="datetime1">
               <a:rPr lang="en-US" smtClean="0"/>
-              <a:t>6/7/18</a:t>
+              <a:t>6/11/18</a:t>
             </a:fld>
             <a:endParaRPr lang="en-US"/>
           </a:p>
@@ -4520,7 +4521,7 @@
           <a:p>
             <a:r>
               <a:rPr lang="en-US"/>
-              <a:t>© 2018, FLL Tutorials, Last Edit 8/20/2016</a:t>
+              <a:t>© 2018, FLL Tutorials, Last Edit 6/11/2018</a:t>
             </a:r>
           </a:p>
         </p:txBody>
@@ -4778,9 +4779,9 @@
           <a:bodyPr/>
           <a:lstStyle/>
           <a:p>
-            <a:fld id="{3834FA8F-54CE-4A98-8282-1CEDE0A4F1F7}" type="datetime1">
+            <a:fld id="{C83E2DCB-EADD-4987-A123-F1E2AC94487E}" type="datetime1">
               <a:rPr lang="en-US" smtClean="0"/>
-              <a:t>6/7/18</a:t>
+              <a:t>6/11/18</a:t>
             </a:fld>
             <a:endParaRPr lang="en-US"/>
           </a:p>
@@ -4803,7 +4804,7 @@
           <a:p>
             <a:r>
               <a:rPr lang="en-US"/>
-              <a:t>© 2018, FLL Tutorials, Last Edit 8/20/2016</a:t>
+              <a:t>© 2018, FLL Tutorials, Last Edit 6/11/2018</a:t>
             </a:r>
           </a:p>
         </p:txBody>
@@ -5045,9 +5046,9 @@
           <a:bodyPr/>
           <a:lstStyle/>
           <a:p>
-            <a:fld id="{A639D8BE-024F-4A89-9A70-739D75A4B31E}" type="datetime1">
+            <a:fld id="{9F635FE8-4161-4328-A3B3-8682AC3276E0}" type="datetime1">
               <a:rPr lang="en-US" smtClean="0"/>
-              <a:t>6/7/18</a:t>
+              <a:t>6/11/18</a:t>
             </a:fld>
             <a:endParaRPr lang="en-US"/>
           </a:p>
@@ -5070,7 +5071,7 @@
           <a:p>
             <a:r>
               <a:rPr lang="en-US"/>
-              <a:t>© 2018, FLL Tutorials, Last Edit 8/20/2016</a:t>
+              <a:t>© 2018, FLL Tutorials, Last Edit 6/11/2018</a:t>
             </a:r>
           </a:p>
         </p:txBody>
@@ -5234,9 +5235,9 @@
           <a:bodyPr/>
           <a:lstStyle/>
           <a:p>
-            <a:fld id="{E1A161E4-D135-45CE-AB69-93D9B2A493F5}" type="datetime1">
+            <a:fld id="{34CC05F1-F05E-4552-BB1F-E0E1416B7AF7}" type="datetime1">
               <a:rPr lang="en-US" smtClean="0"/>
-              <a:t>6/7/18</a:t>
+              <a:t>6/11/18</a:t>
             </a:fld>
             <a:endParaRPr lang="en-US"/>
           </a:p>
@@ -5259,7 +5260,7 @@
           <a:p>
             <a:r>
               <a:rPr lang="en-US"/>
-              <a:t>© 2018, FLL Tutorials, Last Edit 8/20/2016</a:t>
+              <a:t>© 2018, FLL Tutorials, Last Edit 6/11/2018</a:t>
             </a:r>
           </a:p>
         </p:txBody>
@@ -5435,9 +5436,9 @@
           <a:bodyPr/>
           <a:lstStyle/>
           <a:p>
-            <a:fld id="{48560621-E6CB-47A8-8908-8024C23419B3}" type="datetime1">
+            <a:fld id="{767455D3-488F-4B21-821D-372DEB0491D8}" type="datetime1">
               <a:rPr lang="en-US" smtClean="0"/>
-              <a:t>6/7/18</a:t>
+              <a:t>6/11/18</a:t>
             </a:fld>
             <a:endParaRPr lang="en-US"/>
           </a:p>
@@ -5460,7 +5461,7 @@
           <a:p>
             <a:r>
               <a:rPr lang="en-US"/>
-              <a:t>© 2018, FLL Tutorials, Last Edit 8/20/2016</a:t>
+              <a:t>© 2018, FLL Tutorials, Last Edit 6/11/2018</a:t>
             </a:r>
           </a:p>
         </p:txBody>
@@ -5606,9 +5607,9 @@
           <a:bodyPr/>
           <a:lstStyle/>
           <a:p>
-            <a:fld id="{EB8157A4-7D28-4473-9C2C-B49EB6A96132}" type="datetime1">
+            <a:fld id="{3D32E95F-152A-4DDC-957A-61F87F27D0D3}" type="datetime1">
               <a:rPr lang="en-US" smtClean="0"/>
-              <a:t>6/7/18</a:t>
+              <a:t>6/11/18</a:t>
             </a:fld>
             <a:endParaRPr lang="en-US"/>
           </a:p>
@@ -5631,7 +5632,7 @@
           <a:p>
             <a:r>
               <a:rPr lang="en-US"/>
-              <a:t>© 2018, FLL Tutorials, Last Edit 8/20/2016</a:t>
+              <a:t>© 2018, FLL Tutorials, Last Edit 6/11/2018</a:t>
             </a:r>
           </a:p>
         </p:txBody>
@@ -5854,9 +5855,9 @@
           <a:bodyPr/>
           <a:lstStyle/>
           <a:p>
-            <a:fld id="{04F4B6ED-12A6-4726-A1A0-28BA0BA65D5F}" type="datetime1">
+            <a:fld id="{889A5211-C11D-461C-A050-C1C3D2E14D67}" type="datetime1">
               <a:rPr lang="en-US" smtClean="0"/>
-              <a:t>6/7/18</a:t>
+              <a:t>6/11/18</a:t>
             </a:fld>
             <a:endParaRPr lang="en-US"/>
           </a:p>
@@ -5879,7 +5880,7 @@
           <a:p>
             <a:r>
               <a:rPr lang="en-US"/>
-              <a:t>© 2018, FLL Tutorials, Last Edit 8/20/2016</a:t>
+              <a:t>© 2018, FLL Tutorials, Last Edit 6/11/2018</a:t>
             </a:r>
           </a:p>
         </p:txBody>
@@ -6086,9 +6087,9 @@
           <a:bodyPr/>
           <a:lstStyle/>
           <a:p>
-            <a:fld id="{75AB33CF-41C6-45B0-855F-602F25525CD4}" type="datetime1">
+            <a:fld id="{10FD23B2-7855-44FC-8B26-44C97CA1E1B6}" type="datetime1">
               <a:rPr lang="en-US" smtClean="0"/>
-              <a:t>6/7/18</a:t>
+              <a:t>6/11/18</a:t>
             </a:fld>
             <a:endParaRPr lang="en-US"/>
           </a:p>
@@ -6111,7 +6112,7 @@
           <a:p>
             <a:r>
               <a:rPr lang="en-US"/>
-              <a:t>© 2018, FLL Tutorials, Last Edit 8/20/2016</a:t>
+              <a:t>© 2018, FLL Tutorials, Last Edit 6/11/2018</a:t>
             </a:r>
           </a:p>
         </p:txBody>
@@ -6453,9 +6454,9 @@
           <a:bodyPr/>
           <a:lstStyle/>
           <a:p>
-            <a:fld id="{AF3E11BF-9293-4EB9-A26F-9CC3EA3156C5}" type="datetime1">
+            <a:fld id="{B8E4C9D0-6C20-4B7E-9964-1F0FDEE4D3DD}" type="datetime1">
               <a:rPr lang="en-US" smtClean="0"/>
-              <a:t>6/7/18</a:t>
+              <a:t>6/11/18</a:t>
             </a:fld>
             <a:endParaRPr lang="en-US"/>
           </a:p>
@@ -6478,7 +6479,7 @@
           <a:p>
             <a:r>
               <a:rPr lang="en-US"/>
-              <a:t>© 2018, FLL Tutorials, Last Edit 8/20/2016</a:t>
+              <a:t>© 2018, FLL Tutorials, Last Edit 6/11/2018</a:t>
             </a:r>
           </a:p>
         </p:txBody>
@@ -6573,9 +6574,9 @@
           <a:bodyPr/>
           <a:lstStyle/>
           <a:p>
-            <a:fld id="{CF39CB46-764B-48C3-8CF8-9752199601DC}" type="datetime1">
+            <a:fld id="{AE92FC9D-4C2C-4198-85FB-B7956CFE64B7}" type="datetime1">
               <a:rPr lang="en-US" smtClean="0"/>
-              <a:t>6/7/18</a:t>
+              <a:t>6/11/18</a:t>
             </a:fld>
             <a:endParaRPr lang="en-US"/>
           </a:p>
@@ -6598,7 +6599,7 @@
           <a:p>
             <a:r>
               <a:rPr lang="en-US"/>
-              <a:t>© 2018, FLL Tutorials, Last Edit 8/20/2016</a:t>
+              <a:t>© 2018, FLL Tutorials, Last Edit 6/11/2018</a:t>
             </a:r>
           </a:p>
         </p:txBody>
@@ -6671,9 +6672,9 @@
           <a:bodyPr/>
           <a:lstStyle/>
           <a:p>
-            <a:fld id="{02A787FE-2F7C-457B-8094-5F91E7B69591}" type="datetime1">
+            <a:fld id="{DE1A1D8F-738D-413B-8C2D-0C3ECEED58D0}" type="datetime1">
               <a:rPr lang="en-US" smtClean="0"/>
-              <a:t>6/7/18</a:t>
+              <a:t>6/11/18</a:t>
             </a:fld>
             <a:endParaRPr lang="en-US"/>
           </a:p>
@@ -6696,7 +6697,7 @@
           <a:p>
             <a:r>
               <a:rPr lang="en-US"/>
-              <a:t>© 2018, FLL Tutorials, Last Edit 8/20/2016</a:t>
+              <a:t>© 2018, FLL Tutorials, Last Edit 6/11/2018</a:t>
             </a:r>
           </a:p>
         </p:txBody>
@@ -6928,9 +6929,9 @@
           <a:bodyPr/>
           <a:lstStyle/>
           <a:p>
-            <a:fld id="{F2653B11-B56C-4AA6-8F44-EDFE0C32BD4D}" type="datetime1">
+            <a:fld id="{FD177078-61B9-4E7A-B2E1-FABDA1629A68}" type="datetime1">
               <a:rPr lang="en-US" smtClean="0"/>
-              <a:t>6/7/18</a:t>
+              <a:t>6/11/18</a:t>
             </a:fld>
             <a:endParaRPr lang="en-US"/>
           </a:p>
@@ -6976,7 +6977,7 @@
           <a:p>
             <a:r>
               <a:rPr lang="en-US"/>
-              <a:t>© 2018, FLL Tutorials, Last Edit 8/20/2016</a:t>
+              <a:t>© 2018, FLL Tutorials, Last Edit 6/11/2018</a:t>
             </a:r>
           </a:p>
         </p:txBody>
@@ -7206,9 +7207,9 @@
           <a:bodyPr/>
           <a:lstStyle/>
           <a:p>
-            <a:fld id="{1AAB9FC4-EA0D-4454-8D4B-E0CD1EAD35B4}" type="datetime1">
+            <a:fld id="{429B1552-DB47-414C-94AE-3D8B87A8A3DD}" type="datetime1">
               <a:rPr lang="en-US" smtClean="0"/>
-              <a:t>6/7/18</a:t>
+              <a:t>6/11/18</a:t>
             </a:fld>
             <a:endParaRPr lang="en-US"/>
           </a:p>
@@ -7231,7 +7232,7 @@
           <a:p>
             <a:r>
               <a:rPr lang="en-US"/>
-              <a:t>© 2018, FLL Tutorials, Last Edit 8/20/2016</a:t>
+              <a:t>© 2018, FLL Tutorials, Last Edit 6/11/2018</a:t>
             </a:r>
           </a:p>
         </p:txBody>
@@ -7464,9 +7465,9 @@
           <a:bodyPr/>
           <a:lstStyle/>
           <a:p>
-            <a:fld id="{9000A816-4E95-46E9-A9A1-0CE820C533D1}" type="datetime1">
+            <a:fld id="{31D7A12F-6387-4CBC-B80C-E752019D5339}" type="datetime1">
               <a:rPr lang="en-US" smtClean="0"/>
-              <a:t>6/7/18</a:t>
+              <a:t>6/11/18</a:t>
             </a:fld>
             <a:endParaRPr lang="en-US"/>
           </a:p>
@@ -7489,7 +7490,7 @@
           <a:p>
             <a:r>
               <a:rPr lang="en-US"/>
-              <a:t>© 2018, FLL Tutorials, Last Edit 8/20/2016</a:t>
+              <a:t>© 2018, FLL Tutorials, Last Edit 6/11/2018</a:t>
             </a:r>
           </a:p>
         </p:txBody>
@@ -7635,9 +7636,9 @@
           <a:bodyPr/>
           <a:lstStyle/>
           <a:p>
-            <a:fld id="{F052DDEE-3BE3-4C53-8193-5F2366F47781}" type="datetime1">
+            <a:fld id="{431F54EF-77F2-4BBE-9A6D-F01712C4CFEE}" type="datetime1">
               <a:rPr lang="en-US" smtClean="0"/>
-              <a:t>6/7/18</a:t>
+              <a:t>6/11/18</a:t>
             </a:fld>
             <a:endParaRPr lang="en-US"/>
           </a:p>
@@ -7660,7 +7661,7 @@
           <a:p>
             <a:r>
               <a:rPr lang="en-US"/>
-              <a:t>© 2018, FLL Tutorials, Last Edit 8/20/2016</a:t>
+              <a:t>© 2018, FLL Tutorials, Last Edit 6/11/2018</a:t>
             </a:r>
           </a:p>
         </p:txBody>
@@ -7816,9 +7817,9 @@
           <a:bodyPr/>
           <a:lstStyle/>
           <a:p>
-            <a:fld id="{B615087A-EB1C-41AB-91AE-A688AB2EECE9}" type="datetime1">
+            <a:fld id="{15B699D4-633E-4E34-A973-408A512123D4}" type="datetime1">
               <a:rPr lang="en-US" smtClean="0"/>
-              <a:t>6/7/18</a:t>
+              <a:t>6/11/18</a:t>
             </a:fld>
             <a:endParaRPr lang="en-US"/>
           </a:p>
@@ -7841,7 +7842,7 @@
           <a:p>
             <a:r>
               <a:rPr lang="en-US"/>
-              <a:t>© 2018, FLL Tutorials, Last Edit 8/20/2016</a:t>
+              <a:t>© 2018, FLL Tutorials, Last Edit 6/11/2018</a:t>
             </a:r>
           </a:p>
         </p:txBody>
@@ -8073,9 +8074,9 @@
           <a:bodyPr/>
           <a:lstStyle/>
           <a:p>
-            <a:fld id="{70D4F442-78DA-45B7-B5AC-27BABCBF0EFB}" type="datetime1">
+            <a:fld id="{5F7BFD5E-64D2-4439-B925-61BD985D8699}" type="datetime1">
               <a:rPr lang="en-US" smtClean="0"/>
-              <a:t>6/7/18</a:t>
+              <a:t>6/11/18</a:t>
             </a:fld>
             <a:endParaRPr lang="en-US"/>
           </a:p>
@@ -8098,7 +8099,7 @@
           <a:p>
             <a:r>
               <a:rPr lang="en-US"/>
-              <a:t>© 2018, FLL Tutorials, Last Edit 8/20/2016</a:t>
+              <a:t>© 2018, FLL Tutorials, Last Edit 6/11/2018</a:t>
             </a:r>
           </a:p>
         </p:txBody>
@@ -9097,9 +9098,9 @@
           <a:bodyPr/>
           <a:lstStyle/>
           <a:p>
-            <a:fld id="{85260668-60C1-41FE-BC6E-092CAAE3966E}" type="datetime1">
+            <a:fld id="{0295B3B1-CBAC-4838-B69A-9F18585DB8C1}" type="datetime1">
               <a:rPr lang="en-US" smtClean="0"/>
-              <a:t>6/7/18</a:t>
+              <a:t>6/11/18</a:t>
             </a:fld>
             <a:endParaRPr lang="en-US"/>
           </a:p>
@@ -9122,7 +9123,7 @@
           <a:p>
             <a:r>
               <a:rPr lang="en-US"/>
-              <a:t>© 2018, FLL Tutorials, Last Edit 8/20/2016</a:t>
+              <a:t>© 2018, FLL Tutorials, Last Edit 6/11/2018</a:t>
             </a:r>
           </a:p>
         </p:txBody>
@@ -9359,9 +9360,9 @@
           <a:bodyPr/>
           <a:lstStyle/>
           <a:p>
-            <a:fld id="{E243B144-CD92-4353-B1F0-52BBE35364B4}" type="datetime1">
+            <a:fld id="{663A9006-8D57-4BBF-88AB-57DF53836874}" type="datetime1">
               <a:rPr lang="en-US" smtClean="0"/>
-              <a:t>6/7/18</a:t>
+              <a:t>6/11/18</a:t>
             </a:fld>
             <a:endParaRPr lang="en-US"/>
           </a:p>
@@ -9407,7 +9408,7 @@
           <a:p>
             <a:r>
               <a:rPr lang="en-US"/>
-              <a:t>© 2018, FLL Tutorials, Last Edit 8/20/2016</a:t>
+              <a:t>© 2018, FLL Tutorials, Last Edit 6/11/2018</a:t>
             </a:r>
           </a:p>
         </p:txBody>
@@ -9654,9 +9655,9 @@
           <a:bodyPr/>
           <a:lstStyle/>
           <a:p>
-            <a:fld id="{3323D43F-D10B-4F98-844C-EF9D63930F75}" type="datetime1">
+            <a:fld id="{8D4F1622-9BA6-4622-987B-8E3FA47CCB61}" type="datetime1">
               <a:rPr lang="en-US" smtClean="0"/>
-              <a:t>6/7/18</a:t>
+              <a:t>6/11/18</a:t>
             </a:fld>
             <a:endParaRPr lang="en-US"/>
           </a:p>
@@ -9679,7 +9680,7 @@
           <a:p>
             <a:r>
               <a:rPr lang="en-US"/>
-              <a:t>© 2018, FLL Tutorials, Last Edit 8/20/2016</a:t>
+              <a:t>© 2018, FLL Tutorials, Last Edit 6/11/2018</a:t>
             </a:r>
           </a:p>
         </p:txBody>
@@ -10100,9 +10101,9 @@
           <a:bodyPr/>
           <a:lstStyle/>
           <a:p>
-            <a:fld id="{26C16A8A-3CF5-432B-9590-0518B7B663AC}" type="datetime1">
+            <a:fld id="{65CF207C-7E10-4632-A69E-9E47825D48F1}" type="datetime1">
               <a:rPr lang="en-US" smtClean="0"/>
-              <a:t>6/7/18</a:t>
+              <a:t>6/11/18</a:t>
             </a:fld>
             <a:endParaRPr lang="en-US"/>
           </a:p>
@@ -10125,7 +10126,7 @@
           <a:p>
             <a:r>
               <a:rPr lang="en-US"/>
-              <a:t>© 2018, FLL Tutorials, Last Edit 8/20/2016</a:t>
+              <a:t>© 2018, FLL Tutorials, Last Edit 6/11/2018</a:t>
             </a:r>
           </a:p>
         </p:txBody>
@@ -10220,9 +10221,9 @@
           <a:bodyPr/>
           <a:lstStyle/>
           <a:p>
-            <a:fld id="{3A54C430-B0E1-4EC1-AABE-91DA7C72A600}" type="datetime1">
+            <a:fld id="{0EBB65FE-AA22-413E-95E1-49DE6C2E3E5B}" type="datetime1">
               <a:rPr lang="en-US" smtClean="0"/>
-              <a:t>6/7/18</a:t>
+              <a:t>6/11/18</a:t>
             </a:fld>
             <a:endParaRPr lang="en-US"/>
           </a:p>
@@ -10245,7 +10246,7 @@
           <a:p>
             <a:r>
               <a:rPr lang="en-US"/>
-              <a:t>© 2018, FLL Tutorials, Last Edit 8/20/2016</a:t>
+              <a:t>© 2018, FLL Tutorials, Last Edit 6/11/2018</a:t>
             </a:r>
           </a:p>
         </p:txBody>
@@ -10514,9 +10515,9 @@
           <a:bodyPr/>
           <a:lstStyle/>
           <a:p>
-            <a:fld id="{85463E6D-EF47-4092-88B2-6B54D0A8E0C5}" type="datetime1">
+            <a:fld id="{18A8C887-9769-4795-919E-74E7245C8E9D}" type="datetime1">
               <a:rPr lang="en-US" smtClean="0"/>
-              <a:t>6/7/18</a:t>
+              <a:t>6/11/18</a:t>
             </a:fld>
             <a:endParaRPr lang="en-US"/>
           </a:p>
@@ -10539,7 +10540,7 @@
           <a:p>
             <a:r>
               <a:rPr lang="en-US"/>
-              <a:t>© 2018, FLL Tutorials, Last Edit 8/20/2016</a:t>
+              <a:t>© 2018, FLL Tutorials, Last Edit 6/11/2018</a:t>
             </a:r>
           </a:p>
         </p:txBody>
@@ -10612,9 +10613,9 @@
           <a:bodyPr/>
           <a:lstStyle/>
           <a:p>
-            <a:fld id="{47810995-450B-40EC-A652-EDD3F0DFAFC5}" type="datetime1">
+            <a:fld id="{42E6C8FE-2EE9-4200-8764-67DE22303A24}" type="datetime1">
               <a:rPr lang="en-US" smtClean="0"/>
-              <a:t>6/7/18</a:t>
+              <a:t>6/11/18</a:t>
             </a:fld>
             <a:endParaRPr lang="en-US"/>
           </a:p>
@@ -10637,7 +10638,7 @@
           <a:p>
             <a:r>
               <a:rPr lang="en-US"/>
-              <a:t>© 2018, FLL Tutorials, Last Edit 8/20/2016</a:t>
+              <a:t>© 2018, FLL Tutorials, Last Edit 6/11/2018</a:t>
             </a:r>
           </a:p>
         </p:txBody>
@@ -10862,9 +10863,9 @@
           <a:bodyPr/>
           <a:lstStyle/>
           <a:p>
-            <a:fld id="{CC0A736E-C733-465B-9228-8A150FF5B267}" type="datetime1">
+            <a:fld id="{2DBC0EB7-3602-4FDA-A80A-81BF9E69CC9D}" type="datetime1">
               <a:rPr lang="en-US" smtClean="0"/>
-              <a:t>6/7/18</a:t>
+              <a:t>6/11/18</a:t>
             </a:fld>
             <a:endParaRPr lang="en-US"/>
           </a:p>
@@ -10887,7 +10888,7 @@
           <a:p>
             <a:r>
               <a:rPr lang="en-US"/>
-              <a:t>© 2018, FLL Tutorials, Last Edit 8/20/2016</a:t>
+              <a:t>© 2018, FLL Tutorials, Last Edit 6/11/2018</a:t>
             </a:r>
           </a:p>
         </p:txBody>
@@ -11162,9 +11163,9 @@
           <a:bodyPr/>
           <a:lstStyle/>
           <a:p>
-            <a:fld id="{FC3B135B-BD47-4A4D-8504-8206B4C911B6}" type="datetime1">
+            <a:fld id="{E634A7CE-793C-40FD-8A3D-8820366CD833}" type="datetime1">
               <a:rPr lang="en-US" smtClean="0"/>
-              <a:t>6/7/18</a:t>
+              <a:t>6/11/18</a:t>
             </a:fld>
             <a:endParaRPr lang="en-US"/>
           </a:p>
@@ -11187,7 +11188,7 @@
           <a:p>
             <a:r>
               <a:rPr lang="en-US"/>
-              <a:t>© 2018, FLL Tutorials, Last Edit 8/20/2016</a:t>
+              <a:t>© 2018, FLL Tutorials, Last Edit 6/11/2018</a:t>
             </a:r>
           </a:p>
         </p:txBody>
@@ -11421,9 +11422,9 @@
           <a:bodyPr/>
           <a:lstStyle/>
           <a:p>
-            <a:fld id="{F11C7DAC-6F57-4243-A21F-03CB93B068AD}" type="datetime1">
+            <a:fld id="{4F33BF73-2F9C-4902-B07F-ABF99B0D1BB5}" type="datetime1">
               <a:rPr lang="en-US" smtClean="0"/>
-              <a:t>6/7/18</a:t>
+              <a:t>6/11/18</a:t>
             </a:fld>
             <a:endParaRPr lang="en-US"/>
           </a:p>
@@ -11446,7 +11447,7 @@
           <a:p>
             <a:r>
               <a:rPr lang="en-US"/>
-              <a:t>© 2018, FLL Tutorials, Last Edit 8/20/2016</a:t>
+              <a:t>© 2018, FLL Tutorials, Last Edit 6/11/2018</a:t>
             </a:r>
           </a:p>
         </p:txBody>
@@ -11602,9 +11603,9 @@
           <a:bodyPr/>
           <a:lstStyle/>
           <a:p>
-            <a:fld id="{A860CA9B-7428-4C10-B047-A8761BA7894A}" type="datetime1">
+            <a:fld id="{784CE993-7E57-418F-A1B3-C3F256D87FCE}" type="datetime1">
               <a:rPr lang="en-US" smtClean="0"/>
-              <a:t>6/7/18</a:t>
+              <a:t>6/11/18</a:t>
             </a:fld>
             <a:endParaRPr lang="en-US"/>
           </a:p>
@@ -11627,7 +11628,7 @@
           <a:p>
             <a:r>
               <a:rPr lang="en-US"/>
-              <a:t>© 2018, FLL Tutorials, Last Edit 8/20/2016</a:t>
+              <a:t>© 2018, FLL Tutorials, Last Edit 6/11/2018</a:t>
             </a:r>
           </a:p>
         </p:txBody>
@@ -11818,9 +11819,9 @@
           <a:bodyPr/>
           <a:lstStyle/>
           <a:p>
-            <a:fld id="{8382FCC6-16AD-4CB8-B909-5F7F3B9D9B91}" type="datetime1">
+            <a:fld id="{13F17F39-73E7-45A2-9894-DC41E34B6475}" type="datetime1">
               <a:rPr lang="en-US" smtClean="0"/>
-              <a:t>6/7/18</a:t>
+              <a:t>6/11/18</a:t>
             </a:fld>
             <a:endParaRPr lang="en-US"/>
           </a:p>
@@ -11848,7 +11849,7 @@
           <a:p>
             <a:r>
               <a:rPr lang="en-US"/>
-              <a:t>© 2018, FLL Tutorials, Last Edit 8/20/2016</a:t>
+              <a:t>© 2018, FLL Tutorials, Last Edit 6/11/2018</a:t>
             </a:r>
           </a:p>
         </p:txBody>
@@ -13074,9 +13075,9 @@
           <a:bodyPr/>
           <a:lstStyle/>
           <a:p>
-            <a:fld id="{5DE189C8-7769-4200-9E96-8BE3964E6564}" type="datetime1">
+            <a:fld id="{3210A3E2-9922-4669-A092-74830C7CD743}" type="datetime1">
               <a:rPr lang="en-US" smtClean="0"/>
-              <a:t>6/7/18</a:t>
+              <a:t>6/11/18</a:t>
             </a:fld>
             <a:endParaRPr lang="en-US"/>
           </a:p>
@@ -13099,7 +13100,7 @@
           <a:p>
             <a:r>
               <a:rPr lang="en-US"/>
-              <a:t>© 2018, FLL Tutorials, Last Edit 8/20/2016</a:t>
+              <a:t>© 2018, FLL Tutorials, Last Edit 6/11/2018</a:t>
             </a:r>
           </a:p>
         </p:txBody>
@@ -13339,9 +13340,9 @@
           <a:bodyPr/>
           <a:lstStyle/>
           <a:p>
-            <a:fld id="{B18DD47F-E55E-4F69-8D4D-F443438E6C2B}" type="datetime1">
+            <a:fld id="{BFD481AC-959B-4A6A-B562-172A9EC0F718}" type="datetime1">
               <a:rPr lang="en-US" smtClean="0"/>
-              <a:t>6/7/18</a:t>
+              <a:t>6/11/18</a:t>
             </a:fld>
             <a:endParaRPr lang="en-US"/>
           </a:p>
@@ -13395,7 +13396,7 @@
           <a:p>
             <a:r>
               <a:rPr lang="en-US"/>
-              <a:t>© 2018, FLL Tutorials, Last Edit 8/20/2016</a:t>
+              <a:t>© 2018, FLL Tutorials, Last Edit 6/11/2018</a:t>
             </a:r>
           </a:p>
         </p:txBody>
@@ -13642,9 +13643,9 @@
           <a:bodyPr/>
           <a:lstStyle/>
           <a:p>
-            <a:fld id="{AC47FD5D-C8AE-478F-9C3A-BD56910B4783}" type="datetime1">
+            <a:fld id="{710D56DC-7ED3-4F85-B7F8-46E7260D8B02}" type="datetime1">
               <a:rPr lang="en-US" smtClean="0"/>
-              <a:t>6/7/18</a:t>
+              <a:t>6/11/18</a:t>
             </a:fld>
             <a:endParaRPr lang="en-US"/>
           </a:p>
@@ -13667,7 +13668,7 @@
           <a:p>
             <a:r>
               <a:rPr lang="en-US"/>
-              <a:t>© 2018, FLL Tutorials, Last Edit 8/20/2016</a:t>
+              <a:t>© 2018, FLL Tutorials, Last Edit 6/11/2018</a:t>
             </a:r>
           </a:p>
         </p:txBody>
@@ -14096,9 +14097,9 @@
           <a:bodyPr/>
           <a:lstStyle/>
           <a:p>
-            <a:fld id="{4C68CE4A-671B-46D8-948A-F2BA591CEA8B}" type="datetime1">
+            <a:fld id="{21DF5635-8658-4C2B-A038-9FA906D9BFE7}" type="datetime1">
               <a:rPr lang="en-US" smtClean="0"/>
-              <a:t>6/7/18</a:t>
+              <a:t>6/11/18</a:t>
             </a:fld>
             <a:endParaRPr lang="en-US"/>
           </a:p>
@@ -14121,7 +14122,7 @@
           <a:p>
             <a:r>
               <a:rPr lang="en-US"/>
-              <a:t>© 2018, FLL Tutorials, Last Edit 8/20/2016</a:t>
+              <a:t>© 2018, FLL Tutorials, Last Edit 6/11/2018</a:t>
             </a:r>
           </a:p>
         </p:txBody>
@@ -14550,9 +14551,9 @@
           <a:bodyPr/>
           <a:lstStyle/>
           <a:p>
-            <a:fld id="{B2046BB5-76AF-443B-AFFC-EE8ADA0A723F}" type="datetime1">
+            <a:fld id="{315D4E18-DCD2-4C06-9442-F73848003104}" type="datetime1">
               <a:rPr lang="en-US" smtClean="0"/>
-              <a:t>6/7/18</a:t>
+              <a:t>6/11/18</a:t>
             </a:fld>
             <a:endParaRPr lang="en-US"/>
           </a:p>
@@ -14575,7 +14576,7 @@
           <a:p>
             <a:r>
               <a:rPr lang="en-US"/>
-              <a:t>© 2018, FLL Tutorials, Last Edit 8/20/2016</a:t>
+              <a:t>© 2018, FLL Tutorials, Last Edit 6/11/2018</a:t>
             </a:r>
           </a:p>
         </p:txBody>
@@ -14670,9 +14671,9 @@
           <a:bodyPr/>
           <a:lstStyle/>
           <a:p>
-            <a:fld id="{41C6C196-DDFD-4AC7-913B-35791A0FF86C}" type="datetime1">
+            <a:fld id="{71FE874C-8836-483A-BD58-3EEA235FF80A}" type="datetime1">
               <a:rPr lang="en-US" smtClean="0"/>
-              <a:t>6/7/18</a:t>
+              <a:t>6/11/18</a:t>
             </a:fld>
             <a:endParaRPr lang="en-US"/>
           </a:p>
@@ -14695,7 +14696,7 @@
           <a:p>
             <a:r>
               <a:rPr lang="en-US"/>
-              <a:t>© 2018, FLL Tutorials, Last Edit 8/20/2016</a:t>
+              <a:t>© 2018, FLL Tutorials, Last Edit 6/11/2018</a:t>
             </a:r>
           </a:p>
         </p:txBody>
@@ -14776,9 +14777,9 @@
           <a:bodyPr/>
           <a:lstStyle/>
           <a:p>
-            <a:fld id="{56425886-10F1-4B36-A30E-4302240F2BD2}" type="datetime1">
+            <a:fld id="{5CB20955-BD86-426A-8B87-F96FBADCAED3}" type="datetime1">
               <a:rPr lang="en-US" smtClean="0"/>
-              <a:t>6/7/18</a:t>
+              <a:t>6/11/18</a:t>
             </a:fld>
             <a:endParaRPr lang="en-US"/>
           </a:p>
@@ -14801,7 +14802,7 @@
           <a:p>
             <a:r>
               <a:rPr lang="en-US"/>
-              <a:t>© 2018, FLL Tutorials, Last Edit 8/20/2016</a:t>
+              <a:t>© 2018, FLL Tutorials, Last Edit 6/11/2018</a:t>
             </a:r>
           </a:p>
         </p:txBody>
@@ -15034,9 +15035,9 @@
           <a:bodyPr/>
           <a:lstStyle/>
           <a:p>
-            <a:fld id="{AE3199F6-F7CB-42E4-9A67-8ECEA482202B}" type="datetime1">
+            <a:fld id="{8A1C7CA0-D63B-491F-B3CC-C32BF4FBCB59}" type="datetime1">
               <a:rPr lang="en-US" smtClean="0"/>
-              <a:t>6/7/18</a:t>
+              <a:t>6/11/18</a:t>
             </a:fld>
             <a:endParaRPr lang="en-US"/>
           </a:p>
@@ -15059,7 +15060,7 @@
           <a:p>
             <a:r>
               <a:rPr lang="en-US"/>
-              <a:t>© 2018, FLL Tutorials, Last Edit 8/20/2016</a:t>
+              <a:t>© 2018, FLL Tutorials, Last Edit 6/11/2018</a:t>
             </a:r>
           </a:p>
         </p:txBody>
@@ -15342,9 +15343,9 @@
           <a:bodyPr/>
           <a:lstStyle/>
           <a:p>
-            <a:fld id="{C93D5F2A-0F8B-4CE7-BFE7-C349141F6A60}" type="datetime1">
+            <a:fld id="{082DD835-6709-4849-AF76-442DF0C9AB21}" type="datetime1">
               <a:rPr lang="en-US" smtClean="0"/>
-              <a:t>6/7/18</a:t>
+              <a:t>6/11/18</a:t>
             </a:fld>
             <a:endParaRPr lang="en-US"/>
           </a:p>
@@ -15367,7 +15368,7 @@
           <a:p>
             <a:r>
               <a:rPr lang="en-US"/>
-              <a:t>© 2018, FLL Tutorials, Last Edit 8/20/2016</a:t>
+              <a:t>© 2018, FLL Tutorials, Last Edit 6/11/2018</a:t>
             </a:r>
           </a:p>
         </p:txBody>
@@ -15609,9 +15610,9 @@
           <a:bodyPr/>
           <a:lstStyle/>
           <a:p>
-            <a:fld id="{5C99F70F-CE49-4A0D-A725-A8180D83E87C}" type="datetime1">
+            <a:fld id="{A774C837-BE80-492F-A815-98343FCDB2FC}" type="datetime1">
               <a:rPr lang="en-US" smtClean="0"/>
-              <a:t>6/7/18</a:t>
+              <a:t>6/11/18</a:t>
             </a:fld>
             <a:endParaRPr lang="en-US"/>
           </a:p>
@@ -15634,7 +15635,7 @@
           <a:p>
             <a:r>
               <a:rPr lang="en-US"/>
-              <a:t>© 2018, FLL Tutorials, Last Edit 8/20/2016</a:t>
+              <a:t>© 2018, FLL Tutorials, Last Edit 6/11/2018</a:t>
             </a:r>
           </a:p>
         </p:txBody>
@@ -15798,9 +15799,9 @@
           <a:bodyPr/>
           <a:lstStyle/>
           <a:p>
-            <a:fld id="{4D775F9B-F632-4964-B26C-4BA408382216}" type="datetime1">
+            <a:fld id="{863A1E09-C8AB-42E4-BC7A-F404DAC34423}" type="datetime1">
               <a:rPr lang="en-US" smtClean="0"/>
-              <a:t>6/7/18</a:t>
+              <a:t>6/11/18</a:t>
             </a:fld>
             <a:endParaRPr lang="en-US"/>
           </a:p>
@@ -15823,7 +15824,7 @@
           <a:p>
             <a:r>
               <a:rPr lang="en-US"/>
-              <a:t>© 2018, FLL Tutorials, Last Edit 8/20/2016</a:t>
+              <a:t>© 2018, FLL Tutorials, Last Edit 6/11/2018</a:t>
             </a:r>
           </a:p>
         </p:txBody>
@@ -15999,9 +16000,9 @@
           <a:bodyPr/>
           <a:lstStyle/>
           <a:p>
-            <a:fld id="{A8C2EB7C-9E02-4EAC-B059-B1860F3424EB}" type="datetime1">
+            <a:fld id="{BC53A374-5E9D-4521-B3B0-CDEEA6FF63BB}" type="datetime1">
               <a:rPr lang="en-US" smtClean="0"/>
-              <a:t>6/7/18</a:t>
+              <a:t>6/11/18</a:t>
             </a:fld>
             <a:endParaRPr lang="en-US"/>
           </a:p>
@@ -16024,7 +16025,7 @@
           <a:p>
             <a:r>
               <a:rPr lang="en-US"/>
-              <a:t>© 2018, FLL Tutorials, Last Edit 8/20/2016</a:t>
+              <a:t>© 2018, FLL Tutorials, Last Edit 6/11/2018</a:t>
             </a:r>
           </a:p>
         </p:txBody>
@@ -16170,9 +16171,9 @@
           <a:bodyPr/>
           <a:lstStyle/>
           <a:p>
-            <a:fld id="{6FBB4136-BDBF-4496-96B7-24114B3C774B}" type="datetime1">
+            <a:fld id="{DDB63C25-267A-41A6-986D-C238A6091550}" type="datetime1">
               <a:rPr lang="en-US" smtClean="0"/>
-              <a:t>6/7/18</a:t>
+              <a:t>6/11/18</a:t>
             </a:fld>
             <a:endParaRPr lang="en-US"/>
           </a:p>
@@ -16195,7 +16196,7 @@
           <a:p>
             <a:r>
               <a:rPr lang="en-US"/>
-              <a:t>© 2018, FLL Tutorials, Last Edit 8/20/2016</a:t>
+              <a:t>© 2018, FLL Tutorials, Last Edit 6/11/2018</a:t>
             </a:r>
           </a:p>
         </p:txBody>
@@ -16418,9 +16419,9 @@
           <a:bodyPr/>
           <a:lstStyle/>
           <a:p>
-            <a:fld id="{D4E932AE-16C7-4DBF-AF82-CD0EA640D95D}" type="datetime1">
+            <a:fld id="{09E4DAA5-871F-40A3-9B0B-DE64D35F6ECD}" type="datetime1">
               <a:rPr lang="en-US" smtClean="0"/>
-              <a:t>6/7/18</a:t>
+              <a:t>6/11/18</a:t>
             </a:fld>
             <a:endParaRPr lang="en-US"/>
           </a:p>
@@ -16443,7 +16444,7 @@
           <a:p>
             <a:r>
               <a:rPr lang="en-US"/>
-              <a:t>© 2018, FLL Tutorials, Last Edit 8/20/2016</a:t>
+              <a:t>© 2018, FLL Tutorials, Last Edit 6/11/2018</a:t>
             </a:r>
           </a:p>
         </p:txBody>
@@ -16650,9 +16651,9 @@
           <a:bodyPr/>
           <a:lstStyle/>
           <a:p>
-            <a:fld id="{0CA277DF-50FC-424E-BD19-9BBF67ED763D}" type="datetime1">
+            <a:fld id="{D0B72FD2-BA32-4F71-AA4E-08BE768BDD59}" type="datetime1">
               <a:rPr lang="en-US" smtClean="0"/>
-              <a:t>6/7/18</a:t>
+              <a:t>6/11/18</a:t>
             </a:fld>
             <a:endParaRPr lang="en-US"/>
           </a:p>
@@ -16675,7 +16676,7 @@
           <a:p>
             <a:r>
               <a:rPr lang="en-US"/>
-              <a:t>© 2018, FLL Tutorials, Last Edit 8/20/2016</a:t>
+              <a:t>© 2018, FLL Tutorials, Last Edit 6/11/2018</a:t>
             </a:r>
           </a:p>
         </p:txBody>
@@ -16770,9 +16771,9 @@
           <a:bodyPr/>
           <a:lstStyle/>
           <a:p>
-            <a:fld id="{FC26DCB7-BF74-4566-93AA-562F0EF82F9E}" type="datetime1">
+            <a:fld id="{B673B490-348F-4C1C-9773-C0CF09B0A997}" type="datetime1">
               <a:rPr lang="en-US" smtClean="0"/>
-              <a:t>6/7/18</a:t>
+              <a:t>6/11/18</a:t>
             </a:fld>
             <a:endParaRPr lang="en-US"/>
           </a:p>
@@ -16795,7 +16796,7 @@
           <a:p>
             <a:r>
               <a:rPr lang="en-US"/>
-              <a:t>© 2018, FLL Tutorials, Last Edit 8/20/2016</a:t>
+              <a:t>© 2018, FLL Tutorials, Last Edit 6/11/2018</a:t>
             </a:r>
           </a:p>
         </p:txBody>
@@ -17137,9 +17138,9 @@
           <a:bodyPr/>
           <a:lstStyle/>
           <a:p>
-            <a:fld id="{E490558C-3406-45FD-BCDC-EF613AB113A5}" type="datetime1">
+            <a:fld id="{B467446B-200B-4A71-BC24-9CCDCD461E15}" type="datetime1">
               <a:rPr lang="en-US" smtClean="0"/>
-              <a:t>6/7/18</a:t>
+              <a:t>6/11/18</a:t>
             </a:fld>
             <a:endParaRPr lang="en-US"/>
           </a:p>
@@ -17162,7 +17163,7 @@
           <a:p>
             <a:r>
               <a:rPr lang="en-US"/>
-              <a:t>© 2018, FLL Tutorials, Last Edit 8/20/2016</a:t>
+              <a:t>© 2018, FLL Tutorials, Last Edit 6/11/2018</a:t>
             </a:r>
           </a:p>
         </p:txBody>
@@ -17257,9 +17258,9 @@
           <a:bodyPr/>
           <a:lstStyle/>
           <a:p>
-            <a:fld id="{6B071FD2-46E6-4F29-92E9-69169F41F6BF}" type="datetime1">
+            <a:fld id="{456C651B-AEFB-4B35-9F22-81C5881B6389}" type="datetime1">
               <a:rPr lang="en-US" smtClean="0"/>
-              <a:t>6/7/18</a:t>
+              <a:t>6/11/18</a:t>
             </a:fld>
             <a:endParaRPr lang="en-US"/>
           </a:p>
@@ -17282,7 +17283,7 @@
           <a:p>
             <a:r>
               <a:rPr lang="en-US"/>
-              <a:t>© 2018, FLL Tutorials, Last Edit 8/20/2016</a:t>
+              <a:t>© 2018, FLL Tutorials, Last Edit 6/11/2018</a:t>
             </a:r>
           </a:p>
         </p:txBody>
@@ -17355,9 +17356,9 @@
           <a:bodyPr/>
           <a:lstStyle/>
           <a:p>
-            <a:fld id="{3899D63C-1EAA-4E6F-83F1-5B32AEB2D5D1}" type="datetime1">
+            <a:fld id="{658F79F4-237F-4CEF-BA3D-0ADF46736FD0}" type="datetime1">
               <a:rPr lang="en-US" smtClean="0"/>
-              <a:t>6/7/18</a:t>
+              <a:t>6/11/18</a:t>
             </a:fld>
             <a:endParaRPr lang="en-US"/>
           </a:p>
@@ -17380,7 +17381,7 @@
           <a:p>
             <a:r>
               <a:rPr lang="en-US"/>
-              <a:t>© 2018, FLL Tutorials, Last Edit 8/20/2016</a:t>
+              <a:t>© 2018, FLL Tutorials, Last Edit 6/11/2018</a:t>
             </a:r>
           </a:p>
         </p:txBody>
@@ -17633,9 +17634,9 @@
           <a:bodyPr/>
           <a:lstStyle/>
           <a:p>
-            <a:fld id="{502F0383-B846-42BF-A662-AED3966F4450}" type="datetime1">
+            <a:fld id="{1F92F1E7-B227-4F70-A66A-CCC02B355DE6}" type="datetime1">
               <a:rPr lang="en-US" smtClean="0"/>
-              <a:t>6/7/18</a:t>
+              <a:t>6/11/18</a:t>
             </a:fld>
             <a:endParaRPr lang="en-US"/>
           </a:p>
@@ -17658,7 +17659,7 @@
           <a:p>
             <a:r>
               <a:rPr lang="en-US"/>
-              <a:t>© 2018, FLL Tutorials, Last Edit 8/20/2016</a:t>
+              <a:t>© 2018, FLL Tutorials, Last Edit 6/11/2018</a:t>
             </a:r>
           </a:p>
         </p:txBody>
@@ -17891,9 +17892,9 @@
           <a:bodyPr/>
           <a:lstStyle/>
           <a:p>
-            <a:fld id="{596FFA55-48FC-40CB-91F4-061258FB8651}" type="datetime1">
+            <a:fld id="{6EBB45EA-919A-4977-8000-8AB16D698EC5}" type="datetime1">
               <a:rPr lang="en-US" smtClean="0"/>
-              <a:t>6/7/18</a:t>
+              <a:t>6/11/18</a:t>
             </a:fld>
             <a:endParaRPr lang="en-US"/>
           </a:p>
@@ -17916,7 +17917,7 @@
           <a:p>
             <a:r>
               <a:rPr lang="en-US"/>
-              <a:t>© 2018, FLL Tutorials, Last Edit 8/20/2016</a:t>
+              <a:t>© 2018, FLL Tutorials, Last Edit 6/11/2018</a:t>
             </a:r>
           </a:p>
         </p:txBody>
@@ -18062,9 +18063,9 @@
           <a:bodyPr/>
           <a:lstStyle/>
           <a:p>
-            <a:fld id="{0FF15510-9D0D-4EE0-AAC8-96EE1D0BD543}" type="datetime1">
+            <a:fld id="{C4FCA1F4-032F-499A-B857-AE644C266F12}" type="datetime1">
               <a:rPr lang="en-US" smtClean="0"/>
-              <a:t>6/7/18</a:t>
+              <a:t>6/11/18</a:t>
             </a:fld>
             <a:endParaRPr lang="en-US"/>
           </a:p>
@@ -18087,7 +18088,7 @@
           <a:p>
             <a:r>
               <a:rPr lang="en-US"/>
-              <a:t>© 2018, FLL Tutorials, Last Edit 8/20/2016</a:t>
+              <a:t>© 2018, FLL Tutorials, Last Edit 6/11/2018</a:t>
             </a:r>
           </a:p>
         </p:txBody>
@@ -18243,9 +18244,9 @@
           <a:bodyPr/>
           <a:lstStyle/>
           <a:p>
-            <a:fld id="{E65B301A-89CC-4635-B009-0CD2098AE1BA}" type="datetime1">
+            <a:fld id="{E23C20B4-A41F-455E-B6C6-CCABCDD79890}" type="datetime1">
               <a:rPr lang="en-US" smtClean="0"/>
-              <a:t>6/7/18</a:t>
+              <a:t>6/11/18</a:t>
             </a:fld>
             <a:endParaRPr lang="en-US"/>
           </a:p>
@@ -18268,7 +18269,7 @@
           <a:p>
             <a:r>
               <a:rPr lang="en-US"/>
-              <a:t>© 2018, FLL Tutorials, Last Edit 8/20/2016</a:t>
+              <a:t>© 2018, FLL Tutorials, Last Edit 6/11/2018</a:t>
             </a:r>
           </a:p>
         </p:txBody>
@@ -18300,6 +18301,1328 @@
     <p:extLst>
       <p:ext uri="{BB962C8B-B14F-4D97-AF65-F5344CB8AC3E}">
         <p14:creationId xmlns:p14="http://schemas.microsoft.com/office/powerpoint/2010/main" val="5720026"/>
+      </p:ext>
+    </p:extLst>
+  </p:cSld>
+  <p:clrMapOvr>
+    <a:masterClrMapping/>
+  </p:clrMapOvr>
+</p:sldLayout>
+</file>
+
+<file path=ppt/slideLayouts/slideLayout67.xml><?xml version="1.0" encoding="utf-8"?>
+<p:sldLayout xmlns:a="http://schemas.openxmlformats.org/drawingml/2006/main" xmlns:r="http://schemas.openxmlformats.org/officeDocument/2006/relationships" xmlns:p="http://schemas.openxmlformats.org/presentationml/2006/main" type="title" preserve="1">
+  <p:cSld name="Title Slide">
+    <p:spTree>
+      <p:nvGrpSpPr>
+        <p:cNvPr id="1" name=""/>
+        <p:cNvGrpSpPr/>
+        <p:nvPr/>
+      </p:nvGrpSpPr>
+      <p:grpSpPr>
+        <a:xfrm>
+          <a:off x="0" y="0"/>
+          <a:ext cx="0" cy="0"/>
+          <a:chOff x="0" y="0"/>
+          <a:chExt cx="0" cy="0"/>
+        </a:xfrm>
+      </p:grpSpPr>
+      <p:sp>
+        <p:nvSpPr>
+          <p:cNvPr id="7" name="Rectangle 6"/>
+          <p:cNvSpPr/>
+          <p:nvPr/>
+        </p:nvSpPr>
+        <p:spPr>
+          <a:xfrm>
+            <a:off x="448091" y="563880"/>
+            <a:ext cx="8240108" cy="5682175"/>
+          </a:xfrm>
+          <a:prstGeom prst="rect">
+            <a:avLst/>
+          </a:prstGeom>
+          <a:solidFill>
+            <a:schemeClr val="accent1"/>
+          </a:solidFill>
+          <a:ln>
+            <a:noFill/>
+          </a:ln>
+          <a:effectLst/>
+        </p:spPr>
+        <p:style>
+          <a:lnRef idx="1">
+            <a:schemeClr val="accent1"/>
+          </a:lnRef>
+          <a:fillRef idx="3">
+            <a:schemeClr val="accent1"/>
+          </a:fillRef>
+          <a:effectRef idx="2">
+            <a:schemeClr val="accent1"/>
+          </a:effectRef>
+          <a:fontRef idx="minor">
+            <a:schemeClr val="lt1"/>
+          </a:fontRef>
+        </p:style>
+      </p:sp>
+      <p:sp>
+        <p:nvSpPr>
+          <p:cNvPr id="2" name="Title 1"/>
+          <p:cNvSpPr>
+            <a:spLocks noGrp="1"/>
+          </p:cNvSpPr>
+          <p:nvPr>
+            <p:ph type="ctrTitle" hasCustomPrompt="1"/>
+          </p:nvPr>
+        </p:nvSpPr>
+        <p:spPr>
+          <a:xfrm>
+            <a:off x="581192" y="3936453"/>
+            <a:ext cx="7989752" cy="1033133"/>
+          </a:xfrm>
+          <a:ln>
+            <a:noFill/>
+          </a:ln>
+          <a:effectLst/>
+        </p:spPr>
+        <p:txBody>
+          <a:bodyPr anchor="b">
+            <a:normAutofit/>
+          </a:bodyPr>
+          <a:lstStyle>
+            <a:lvl1pPr algn="ctr">
+              <a:defRPr sz="3600">
+                <a:solidFill>
+                  <a:schemeClr val="bg1"/>
+                </a:solidFill>
+              </a:defRPr>
+            </a:lvl1pPr>
+          </a:lstStyle>
+          <a:p>
+            <a:r>
+              <a:rPr lang="en-US" dirty="0"/>
+              <a:t>title style</a:t>
+            </a:r>
+          </a:p>
+        </p:txBody>
+      </p:sp>
+      <p:sp>
+        <p:nvSpPr>
+          <p:cNvPr id="3" name="Subtitle 2"/>
+          <p:cNvSpPr>
+            <a:spLocks noGrp="1"/>
+          </p:cNvSpPr>
+          <p:nvPr>
+            <p:ph type="subTitle" idx="1"/>
+          </p:nvPr>
+        </p:nvSpPr>
+        <p:spPr>
+          <a:xfrm>
+            <a:off x="581192" y="5175772"/>
+            <a:ext cx="7989752" cy="590321"/>
+          </a:xfrm>
+          <a:ln>
+            <a:noFill/>
+          </a:ln>
+        </p:spPr>
+        <p:txBody>
+          <a:bodyPr anchor="t">
+            <a:normAutofit/>
+          </a:bodyPr>
+          <a:lstStyle>
+            <a:lvl1pPr marL="0" indent="0" algn="ctr">
+              <a:buNone/>
+              <a:defRPr sz="1600" cap="all">
+                <a:solidFill>
+                  <a:schemeClr val="bg1"/>
+                </a:solidFill>
+              </a:defRPr>
+            </a:lvl1pPr>
+            <a:lvl2pPr marL="457200" indent="0" algn="ctr">
+              <a:buNone/>
+              <a:defRPr>
+                <a:solidFill>
+                  <a:schemeClr val="tx1">
+                    <a:tint val="75000"/>
+                  </a:schemeClr>
+                </a:solidFill>
+              </a:defRPr>
+            </a:lvl2pPr>
+            <a:lvl3pPr marL="914400" indent="0" algn="ctr">
+              <a:buNone/>
+              <a:defRPr>
+                <a:solidFill>
+                  <a:schemeClr val="tx1">
+                    <a:tint val="75000"/>
+                  </a:schemeClr>
+                </a:solidFill>
+              </a:defRPr>
+            </a:lvl3pPr>
+            <a:lvl4pPr marL="1371600" indent="0" algn="ctr">
+              <a:buNone/>
+              <a:defRPr>
+                <a:solidFill>
+                  <a:schemeClr val="tx1">
+                    <a:tint val="75000"/>
+                  </a:schemeClr>
+                </a:solidFill>
+              </a:defRPr>
+            </a:lvl4pPr>
+            <a:lvl5pPr marL="1828800" indent="0" algn="ctr">
+              <a:buNone/>
+              <a:defRPr>
+                <a:solidFill>
+                  <a:schemeClr val="tx1">
+                    <a:tint val="75000"/>
+                  </a:schemeClr>
+                </a:solidFill>
+              </a:defRPr>
+            </a:lvl5pPr>
+            <a:lvl6pPr marL="2286000" indent="0" algn="ctr">
+              <a:buNone/>
+              <a:defRPr>
+                <a:solidFill>
+                  <a:schemeClr val="tx1">
+                    <a:tint val="75000"/>
+                  </a:schemeClr>
+                </a:solidFill>
+              </a:defRPr>
+            </a:lvl6pPr>
+            <a:lvl7pPr marL="2743200" indent="0" algn="ctr">
+              <a:buNone/>
+              <a:defRPr>
+                <a:solidFill>
+                  <a:schemeClr val="tx1">
+                    <a:tint val="75000"/>
+                  </a:schemeClr>
+                </a:solidFill>
+              </a:defRPr>
+            </a:lvl7pPr>
+            <a:lvl8pPr marL="3200400" indent="0" algn="ctr">
+              <a:buNone/>
+              <a:defRPr>
+                <a:solidFill>
+                  <a:schemeClr val="tx1">
+                    <a:tint val="75000"/>
+                  </a:schemeClr>
+                </a:solidFill>
+              </a:defRPr>
+            </a:lvl8pPr>
+            <a:lvl9pPr marL="3657600" indent="0" algn="ctr">
+              <a:buNone/>
+              <a:defRPr>
+                <a:solidFill>
+                  <a:schemeClr val="tx1">
+                    <a:tint val="75000"/>
+                  </a:schemeClr>
+                </a:solidFill>
+              </a:defRPr>
+            </a:lvl9pPr>
+          </a:lstStyle>
+          <a:p>
+            <a:r>
+              <a:rPr lang="en-US"/>
+              <a:t>Click to edit Master subtitle style</a:t>
+            </a:r>
+            <a:endParaRPr lang="en-US" dirty="0"/>
+          </a:p>
+        </p:txBody>
+      </p:sp>
+      <p:sp>
+        <p:nvSpPr>
+          <p:cNvPr id="4" name="Date Placeholder 3"/>
+          <p:cNvSpPr>
+            <a:spLocks noGrp="1"/>
+          </p:cNvSpPr>
+          <p:nvPr>
+            <p:ph type="dt" sz="half" idx="10"/>
+          </p:nvPr>
+        </p:nvSpPr>
+        <p:spPr>
+          <a:xfrm>
+            <a:off x="5559327" y="6392242"/>
+            <a:ext cx="2133600" cy="365125"/>
+          </a:xfrm>
+          <a:prstGeom prst="rect">
+            <a:avLst/>
+          </a:prstGeom>
+        </p:spPr>
+        <p:txBody>
+          <a:bodyPr/>
+          <a:lstStyle>
+            <a:lvl1pPr>
+              <a:defRPr>
+                <a:solidFill>
+                  <a:schemeClr val="accent1">
+                    <a:lumMod val="75000"/>
+                    <a:lumOff val="25000"/>
+                  </a:schemeClr>
+                </a:solidFill>
+              </a:defRPr>
+            </a:lvl1pPr>
+          </a:lstStyle>
+          <a:p>
+            <a:fld id="{34AAE910-019D-46BD-9064-1C0FF9A7C782}" type="datetime1">
+              <a:rPr lang="en-US" smtClean="0"/>
+              <a:t>6/11/18</a:t>
+            </a:fld>
+            <a:endParaRPr lang="en-US"/>
+          </a:p>
+        </p:txBody>
+      </p:sp>
+      <p:sp>
+        <p:nvSpPr>
+          <p:cNvPr id="5" name="Footer Placeholder 4"/>
+          <p:cNvSpPr>
+            <a:spLocks noGrp="1"/>
+          </p:cNvSpPr>
+          <p:nvPr>
+            <p:ph type="ftr" sz="quarter" idx="11"/>
+          </p:nvPr>
+        </p:nvSpPr>
+        <p:spPr>
+          <a:xfrm>
+            <a:off x="581192" y="6387916"/>
+            <a:ext cx="4870585" cy="365125"/>
+          </a:xfrm>
+          <a:prstGeom prst="rect">
+            <a:avLst/>
+          </a:prstGeom>
+        </p:spPr>
+        <p:txBody>
+          <a:bodyPr/>
+          <a:lstStyle>
+            <a:lvl1pPr>
+              <a:defRPr>
+                <a:solidFill>
+                  <a:schemeClr val="accent1">
+                    <a:lumMod val="75000"/>
+                    <a:lumOff val="25000"/>
+                  </a:schemeClr>
+                </a:solidFill>
+              </a:defRPr>
+            </a:lvl1pPr>
+          </a:lstStyle>
+          <a:p>
+            <a:r>
+              <a:rPr lang="en-US"/>
+              <a:t>© 2018, FLL Tutorials, Last Edit 6/11/2018</a:t>
+            </a:r>
+          </a:p>
+        </p:txBody>
+      </p:sp>
+      <p:sp>
+        <p:nvSpPr>
+          <p:cNvPr id="6" name="Slide Number Placeholder 5"/>
+          <p:cNvSpPr>
+            <a:spLocks noGrp="1"/>
+          </p:cNvSpPr>
+          <p:nvPr>
+            <p:ph type="sldNum" sz="quarter" idx="12"/>
+          </p:nvPr>
+        </p:nvSpPr>
+        <p:spPr>
+          <a:xfrm>
+            <a:off x="7800476" y="6392242"/>
+            <a:ext cx="770468" cy="365125"/>
+          </a:xfrm>
+          <a:prstGeom prst="rect">
+            <a:avLst/>
+          </a:prstGeom>
+        </p:spPr>
+        <p:txBody>
+          <a:bodyPr/>
+          <a:lstStyle>
+            <a:lvl1pPr>
+              <a:defRPr>
+                <a:solidFill>
+                  <a:schemeClr val="accent1">
+                    <a:lumMod val="75000"/>
+                    <a:lumOff val="25000"/>
+                  </a:schemeClr>
+                </a:solidFill>
+              </a:defRPr>
+            </a:lvl1pPr>
+          </a:lstStyle>
+          <a:p>
+            <a:fld id="{4DBC7FC8-25FB-FC45-8177-2B991DA6778C}" type="slidenum">
+              <a:rPr lang="en-US" smtClean="0"/>
+              <a:t>‹#›</a:t>
+            </a:fld>
+            <a:endParaRPr lang="en-US"/>
+          </a:p>
+        </p:txBody>
+      </p:sp>
+      <p:pic>
+        <p:nvPicPr>
+          <p:cNvPr id="8" name="Picture 7">
+            <a:extLst>
+              <a:ext uri="{FF2B5EF4-FFF2-40B4-BE49-F238E27FC236}">
+                <a16:creationId xmlns:a16="http://schemas.microsoft.com/office/drawing/2014/main" id="{D4B45051-E032-1249-AC8B-C5EB1B15FB44}"/>
+              </a:ext>
+            </a:extLst>
+          </p:cNvPr>
+          <p:cNvPicPr>
+            <a:picLocks noChangeAspect="1"/>
+          </p:cNvPicPr>
+          <p:nvPr/>
+        </p:nvPicPr>
+        <p:blipFill rotWithShape="1">
+          <a:blip r:embed="rId2" cstate="print">
+            <a:extLst>
+              <a:ext uri="{28A0092B-C50C-407E-A947-70E740481C1C}">
+                <a14:useLocalDpi xmlns:a14="http://schemas.microsoft.com/office/drawing/2010/main"/>
+              </a:ext>
+            </a:extLst>
+          </a:blip>
+          <a:srcRect/>
+          <a:stretch/>
+        </p:blipFill>
+        <p:spPr>
+          <a:xfrm>
+            <a:off x="335280" y="563880"/>
+            <a:ext cx="8488680" cy="2915504"/>
+          </a:xfrm>
+          <a:prstGeom prst="rect">
+            <a:avLst/>
+          </a:prstGeom>
+        </p:spPr>
+      </p:pic>
+    </p:spTree>
+    <p:extLst>
+      <p:ext uri="{BB962C8B-B14F-4D97-AF65-F5344CB8AC3E}">
+        <p14:creationId xmlns:p14="http://schemas.microsoft.com/office/powerpoint/2010/main" val="2238927106"/>
+      </p:ext>
+    </p:extLst>
+  </p:cSld>
+  <p:clrMapOvr>
+    <a:masterClrMapping/>
+  </p:clrMapOvr>
+</p:sldLayout>
+</file>
+
+<file path=ppt/slideLayouts/slideLayout68.xml><?xml version="1.0" encoding="utf-8"?>
+<p:sldLayout xmlns:a="http://schemas.openxmlformats.org/drawingml/2006/main" xmlns:r="http://schemas.openxmlformats.org/officeDocument/2006/relationships" xmlns:p="http://schemas.openxmlformats.org/presentationml/2006/main" type="obj" preserve="1">
+  <p:cSld name="Title and Content">
+    <p:spTree>
+      <p:nvGrpSpPr>
+        <p:cNvPr id="1" name=""/>
+        <p:cNvGrpSpPr/>
+        <p:nvPr/>
+      </p:nvGrpSpPr>
+      <p:grpSpPr>
+        <a:xfrm>
+          <a:off x="0" y="0"/>
+          <a:ext cx="0" cy="0"/>
+          <a:chOff x="0" y="0"/>
+          <a:chExt cx="0" cy="0"/>
+        </a:xfrm>
+      </p:grpSpPr>
+      <p:sp>
+        <p:nvSpPr>
+          <p:cNvPr id="7" name="Rectangle 6"/>
+          <p:cNvSpPr>
+            <a:spLocks noChangeAspect="1"/>
+          </p:cNvSpPr>
+          <p:nvPr/>
+        </p:nvSpPr>
+        <p:spPr>
+          <a:xfrm>
+            <a:off x="448092" y="599725"/>
+            <a:ext cx="8238707" cy="818109"/>
+          </a:xfrm>
+          <a:prstGeom prst="rect">
+            <a:avLst/>
+          </a:prstGeom>
+          <a:solidFill>
+            <a:schemeClr val="accent1"/>
+          </a:solidFill>
+          <a:ln>
+            <a:noFill/>
+          </a:ln>
+          <a:effectLst/>
+        </p:spPr>
+        <p:style>
+          <a:lnRef idx="1">
+            <a:schemeClr val="accent1"/>
+          </a:lnRef>
+          <a:fillRef idx="3">
+            <a:schemeClr val="accent1"/>
+          </a:fillRef>
+          <a:effectRef idx="2">
+            <a:schemeClr val="accent1"/>
+          </a:effectRef>
+          <a:fontRef idx="minor">
+            <a:schemeClr val="lt1"/>
+          </a:fontRef>
+        </p:style>
+      </p:sp>
+      <p:sp>
+        <p:nvSpPr>
+          <p:cNvPr id="2" name="Title 1"/>
+          <p:cNvSpPr>
+            <a:spLocks noGrp="1"/>
+          </p:cNvSpPr>
+          <p:nvPr>
+            <p:ph type="title"/>
+          </p:nvPr>
+        </p:nvSpPr>
+        <p:spPr>
+          <a:xfrm>
+            <a:off x="581192" y="687475"/>
+            <a:ext cx="7989752" cy="596796"/>
+          </a:xfrm>
+        </p:spPr>
+        <p:txBody>
+          <a:bodyPr/>
+          <a:lstStyle/>
+          <a:p>
+            <a:r>
+              <a:rPr lang="en-US"/>
+              <a:t>Click to edit Master title style</a:t>
+            </a:r>
+            <a:endParaRPr lang="en-US" dirty="0"/>
+          </a:p>
+        </p:txBody>
+      </p:sp>
+      <p:sp>
+        <p:nvSpPr>
+          <p:cNvPr id="3" name="Content Placeholder 2"/>
+          <p:cNvSpPr>
+            <a:spLocks noGrp="1"/>
+          </p:cNvSpPr>
+          <p:nvPr>
+            <p:ph idx="1"/>
+          </p:nvPr>
+        </p:nvSpPr>
+        <p:spPr>
+          <a:xfrm>
+            <a:off x="448091" y="1505583"/>
+            <a:ext cx="8238707" cy="4353215"/>
+          </a:xfrm>
+        </p:spPr>
+        <p:txBody>
+          <a:bodyPr anchor="t"/>
+          <a:lstStyle>
+            <a:lvl1pPr>
+              <a:defRPr sz="3600"/>
+            </a:lvl1pPr>
+            <a:lvl2pPr>
+              <a:defRPr sz="3200"/>
+            </a:lvl2pPr>
+            <a:lvl3pPr>
+              <a:defRPr sz="2800"/>
+            </a:lvl3pPr>
+            <a:lvl4pPr>
+              <a:defRPr sz="2400"/>
+            </a:lvl4pPr>
+            <a:lvl5pPr>
+              <a:defRPr sz="2400"/>
+            </a:lvl5pPr>
+          </a:lstStyle>
+          <a:p>
+            <a:pPr lvl="0"/>
+            <a:r>
+              <a:rPr lang="en-US"/>
+              <a:t>Edit Master text styles</a:t>
+            </a:r>
+          </a:p>
+          <a:p>
+            <a:pPr lvl="1"/>
+            <a:r>
+              <a:rPr lang="en-US"/>
+              <a:t>Second level</a:t>
+            </a:r>
+          </a:p>
+          <a:p>
+            <a:pPr lvl="2"/>
+            <a:r>
+              <a:rPr lang="en-US"/>
+              <a:t>Third level</a:t>
+            </a:r>
+          </a:p>
+          <a:p>
+            <a:pPr lvl="3"/>
+            <a:r>
+              <a:rPr lang="en-US"/>
+              <a:t>Fourth level</a:t>
+            </a:r>
+          </a:p>
+          <a:p>
+            <a:pPr lvl="4"/>
+            <a:r>
+              <a:rPr lang="en-US"/>
+              <a:t>Fifth level</a:t>
+            </a:r>
+            <a:endParaRPr lang="en-US" dirty="0"/>
+          </a:p>
+        </p:txBody>
+      </p:sp>
+      <p:sp>
+        <p:nvSpPr>
+          <p:cNvPr id="8" name="Date Placeholder 3">
+            <a:extLst>
+              <a:ext uri="{FF2B5EF4-FFF2-40B4-BE49-F238E27FC236}">
+                <a16:creationId xmlns:a16="http://schemas.microsoft.com/office/drawing/2014/main" id="{5E510904-FE82-B349-843E-834D82D5778E}"/>
+              </a:ext>
+            </a:extLst>
+          </p:cNvPr>
+          <p:cNvSpPr>
+            <a:spLocks noGrp="1"/>
+          </p:cNvSpPr>
+          <p:nvPr>
+            <p:ph type="dt" sz="half" idx="10"/>
+          </p:nvPr>
+        </p:nvSpPr>
+        <p:spPr>
+          <a:xfrm>
+            <a:off x="5559327" y="6392242"/>
+            <a:ext cx="2133600" cy="365125"/>
+          </a:xfrm>
+        </p:spPr>
+        <p:txBody>
+          <a:bodyPr/>
+          <a:lstStyle>
+            <a:lvl1pPr>
+              <a:defRPr>
+                <a:solidFill>
+                  <a:schemeClr val="accent1">
+                    <a:lumMod val="75000"/>
+                    <a:lumOff val="25000"/>
+                  </a:schemeClr>
+                </a:solidFill>
+              </a:defRPr>
+            </a:lvl1pPr>
+          </a:lstStyle>
+          <a:p>
+            <a:fld id="{0AD6AEAA-3C7A-44B2-ABCB-6562FE1ED020}" type="datetime1">
+              <a:rPr lang="en-US" smtClean="0"/>
+              <a:t>6/11/18</a:t>
+            </a:fld>
+            <a:endParaRPr lang="en-US"/>
+          </a:p>
+        </p:txBody>
+      </p:sp>
+      <p:sp>
+        <p:nvSpPr>
+          <p:cNvPr id="9" name="Footer Placeholder 4">
+            <a:extLst>
+              <a:ext uri="{FF2B5EF4-FFF2-40B4-BE49-F238E27FC236}">
+                <a16:creationId xmlns:a16="http://schemas.microsoft.com/office/drawing/2014/main" id="{E48965D5-4E22-4D4C-B0D3-4AEC700831CA}"/>
+              </a:ext>
+            </a:extLst>
+          </p:cNvPr>
+          <p:cNvSpPr>
+            <a:spLocks noGrp="1"/>
+          </p:cNvSpPr>
+          <p:nvPr>
+            <p:ph type="ftr" sz="quarter" idx="11"/>
+          </p:nvPr>
+        </p:nvSpPr>
+        <p:spPr>
+          <a:xfrm>
+            <a:off x="581192" y="6387916"/>
+            <a:ext cx="4870585" cy="365125"/>
+          </a:xfrm>
+        </p:spPr>
+        <p:txBody>
+          <a:bodyPr/>
+          <a:lstStyle>
+            <a:lvl1pPr>
+              <a:defRPr>
+                <a:solidFill>
+                  <a:schemeClr val="accent1">
+                    <a:lumMod val="75000"/>
+                    <a:lumOff val="25000"/>
+                  </a:schemeClr>
+                </a:solidFill>
+              </a:defRPr>
+            </a:lvl1pPr>
+          </a:lstStyle>
+          <a:p>
+            <a:r>
+              <a:rPr lang="en-US"/>
+              <a:t>© 2018, FLL Tutorials, Last Edit 6/11/2018</a:t>
+            </a:r>
+          </a:p>
+        </p:txBody>
+      </p:sp>
+      <p:sp>
+        <p:nvSpPr>
+          <p:cNvPr id="10" name="Slide Number Placeholder 5">
+            <a:extLst>
+              <a:ext uri="{FF2B5EF4-FFF2-40B4-BE49-F238E27FC236}">
+                <a16:creationId xmlns:a16="http://schemas.microsoft.com/office/drawing/2014/main" id="{65AB5AFF-5E76-4041-B3D5-669547C07AE0}"/>
+              </a:ext>
+            </a:extLst>
+          </p:cNvPr>
+          <p:cNvSpPr>
+            <a:spLocks noGrp="1"/>
+          </p:cNvSpPr>
+          <p:nvPr>
+            <p:ph type="sldNum" sz="quarter" idx="12"/>
+          </p:nvPr>
+        </p:nvSpPr>
+        <p:spPr>
+          <a:xfrm>
+            <a:off x="7800476" y="6392242"/>
+            <a:ext cx="770468" cy="365125"/>
+          </a:xfrm>
+        </p:spPr>
+        <p:txBody>
+          <a:bodyPr/>
+          <a:lstStyle>
+            <a:lvl1pPr>
+              <a:defRPr>
+                <a:solidFill>
+                  <a:schemeClr val="accent1">
+                    <a:lumMod val="75000"/>
+                    <a:lumOff val="25000"/>
+                  </a:schemeClr>
+                </a:solidFill>
+              </a:defRPr>
+            </a:lvl1pPr>
+          </a:lstStyle>
+          <a:p>
+            <a:fld id="{4DBC7FC8-25FB-FC45-8177-2B991DA6778C}" type="slidenum">
+              <a:rPr lang="en-US" smtClean="0"/>
+              <a:t>‹#›</a:t>
+            </a:fld>
+            <a:endParaRPr lang="en-US" dirty="0"/>
+          </a:p>
+        </p:txBody>
+      </p:sp>
+    </p:spTree>
+    <p:extLst>
+      <p:ext uri="{BB962C8B-B14F-4D97-AF65-F5344CB8AC3E}">
+        <p14:creationId xmlns:p14="http://schemas.microsoft.com/office/powerpoint/2010/main" val="3329002547"/>
+      </p:ext>
+    </p:extLst>
+  </p:cSld>
+  <p:clrMapOvr>
+    <a:masterClrMapping/>
+  </p:clrMapOvr>
+</p:sldLayout>
+</file>
+
+<file path=ppt/slideLayouts/slideLayout69.xml><?xml version="1.0" encoding="utf-8"?>
+<p:sldLayout xmlns:a="http://schemas.openxmlformats.org/drawingml/2006/main" xmlns:r="http://schemas.openxmlformats.org/officeDocument/2006/relationships" xmlns:p="http://schemas.openxmlformats.org/presentationml/2006/main" type="secHead" preserve="1">
+  <p:cSld name="Section Header">
+    <p:spTree>
+      <p:nvGrpSpPr>
+        <p:cNvPr id="1" name=""/>
+        <p:cNvGrpSpPr/>
+        <p:nvPr/>
+      </p:nvGrpSpPr>
+      <p:grpSpPr>
+        <a:xfrm>
+          <a:off x="0" y="0"/>
+          <a:ext cx="0" cy="0"/>
+          <a:chOff x="0" y="0"/>
+          <a:chExt cx="0" cy="0"/>
+        </a:xfrm>
+      </p:grpSpPr>
+      <p:sp>
+        <p:nvSpPr>
+          <p:cNvPr id="8" name="Rectangle 7"/>
+          <p:cNvSpPr>
+            <a:spLocks noChangeAspect="1"/>
+          </p:cNvSpPr>
+          <p:nvPr/>
+        </p:nvSpPr>
+        <p:spPr>
+          <a:xfrm>
+            <a:off x="452646" y="5141973"/>
+            <a:ext cx="8238707" cy="1258827"/>
+          </a:xfrm>
+          <a:prstGeom prst="rect">
+            <a:avLst/>
+          </a:prstGeom>
+          <a:solidFill>
+            <a:schemeClr val="accent1"/>
+          </a:solidFill>
+          <a:ln>
+            <a:noFill/>
+          </a:ln>
+          <a:effectLst/>
+        </p:spPr>
+        <p:style>
+          <a:lnRef idx="1">
+            <a:schemeClr val="accent1"/>
+          </a:lnRef>
+          <a:fillRef idx="3">
+            <a:schemeClr val="accent1"/>
+          </a:fillRef>
+          <a:effectRef idx="2">
+            <a:schemeClr val="accent1"/>
+          </a:effectRef>
+          <a:fontRef idx="minor">
+            <a:schemeClr val="lt1"/>
+          </a:fontRef>
+        </p:style>
+      </p:sp>
+      <p:sp>
+        <p:nvSpPr>
+          <p:cNvPr id="2" name="Title 1"/>
+          <p:cNvSpPr>
+            <a:spLocks noGrp="1"/>
+          </p:cNvSpPr>
+          <p:nvPr>
+            <p:ph type="title"/>
+          </p:nvPr>
+        </p:nvSpPr>
+        <p:spPr>
+          <a:xfrm>
+            <a:off x="581193" y="3036573"/>
+            <a:ext cx="7989751" cy="1504844"/>
+          </a:xfrm>
+        </p:spPr>
+        <p:txBody>
+          <a:bodyPr anchor="b">
+            <a:normAutofit/>
+          </a:bodyPr>
+          <a:lstStyle>
+            <a:lvl1pPr algn="l">
+              <a:defRPr sz="3600" b="0" cap="all">
+                <a:solidFill>
+                  <a:schemeClr val="accent1"/>
+                </a:solidFill>
+              </a:defRPr>
+            </a:lvl1pPr>
+          </a:lstStyle>
+          <a:p>
+            <a:r>
+              <a:rPr lang="en-US"/>
+              <a:t>Click to edit Master title style</a:t>
+            </a:r>
+            <a:endParaRPr lang="en-US" dirty="0"/>
+          </a:p>
+        </p:txBody>
+      </p:sp>
+      <p:sp>
+        <p:nvSpPr>
+          <p:cNvPr id="3" name="Text Placeholder 2"/>
+          <p:cNvSpPr>
+            <a:spLocks noGrp="1"/>
+          </p:cNvSpPr>
+          <p:nvPr>
+            <p:ph type="body" idx="1"/>
+          </p:nvPr>
+        </p:nvSpPr>
+        <p:spPr>
+          <a:xfrm>
+            <a:off x="581193" y="4541417"/>
+            <a:ext cx="7989751" cy="600556"/>
+          </a:xfrm>
+        </p:spPr>
+        <p:txBody>
+          <a:bodyPr anchor="t">
+            <a:normAutofit/>
+          </a:bodyPr>
+          <a:lstStyle>
+            <a:lvl1pPr marL="0" indent="0" algn="l">
+              <a:buNone/>
+              <a:defRPr sz="1800" cap="all">
+                <a:solidFill>
+                  <a:schemeClr val="accent2"/>
+                </a:solidFill>
+              </a:defRPr>
+            </a:lvl1pPr>
+            <a:lvl2pPr marL="457200" indent="0">
+              <a:buNone/>
+              <a:defRPr sz="1800">
+                <a:solidFill>
+                  <a:schemeClr val="tx1">
+                    <a:tint val="75000"/>
+                  </a:schemeClr>
+                </a:solidFill>
+              </a:defRPr>
+            </a:lvl2pPr>
+            <a:lvl3pPr marL="914400" indent="0">
+              <a:buNone/>
+              <a:defRPr sz="1600">
+                <a:solidFill>
+                  <a:schemeClr val="tx1">
+                    <a:tint val="75000"/>
+                  </a:schemeClr>
+                </a:solidFill>
+              </a:defRPr>
+            </a:lvl3pPr>
+            <a:lvl4pPr marL="1371600" indent="0">
+              <a:buNone/>
+              <a:defRPr sz="1400">
+                <a:solidFill>
+                  <a:schemeClr val="tx1">
+                    <a:tint val="75000"/>
+                  </a:schemeClr>
+                </a:solidFill>
+              </a:defRPr>
+            </a:lvl4pPr>
+            <a:lvl5pPr marL="1828800" indent="0">
+              <a:buNone/>
+              <a:defRPr sz="1400">
+                <a:solidFill>
+                  <a:schemeClr val="tx1">
+                    <a:tint val="75000"/>
+                  </a:schemeClr>
+                </a:solidFill>
+              </a:defRPr>
+            </a:lvl5pPr>
+            <a:lvl6pPr marL="2286000" indent="0">
+              <a:buNone/>
+              <a:defRPr sz="1400">
+                <a:solidFill>
+                  <a:schemeClr val="tx1">
+                    <a:tint val="75000"/>
+                  </a:schemeClr>
+                </a:solidFill>
+              </a:defRPr>
+            </a:lvl6pPr>
+            <a:lvl7pPr marL="2743200" indent="0">
+              <a:buNone/>
+              <a:defRPr sz="1400">
+                <a:solidFill>
+                  <a:schemeClr val="tx1">
+                    <a:tint val="75000"/>
+                  </a:schemeClr>
+                </a:solidFill>
+              </a:defRPr>
+            </a:lvl7pPr>
+            <a:lvl8pPr marL="3200400" indent="0">
+              <a:buNone/>
+              <a:defRPr sz="1400">
+                <a:solidFill>
+                  <a:schemeClr val="tx1">
+                    <a:tint val="75000"/>
+                  </a:schemeClr>
+                </a:solidFill>
+              </a:defRPr>
+            </a:lvl8pPr>
+            <a:lvl9pPr marL="3657600" indent="0">
+              <a:buNone/>
+              <a:defRPr sz="1400">
+                <a:solidFill>
+                  <a:schemeClr val="tx1">
+                    <a:tint val="75000"/>
+                  </a:schemeClr>
+                </a:solidFill>
+              </a:defRPr>
+            </a:lvl9pPr>
+          </a:lstStyle>
+          <a:p>
+            <a:pPr lvl="0"/>
+            <a:r>
+              <a:rPr lang="en-US"/>
+              <a:t>Edit Master text styles</a:t>
+            </a:r>
+          </a:p>
+        </p:txBody>
+      </p:sp>
+      <p:sp>
+        <p:nvSpPr>
+          <p:cNvPr id="9" name="Date Placeholder 3">
+            <a:extLst>
+              <a:ext uri="{FF2B5EF4-FFF2-40B4-BE49-F238E27FC236}">
+                <a16:creationId xmlns:a16="http://schemas.microsoft.com/office/drawing/2014/main" id="{52362C45-CC3C-1C41-89EF-9E39AB823873}"/>
+              </a:ext>
+            </a:extLst>
+          </p:cNvPr>
+          <p:cNvSpPr txBox="1">
+            <a:spLocks/>
+          </p:cNvSpPr>
+          <p:nvPr/>
+        </p:nvSpPr>
+        <p:spPr>
+          <a:xfrm>
+            <a:off x="5559327" y="6392242"/>
+            <a:ext cx="2133600" cy="365125"/>
+          </a:xfrm>
+          <a:prstGeom prst="rect">
+            <a:avLst/>
+          </a:prstGeom>
+        </p:spPr>
+        <p:txBody>
+          <a:bodyPr vert="horz" lIns="91440" tIns="45720" rIns="91440" bIns="45720" rtlCol="0" anchor="ctr"/>
+          <a:lstStyle>
+            <a:defPPr>
+              <a:defRPr lang="en-US"/>
+            </a:defPPr>
+            <a:lvl1pPr marL="0" algn="r" defTabSz="457200" rtl="0" eaLnBrk="1" latinLnBrk="0" hangingPunct="1">
+              <a:defRPr sz="900" kern="1200">
+                <a:solidFill>
+                  <a:schemeClr val="accent1">
+                    <a:lumMod val="75000"/>
+                    <a:lumOff val="25000"/>
+                  </a:schemeClr>
+                </a:solidFill>
+                <a:latin typeface="+mn-lt"/>
+                <a:ea typeface="+mn-ea"/>
+                <a:cs typeface="+mn-cs"/>
+              </a:defRPr>
+            </a:lvl1pPr>
+            <a:lvl2pPr marL="457200" algn="l" defTabSz="457200" rtl="0" eaLnBrk="1" latinLnBrk="0" hangingPunct="1">
+              <a:defRPr sz="1800" kern="1200">
+                <a:solidFill>
+                  <a:schemeClr val="tx1"/>
+                </a:solidFill>
+                <a:latin typeface="+mn-lt"/>
+                <a:ea typeface="+mn-ea"/>
+                <a:cs typeface="+mn-cs"/>
+              </a:defRPr>
+            </a:lvl2pPr>
+            <a:lvl3pPr marL="914400" algn="l" defTabSz="457200" rtl="0" eaLnBrk="1" latinLnBrk="0" hangingPunct="1">
+              <a:defRPr sz="1800" kern="1200">
+                <a:solidFill>
+                  <a:schemeClr val="tx1"/>
+                </a:solidFill>
+                <a:latin typeface="+mn-lt"/>
+                <a:ea typeface="+mn-ea"/>
+                <a:cs typeface="+mn-cs"/>
+              </a:defRPr>
+            </a:lvl3pPr>
+            <a:lvl4pPr marL="1371600" algn="l" defTabSz="457200" rtl="0" eaLnBrk="1" latinLnBrk="0" hangingPunct="1">
+              <a:defRPr sz="1800" kern="1200">
+                <a:solidFill>
+                  <a:schemeClr val="tx1"/>
+                </a:solidFill>
+                <a:latin typeface="+mn-lt"/>
+                <a:ea typeface="+mn-ea"/>
+                <a:cs typeface="+mn-cs"/>
+              </a:defRPr>
+            </a:lvl4pPr>
+            <a:lvl5pPr marL="1828800" algn="l" defTabSz="457200" rtl="0" eaLnBrk="1" latinLnBrk="0" hangingPunct="1">
+              <a:defRPr sz="1800" kern="1200">
+                <a:solidFill>
+                  <a:schemeClr val="tx1"/>
+                </a:solidFill>
+                <a:latin typeface="+mn-lt"/>
+                <a:ea typeface="+mn-ea"/>
+                <a:cs typeface="+mn-cs"/>
+              </a:defRPr>
+            </a:lvl5pPr>
+            <a:lvl6pPr marL="2286000" algn="l" defTabSz="457200" rtl="0" eaLnBrk="1" latinLnBrk="0" hangingPunct="1">
+              <a:defRPr sz="1800" kern="1200">
+                <a:solidFill>
+                  <a:schemeClr val="tx1"/>
+                </a:solidFill>
+                <a:latin typeface="+mn-lt"/>
+                <a:ea typeface="+mn-ea"/>
+                <a:cs typeface="+mn-cs"/>
+              </a:defRPr>
+            </a:lvl6pPr>
+            <a:lvl7pPr marL="2743200" algn="l" defTabSz="457200" rtl="0" eaLnBrk="1" latinLnBrk="0" hangingPunct="1">
+              <a:defRPr sz="1800" kern="1200">
+                <a:solidFill>
+                  <a:schemeClr val="tx1"/>
+                </a:solidFill>
+                <a:latin typeface="+mn-lt"/>
+                <a:ea typeface="+mn-ea"/>
+                <a:cs typeface="+mn-cs"/>
+              </a:defRPr>
+            </a:lvl7pPr>
+            <a:lvl8pPr marL="3200400" algn="l" defTabSz="457200" rtl="0" eaLnBrk="1" latinLnBrk="0" hangingPunct="1">
+              <a:defRPr sz="1800" kern="1200">
+                <a:solidFill>
+                  <a:schemeClr val="tx1"/>
+                </a:solidFill>
+                <a:latin typeface="+mn-lt"/>
+                <a:ea typeface="+mn-ea"/>
+                <a:cs typeface="+mn-cs"/>
+              </a:defRPr>
+            </a:lvl8pPr>
+            <a:lvl9pPr marL="3657600" algn="l" defTabSz="457200" rtl="0" eaLnBrk="1" latinLnBrk="0" hangingPunct="1">
+              <a:defRPr sz="1800" kern="1200">
+                <a:solidFill>
+                  <a:schemeClr val="tx1"/>
+                </a:solidFill>
+                <a:latin typeface="+mn-lt"/>
+                <a:ea typeface="+mn-ea"/>
+                <a:cs typeface="+mn-cs"/>
+              </a:defRPr>
+            </a:lvl9pPr>
+          </a:lstStyle>
+          <a:p>
+            <a:r>
+              <a:rPr lang="en-US"/>
+              <a:t>Last Edit: </a:t>
+            </a:r>
+            <a:fld id="{B61BEF0D-F0BB-DE4B-95CE-6DB70DBA9567}" type="datetimeFigureOut">
+              <a:rPr lang="en-US" smtClean="0"/>
+              <a:pPr/>
+              <a:t>6/11/18</a:t>
+            </a:fld>
+            <a:endParaRPr lang="en-US" dirty="0"/>
+          </a:p>
+        </p:txBody>
+      </p:sp>
+      <p:sp>
+        <p:nvSpPr>
+          <p:cNvPr id="10" name="Footer Placeholder 4">
+            <a:extLst>
+              <a:ext uri="{FF2B5EF4-FFF2-40B4-BE49-F238E27FC236}">
+                <a16:creationId xmlns:a16="http://schemas.microsoft.com/office/drawing/2014/main" id="{99E8FBED-B055-2A4A-8E32-9CB6B48C25B3}"/>
+              </a:ext>
+            </a:extLst>
+          </p:cNvPr>
+          <p:cNvSpPr txBox="1">
+            <a:spLocks/>
+          </p:cNvSpPr>
+          <p:nvPr/>
+        </p:nvSpPr>
+        <p:spPr>
+          <a:xfrm>
+            <a:off x="581192" y="6387916"/>
+            <a:ext cx="4870585" cy="365125"/>
+          </a:xfrm>
+          <a:prstGeom prst="rect">
+            <a:avLst/>
+          </a:prstGeom>
+        </p:spPr>
+        <p:txBody>
+          <a:bodyPr vert="horz" lIns="91440" tIns="45720" rIns="91440" bIns="45720" rtlCol="0" anchor="ctr"/>
+          <a:lstStyle>
+            <a:defPPr>
+              <a:defRPr lang="en-US"/>
+            </a:defPPr>
+            <a:lvl1pPr marL="0" algn="l" defTabSz="457200" rtl="0" eaLnBrk="1" latinLnBrk="0" hangingPunct="1">
+              <a:defRPr sz="900" kern="1200" cap="all">
+                <a:solidFill>
+                  <a:schemeClr val="accent1">
+                    <a:lumMod val="75000"/>
+                    <a:lumOff val="25000"/>
+                  </a:schemeClr>
+                </a:solidFill>
+                <a:latin typeface="+mn-lt"/>
+                <a:ea typeface="+mn-ea"/>
+                <a:cs typeface="+mn-cs"/>
+              </a:defRPr>
+            </a:lvl1pPr>
+            <a:lvl2pPr marL="457200" algn="l" defTabSz="457200" rtl="0" eaLnBrk="1" latinLnBrk="0" hangingPunct="1">
+              <a:defRPr sz="1800" kern="1200">
+                <a:solidFill>
+                  <a:schemeClr val="tx1"/>
+                </a:solidFill>
+                <a:latin typeface="+mn-lt"/>
+                <a:ea typeface="+mn-ea"/>
+                <a:cs typeface="+mn-cs"/>
+              </a:defRPr>
+            </a:lvl2pPr>
+            <a:lvl3pPr marL="914400" algn="l" defTabSz="457200" rtl="0" eaLnBrk="1" latinLnBrk="0" hangingPunct="1">
+              <a:defRPr sz="1800" kern="1200">
+                <a:solidFill>
+                  <a:schemeClr val="tx1"/>
+                </a:solidFill>
+                <a:latin typeface="+mn-lt"/>
+                <a:ea typeface="+mn-ea"/>
+                <a:cs typeface="+mn-cs"/>
+              </a:defRPr>
+            </a:lvl3pPr>
+            <a:lvl4pPr marL="1371600" algn="l" defTabSz="457200" rtl="0" eaLnBrk="1" latinLnBrk="0" hangingPunct="1">
+              <a:defRPr sz="1800" kern="1200">
+                <a:solidFill>
+                  <a:schemeClr val="tx1"/>
+                </a:solidFill>
+                <a:latin typeface="+mn-lt"/>
+                <a:ea typeface="+mn-ea"/>
+                <a:cs typeface="+mn-cs"/>
+              </a:defRPr>
+            </a:lvl4pPr>
+            <a:lvl5pPr marL="1828800" algn="l" defTabSz="457200" rtl="0" eaLnBrk="1" latinLnBrk="0" hangingPunct="1">
+              <a:defRPr sz="1800" kern="1200">
+                <a:solidFill>
+                  <a:schemeClr val="tx1"/>
+                </a:solidFill>
+                <a:latin typeface="+mn-lt"/>
+                <a:ea typeface="+mn-ea"/>
+                <a:cs typeface="+mn-cs"/>
+              </a:defRPr>
+            </a:lvl5pPr>
+            <a:lvl6pPr marL="2286000" algn="l" defTabSz="457200" rtl="0" eaLnBrk="1" latinLnBrk="0" hangingPunct="1">
+              <a:defRPr sz="1800" kern="1200">
+                <a:solidFill>
+                  <a:schemeClr val="tx1"/>
+                </a:solidFill>
+                <a:latin typeface="+mn-lt"/>
+                <a:ea typeface="+mn-ea"/>
+                <a:cs typeface="+mn-cs"/>
+              </a:defRPr>
+            </a:lvl6pPr>
+            <a:lvl7pPr marL="2743200" algn="l" defTabSz="457200" rtl="0" eaLnBrk="1" latinLnBrk="0" hangingPunct="1">
+              <a:defRPr sz="1800" kern="1200">
+                <a:solidFill>
+                  <a:schemeClr val="tx1"/>
+                </a:solidFill>
+                <a:latin typeface="+mn-lt"/>
+                <a:ea typeface="+mn-ea"/>
+                <a:cs typeface="+mn-cs"/>
+              </a:defRPr>
+            </a:lvl7pPr>
+            <a:lvl8pPr marL="3200400" algn="l" defTabSz="457200" rtl="0" eaLnBrk="1" latinLnBrk="0" hangingPunct="1">
+              <a:defRPr sz="1800" kern="1200">
+                <a:solidFill>
+                  <a:schemeClr val="tx1"/>
+                </a:solidFill>
+                <a:latin typeface="+mn-lt"/>
+                <a:ea typeface="+mn-ea"/>
+                <a:cs typeface="+mn-cs"/>
+              </a:defRPr>
+            </a:lvl8pPr>
+            <a:lvl9pPr marL="3657600" algn="l" defTabSz="457200" rtl="0" eaLnBrk="1" latinLnBrk="0" hangingPunct="1">
+              <a:defRPr sz="1800" kern="1200">
+                <a:solidFill>
+                  <a:schemeClr val="tx1"/>
+                </a:solidFill>
+                <a:latin typeface="+mn-lt"/>
+                <a:ea typeface="+mn-ea"/>
+                <a:cs typeface="+mn-cs"/>
+              </a:defRPr>
+            </a:lvl9pPr>
+          </a:lstStyle>
+          <a:p>
+            <a:r>
+              <a:rPr lang="en-US"/>
+              <a:t>Copyright 2018, FLL TUTORIALS</a:t>
+            </a:r>
+            <a:endParaRPr lang="en-US" dirty="0"/>
+          </a:p>
+        </p:txBody>
+      </p:sp>
+      <p:sp>
+        <p:nvSpPr>
+          <p:cNvPr id="11" name="Slide Number Placeholder 5">
+            <a:extLst>
+              <a:ext uri="{FF2B5EF4-FFF2-40B4-BE49-F238E27FC236}">
+                <a16:creationId xmlns:a16="http://schemas.microsoft.com/office/drawing/2014/main" id="{AA884034-3EBB-704E-AFCD-9611BBBEBA37}"/>
+              </a:ext>
+            </a:extLst>
+          </p:cNvPr>
+          <p:cNvSpPr txBox="1">
+            <a:spLocks/>
+          </p:cNvSpPr>
+          <p:nvPr/>
+        </p:nvSpPr>
+        <p:spPr>
+          <a:xfrm>
+            <a:off x="7800476" y="6392242"/>
+            <a:ext cx="770468" cy="365125"/>
+          </a:xfrm>
+          <a:prstGeom prst="rect">
+            <a:avLst/>
+          </a:prstGeom>
+        </p:spPr>
+        <p:txBody>
+          <a:bodyPr vert="horz" lIns="91440" tIns="45720" rIns="91440" bIns="45720" rtlCol="0" anchor="ctr"/>
+          <a:lstStyle>
+            <a:defPPr>
+              <a:defRPr lang="en-US"/>
+            </a:defPPr>
+            <a:lvl1pPr marL="0" algn="r" defTabSz="457200" rtl="0" eaLnBrk="1" latinLnBrk="0" hangingPunct="1">
+              <a:defRPr sz="900" kern="1200">
+                <a:solidFill>
+                  <a:schemeClr val="accent1">
+                    <a:lumMod val="75000"/>
+                    <a:lumOff val="25000"/>
+                  </a:schemeClr>
+                </a:solidFill>
+                <a:latin typeface="+mn-lt"/>
+                <a:ea typeface="+mn-ea"/>
+                <a:cs typeface="+mn-cs"/>
+              </a:defRPr>
+            </a:lvl1pPr>
+            <a:lvl2pPr marL="457200" algn="l" defTabSz="457200" rtl="0" eaLnBrk="1" latinLnBrk="0" hangingPunct="1">
+              <a:defRPr sz="1800" kern="1200">
+                <a:solidFill>
+                  <a:schemeClr val="tx1"/>
+                </a:solidFill>
+                <a:latin typeface="+mn-lt"/>
+                <a:ea typeface="+mn-ea"/>
+                <a:cs typeface="+mn-cs"/>
+              </a:defRPr>
+            </a:lvl2pPr>
+            <a:lvl3pPr marL="914400" algn="l" defTabSz="457200" rtl="0" eaLnBrk="1" latinLnBrk="0" hangingPunct="1">
+              <a:defRPr sz="1800" kern="1200">
+                <a:solidFill>
+                  <a:schemeClr val="tx1"/>
+                </a:solidFill>
+                <a:latin typeface="+mn-lt"/>
+                <a:ea typeface="+mn-ea"/>
+                <a:cs typeface="+mn-cs"/>
+              </a:defRPr>
+            </a:lvl3pPr>
+            <a:lvl4pPr marL="1371600" algn="l" defTabSz="457200" rtl="0" eaLnBrk="1" latinLnBrk="0" hangingPunct="1">
+              <a:defRPr sz="1800" kern="1200">
+                <a:solidFill>
+                  <a:schemeClr val="tx1"/>
+                </a:solidFill>
+                <a:latin typeface="+mn-lt"/>
+                <a:ea typeface="+mn-ea"/>
+                <a:cs typeface="+mn-cs"/>
+              </a:defRPr>
+            </a:lvl4pPr>
+            <a:lvl5pPr marL="1828800" algn="l" defTabSz="457200" rtl="0" eaLnBrk="1" latinLnBrk="0" hangingPunct="1">
+              <a:defRPr sz="1800" kern="1200">
+                <a:solidFill>
+                  <a:schemeClr val="tx1"/>
+                </a:solidFill>
+                <a:latin typeface="+mn-lt"/>
+                <a:ea typeface="+mn-ea"/>
+                <a:cs typeface="+mn-cs"/>
+              </a:defRPr>
+            </a:lvl5pPr>
+            <a:lvl6pPr marL="2286000" algn="l" defTabSz="457200" rtl="0" eaLnBrk="1" latinLnBrk="0" hangingPunct="1">
+              <a:defRPr sz="1800" kern="1200">
+                <a:solidFill>
+                  <a:schemeClr val="tx1"/>
+                </a:solidFill>
+                <a:latin typeface="+mn-lt"/>
+                <a:ea typeface="+mn-ea"/>
+                <a:cs typeface="+mn-cs"/>
+              </a:defRPr>
+            </a:lvl6pPr>
+            <a:lvl7pPr marL="2743200" algn="l" defTabSz="457200" rtl="0" eaLnBrk="1" latinLnBrk="0" hangingPunct="1">
+              <a:defRPr sz="1800" kern="1200">
+                <a:solidFill>
+                  <a:schemeClr val="tx1"/>
+                </a:solidFill>
+                <a:latin typeface="+mn-lt"/>
+                <a:ea typeface="+mn-ea"/>
+                <a:cs typeface="+mn-cs"/>
+              </a:defRPr>
+            </a:lvl7pPr>
+            <a:lvl8pPr marL="3200400" algn="l" defTabSz="457200" rtl="0" eaLnBrk="1" latinLnBrk="0" hangingPunct="1">
+              <a:defRPr sz="1800" kern="1200">
+                <a:solidFill>
+                  <a:schemeClr val="tx1"/>
+                </a:solidFill>
+                <a:latin typeface="+mn-lt"/>
+                <a:ea typeface="+mn-ea"/>
+                <a:cs typeface="+mn-cs"/>
+              </a:defRPr>
+            </a:lvl8pPr>
+            <a:lvl9pPr marL="3657600" algn="l" defTabSz="457200" rtl="0" eaLnBrk="1" latinLnBrk="0" hangingPunct="1">
+              <a:defRPr sz="1800" kern="1200">
+                <a:solidFill>
+                  <a:schemeClr val="tx1"/>
+                </a:solidFill>
+                <a:latin typeface="+mn-lt"/>
+                <a:ea typeface="+mn-ea"/>
+                <a:cs typeface="+mn-cs"/>
+              </a:defRPr>
+            </a:lvl9pPr>
+          </a:lstStyle>
+          <a:p>
+            <a:fld id="{D57F1E4F-1CFF-5643-939E-217C01CDF565}" type="slidenum">
+              <a:rPr lang="en-US" smtClean="0"/>
+              <a:pPr/>
+              <a:t>‹#›</a:t>
+            </a:fld>
+            <a:endParaRPr lang="en-US" dirty="0"/>
+          </a:p>
+        </p:txBody>
+      </p:sp>
+    </p:spTree>
+    <p:extLst>
+      <p:ext uri="{BB962C8B-B14F-4D97-AF65-F5344CB8AC3E}">
+        <p14:creationId xmlns:p14="http://schemas.microsoft.com/office/powerpoint/2010/main" val="809647042"/>
       </p:ext>
     </p:extLst>
   </p:cSld>
@@ -18341,9 +19664,9 @@
           <a:bodyPr/>
           <a:lstStyle/>
           <a:p>
-            <a:fld id="{F75BF3B0-F8CF-4314-9EDC-095F3AA11BB0}" type="datetime1">
+            <a:fld id="{57702815-D695-4E68-B579-3AF091F85D14}" type="datetime1">
               <a:rPr lang="en-US" smtClean="0"/>
-              <a:t>6/7/18</a:t>
+              <a:t>6/11/18</a:t>
             </a:fld>
             <a:endParaRPr lang="en-US"/>
           </a:p>
@@ -18366,7 +19689,7 @@
           <a:p>
             <a:r>
               <a:rPr lang="en-US"/>
-              <a:t>© 2018, FLL Tutorials, Last Edit 8/20/2016</a:t>
+              <a:t>© 2018, FLL Tutorials, Last Edit 6/11/2018</a:t>
             </a:r>
           </a:p>
         </p:txBody>
@@ -18398,6 +19721,2303 @@
     <p:extLst>
       <p:ext uri="{BB962C8B-B14F-4D97-AF65-F5344CB8AC3E}">
         <p14:creationId xmlns:p14="http://schemas.microsoft.com/office/powerpoint/2010/main" val="74027603"/>
+      </p:ext>
+    </p:extLst>
+  </p:cSld>
+  <p:clrMapOvr>
+    <a:masterClrMapping/>
+  </p:clrMapOvr>
+</p:sldLayout>
+</file>
+
+<file path=ppt/slideLayouts/slideLayout70.xml><?xml version="1.0" encoding="utf-8"?>
+<p:sldLayout xmlns:a="http://schemas.openxmlformats.org/drawingml/2006/main" xmlns:r="http://schemas.openxmlformats.org/officeDocument/2006/relationships" xmlns:p="http://schemas.openxmlformats.org/presentationml/2006/main" type="twoObj" preserve="1">
+  <p:cSld name="Two Content">
+    <p:spTree>
+      <p:nvGrpSpPr>
+        <p:cNvPr id="1" name=""/>
+        <p:cNvGrpSpPr/>
+        <p:nvPr/>
+      </p:nvGrpSpPr>
+      <p:grpSpPr>
+        <a:xfrm>
+          <a:off x="0" y="0"/>
+          <a:ext cx="0" cy="0"/>
+          <a:chOff x="0" y="0"/>
+          <a:chExt cx="0" cy="0"/>
+        </a:xfrm>
+      </p:grpSpPr>
+      <p:sp>
+        <p:nvSpPr>
+          <p:cNvPr id="8" name="Rectangle 7"/>
+          <p:cNvSpPr>
+            <a:spLocks noChangeAspect="1"/>
+          </p:cNvSpPr>
+          <p:nvPr/>
+        </p:nvSpPr>
+        <p:spPr>
+          <a:xfrm>
+            <a:off x="448092" y="599725"/>
+            <a:ext cx="8238707" cy="1258827"/>
+          </a:xfrm>
+          <a:prstGeom prst="rect">
+            <a:avLst/>
+          </a:prstGeom>
+          <a:solidFill>
+            <a:schemeClr val="accent1"/>
+          </a:solidFill>
+          <a:ln>
+            <a:noFill/>
+          </a:ln>
+          <a:effectLst/>
+        </p:spPr>
+        <p:style>
+          <a:lnRef idx="1">
+            <a:schemeClr val="accent1"/>
+          </a:lnRef>
+          <a:fillRef idx="3">
+            <a:schemeClr val="accent1"/>
+          </a:fillRef>
+          <a:effectRef idx="2">
+            <a:schemeClr val="accent1"/>
+          </a:effectRef>
+          <a:fontRef idx="minor">
+            <a:schemeClr val="lt1"/>
+          </a:fontRef>
+        </p:style>
+      </p:sp>
+      <p:sp>
+        <p:nvSpPr>
+          <p:cNvPr id="2" name="Title 1"/>
+          <p:cNvSpPr>
+            <a:spLocks noGrp="1"/>
+          </p:cNvSpPr>
+          <p:nvPr>
+            <p:ph type="title"/>
+          </p:nvPr>
+        </p:nvSpPr>
+        <p:spPr/>
+        <p:txBody>
+          <a:bodyPr/>
+          <a:lstStyle/>
+          <a:p>
+            <a:r>
+              <a:rPr lang="en-US"/>
+              <a:t>Click to edit Master title style</a:t>
+            </a:r>
+            <a:endParaRPr lang="en-US" dirty="0"/>
+          </a:p>
+        </p:txBody>
+      </p:sp>
+      <p:sp>
+        <p:nvSpPr>
+          <p:cNvPr id="3" name="Content Placeholder 2"/>
+          <p:cNvSpPr>
+            <a:spLocks noGrp="1"/>
+          </p:cNvSpPr>
+          <p:nvPr>
+            <p:ph sz="half" idx="1"/>
+          </p:nvPr>
+        </p:nvSpPr>
+        <p:spPr>
+          <a:xfrm>
+            <a:off x="581192" y="2228002"/>
+            <a:ext cx="3899527" cy="3633047"/>
+          </a:xfrm>
+        </p:spPr>
+        <p:txBody>
+          <a:bodyPr>
+            <a:normAutofit/>
+          </a:bodyPr>
+          <a:lstStyle/>
+          <a:p>
+            <a:pPr lvl="0"/>
+            <a:r>
+              <a:rPr lang="en-US"/>
+              <a:t>Edit Master text styles</a:t>
+            </a:r>
+          </a:p>
+          <a:p>
+            <a:pPr lvl="1"/>
+            <a:r>
+              <a:rPr lang="en-US"/>
+              <a:t>Second level</a:t>
+            </a:r>
+          </a:p>
+          <a:p>
+            <a:pPr lvl="2"/>
+            <a:r>
+              <a:rPr lang="en-US"/>
+              <a:t>Third level</a:t>
+            </a:r>
+          </a:p>
+          <a:p>
+            <a:pPr lvl="3"/>
+            <a:r>
+              <a:rPr lang="en-US"/>
+              <a:t>Fourth level</a:t>
+            </a:r>
+          </a:p>
+          <a:p>
+            <a:pPr lvl="4"/>
+            <a:r>
+              <a:rPr lang="en-US"/>
+              <a:t>Fifth level</a:t>
+            </a:r>
+            <a:endParaRPr lang="en-US" dirty="0"/>
+          </a:p>
+        </p:txBody>
+      </p:sp>
+      <p:sp>
+        <p:nvSpPr>
+          <p:cNvPr id="4" name="Content Placeholder 3"/>
+          <p:cNvSpPr>
+            <a:spLocks noGrp="1"/>
+          </p:cNvSpPr>
+          <p:nvPr>
+            <p:ph sz="half" idx="2"/>
+          </p:nvPr>
+        </p:nvSpPr>
+        <p:spPr>
+          <a:xfrm>
+            <a:off x="4663282" y="2228003"/>
+            <a:ext cx="3907662" cy="3633047"/>
+          </a:xfrm>
+        </p:spPr>
+        <p:txBody>
+          <a:bodyPr>
+            <a:normAutofit/>
+          </a:bodyPr>
+          <a:lstStyle/>
+          <a:p>
+            <a:pPr lvl="0"/>
+            <a:r>
+              <a:rPr lang="en-US"/>
+              <a:t>Edit Master text styles</a:t>
+            </a:r>
+          </a:p>
+          <a:p>
+            <a:pPr lvl="1"/>
+            <a:r>
+              <a:rPr lang="en-US"/>
+              <a:t>Second level</a:t>
+            </a:r>
+          </a:p>
+          <a:p>
+            <a:pPr lvl="2"/>
+            <a:r>
+              <a:rPr lang="en-US"/>
+              <a:t>Third level</a:t>
+            </a:r>
+          </a:p>
+          <a:p>
+            <a:pPr lvl="3"/>
+            <a:r>
+              <a:rPr lang="en-US"/>
+              <a:t>Fourth level</a:t>
+            </a:r>
+          </a:p>
+          <a:p>
+            <a:pPr lvl="4"/>
+            <a:r>
+              <a:rPr lang="en-US"/>
+              <a:t>Fifth level</a:t>
+            </a:r>
+            <a:endParaRPr lang="en-US" dirty="0"/>
+          </a:p>
+        </p:txBody>
+      </p:sp>
+      <p:sp>
+        <p:nvSpPr>
+          <p:cNvPr id="5" name="Date Placeholder 4"/>
+          <p:cNvSpPr>
+            <a:spLocks noGrp="1"/>
+          </p:cNvSpPr>
+          <p:nvPr>
+            <p:ph type="dt" sz="half" idx="10"/>
+          </p:nvPr>
+        </p:nvSpPr>
+        <p:spPr>
+          <a:xfrm>
+            <a:off x="5559327" y="5956136"/>
+            <a:ext cx="2133600" cy="365125"/>
+          </a:xfrm>
+          <a:prstGeom prst="rect">
+            <a:avLst/>
+          </a:prstGeom>
+        </p:spPr>
+        <p:txBody>
+          <a:bodyPr/>
+          <a:lstStyle/>
+          <a:p>
+            <a:fld id="{C608D00E-B923-42C5-A542-15AACB8C5803}" type="datetime1">
+              <a:rPr lang="en-US" smtClean="0"/>
+              <a:t>6/11/18</a:t>
+            </a:fld>
+            <a:endParaRPr lang="en-US"/>
+          </a:p>
+        </p:txBody>
+      </p:sp>
+      <p:sp>
+        <p:nvSpPr>
+          <p:cNvPr id="6" name="Footer Placeholder 5"/>
+          <p:cNvSpPr>
+            <a:spLocks noGrp="1"/>
+          </p:cNvSpPr>
+          <p:nvPr>
+            <p:ph type="ftr" sz="quarter" idx="11"/>
+          </p:nvPr>
+        </p:nvSpPr>
+        <p:spPr>
+          <a:xfrm>
+            <a:off x="581192" y="5951810"/>
+            <a:ext cx="4870585" cy="365125"/>
+          </a:xfrm>
+          <a:prstGeom prst="rect">
+            <a:avLst/>
+          </a:prstGeom>
+        </p:spPr>
+        <p:txBody>
+          <a:bodyPr/>
+          <a:lstStyle/>
+          <a:p>
+            <a:r>
+              <a:rPr lang="en-US"/>
+              <a:t>© 2018, FLL Tutorials, Last Edit 6/11/2018</a:t>
+            </a:r>
+          </a:p>
+        </p:txBody>
+      </p:sp>
+      <p:sp>
+        <p:nvSpPr>
+          <p:cNvPr id="7" name="Slide Number Placeholder 6"/>
+          <p:cNvSpPr>
+            <a:spLocks noGrp="1"/>
+          </p:cNvSpPr>
+          <p:nvPr>
+            <p:ph type="sldNum" sz="quarter" idx="12"/>
+          </p:nvPr>
+        </p:nvSpPr>
+        <p:spPr>
+          <a:xfrm>
+            <a:off x="7800476" y="5956136"/>
+            <a:ext cx="770468" cy="365125"/>
+          </a:xfrm>
+          <a:prstGeom prst="rect">
+            <a:avLst/>
+          </a:prstGeom>
+        </p:spPr>
+        <p:txBody>
+          <a:bodyPr/>
+          <a:lstStyle/>
+          <a:p>
+            <a:fld id="{4DBC7FC8-25FB-FC45-8177-2B991DA6778C}" type="slidenum">
+              <a:rPr lang="en-US" smtClean="0"/>
+              <a:t>‹#›</a:t>
+            </a:fld>
+            <a:endParaRPr lang="en-US"/>
+          </a:p>
+        </p:txBody>
+      </p:sp>
+    </p:spTree>
+    <p:extLst>
+      <p:ext uri="{BB962C8B-B14F-4D97-AF65-F5344CB8AC3E}">
+        <p14:creationId xmlns:p14="http://schemas.microsoft.com/office/powerpoint/2010/main" val="1607287487"/>
+      </p:ext>
+    </p:extLst>
+  </p:cSld>
+  <p:clrMapOvr>
+    <a:masterClrMapping/>
+  </p:clrMapOvr>
+</p:sldLayout>
+</file>
+
+<file path=ppt/slideLayouts/slideLayout71.xml><?xml version="1.0" encoding="utf-8"?>
+<p:sldLayout xmlns:a="http://schemas.openxmlformats.org/drawingml/2006/main" xmlns:r="http://schemas.openxmlformats.org/officeDocument/2006/relationships" xmlns:p="http://schemas.openxmlformats.org/presentationml/2006/main" type="twoTxTwoObj" preserve="1">
+  <p:cSld name="Comparison">
+    <p:spTree>
+      <p:nvGrpSpPr>
+        <p:cNvPr id="1" name=""/>
+        <p:cNvGrpSpPr/>
+        <p:nvPr/>
+      </p:nvGrpSpPr>
+      <p:grpSpPr>
+        <a:xfrm>
+          <a:off x="0" y="0"/>
+          <a:ext cx="0" cy="0"/>
+          <a:chOff x="0" y="0"/>
+          <a:chExt cx="0" cy="0"/>
+        </a:xfrm>
+      </p:grpSpPr>
+      <p:sp>
+        <p:nvSpPr>
+          <p:cNvPr id="10" name="Rectangle 9"/>
+          <p:cNvSpPr>
+            <a:spLocks noChangeAspect="1"/>
+          </p:cNvSpPr>
+          <p:nvPr/>
+        </p:nvSpPr>
+        <p:spPr>
+          <a:xfrm>
+            <a:off x="448092" y="599725"/>
+            <a:ext cx="8238707" cy="1258827"/>
+          </a:xfrm>
+          <a:prstGeom prst="rect">
+            <a:avLst/>
+          </a:prstGeom>
+          <a:solidFill>
+            <a:schemeClr val="accent1"/>
+          </a:solidFill>
+          <a:ln>
+            <a:noFill/>
+          </a:ln>
+          <a:effectLst/>
+        </p:spPr>
+        <p:style>
+          <a:lnRef idx="1">
+            <a:schemeClr val="accent1"/>
+          </a:lnRef>
+          <a:fillRef idx="3">
+            <a:schemeClr val="accent1"/>
+          </a:fillRef>
+          <a:effectRef idx="2">
+            <a:schemeClr val="accent1"/>
+          </a:effectRef>
+          <a:fontRef idx="minor">
+            <a:schemeClr val="lt1"/>
+          </a:fontRef>
+        </p:style>
+      </p:sp>
+      <p:sp>
+        <p:nvSpPr>
+          <p:cNvPr id="2" name="Title 1"/>
+          <p:cNvSpPr>
+            <a:spLocks noGrp="1"/>
+          </p:cNvSpPr>
+          <p:nvPr>
+            <p:ph type="title"/>
+          </p:nvPr>
+        </p:nvSpPr>
+        <p:spPr/>
+        <p:txBody>
+          <a:bodyPr/>
+          <a:lstStyle>
+            <a:lvl1pPr>
+              <a:defRPr/>
+            </a:lvl1pPr>
+          </a:lstStyle>
+          <a:p>
+            <a:r>
+              <a:rPr lang="en-US"/>
+              <a:t>Click to edit Master title style</a:t>
+            </a:r>
+            <a:endParaRPr lang="en-US" dirty="0"/>
+          </a:p>
+        </p:txBody>
+      </p:sp>
+      <p:sp>
+        <p:nvSpPr>
+          <p:cNvPr id="3" name="Text Placeholder 2"/>
+          <p:cNvSpPr>
+            <a:spLocks noGrp="1"/>
+          </p:cNvSpPr>
+          <p:nvPr>
+            <p:ph type="body" idx="1"/>
+          </p:nvPr>
+        </p:nvSpPr>
+        <p:spPr>
+          <a:xfrm>
+            <a:off x="887219" y="2228003"/>
+            <a:ext cx="3593500" cy="576262"/>
+          </a:xfrm>
+        </p:spPr>
+        <p:txBody>
+          <a:bodyPr anchor="b">
+            <a:noAutofit/>
+          </a:bodyPr>
+          <a:lstStyle>
+            <a:lvl1pPr marL="0" indent="0">
+              <a:buNone/>
+              <a:defRPr sz="2200" b="0">
+                <a:solidFill>
+                  <a:schemeClr val="accent2"/>
+                </a:solidFill>
+              </a:defRPr>
+            </a:lvl1pPr>
+            <a:lvl2pPr marL="457200" indent="0">
+              <a:buNone/>
+              <a:defRPr sz="2000" b="1"/>
+            </a:lvl2pPr>
+            <a:lvl3pPr marL="914400" indent="0">
+              <a:buNone/>
+              <a:defRPr sz="1800" b="1"/>
+            </a:lvl3pPr>
+            <a:lvl4pPr marL="1371600" indent="0">
+              <a:buNone/>
+              <a:defRPr sz="1600" b="1"/>
+            </a:lvl4pPr>
+            <a:lvl5pPr marL="1828800" indent="0">
+              <a:buNone/>
+              <a:defRPr sz="1600" b="1"/>
+            </a:lvl5pPr>
+            <a:lvl6pPr marL="2286000" indent="0">
+              <a:buNone/>
+              <a:defRPr sz="1600" b="1"/>
+            </a:lvl6pPr>
+            <a:lvl7pPr marL="2743200" indent="0">
+              <a:buNone/>
+              <a:defRPr sz="1600" b="1"/>
+            </a:lvl7pPr>
+            <a:lvl8pPr marL="3200400" indent="0">
+              <a:buNone/>
+              <a:defRPr sz="1600" b="1"/>
+            </a:lvl8pPr>
+            <a:lvl9pPr marL="3657600" indent="0">
+              <a:buNone/>
+              <a:defRPr sz="1600" b="1"/>
+            </a:lvl9pPr>
+          </a:lstStyle>
+          <a:p>
+            <a:pPr lvl="0"/>
+            <a:r>
+              <a:rPr lang="en-US"/>
+              <a:t>Edit Master text styles</a:t>
+            </a:r>
+          </a:p>
+        </p:txBody>
+      </p:sp>
+      <p:sp>
+        <p:nvSpPr>
+          <p:cNvPr id="4" name="Content Placeholder 3"/>
+          <p:cNvSpPr>
+            <a:spLocks noGrp="1"/>
+          </p:cNvSpPr>
+          <p:nvPr>
+            <p:ph sz="half" idx="2"/>
+          </p:nvPr>
+        </p:nvSpPr>
+        <p:spPr>
+          <a:xfrm>
+            <a:off x="581192" y="2926051"/>
+            <a:ext cx="3899527" cy="2934999"/>
+          </a:xfrm>
+        </p:spPr>
+        <p:txBody>
+          <a:bodyPr anchor="t">
+            <a:normAutofit/>
+          </a:bodyPr>
+          <a:lstStyle/>
+          <a:p>
+            <a:pPr lvl="0"/>
+            <a:r>
+              <a:rPr lang="en-US"/>
+              <a:t>Edit Master text styles</a:t>
+            </a:r>
+          </a:p>
+          <a:p>
+            <a:pPr lvl="1"/>
+            <a:r>
+              <a:rPr lang="en-US"/>
+              <a:t>Second level</a:t>
+            </a:r>
+          </a:p>
+          <a:p>
+            <a:pPr lvl="2"/>
+            <a:r>
+              <a:rPr lang="en-US"/>
+              <a:t>Third level</a:t>
+            </a:r>
+          </a:p>
+          <a:p>
+            <a:pPr lvl="3"/>
+            <a:r>
+              <a:rPr lang="en-US"/>
+              <a:t>Fourth level</a:t>
+            </a:r>
+          </a:p>
+          <a:p>
+            <a:pPr lvl="4"/>
+            <a:r>
+              <a:rPr lang="en-US"/>
+              <a:t>Fifth level</a:t>
+            </a:r>
+            <a:endParaRPr lang="en-US" dirty="0"/>
+          </a:p>
+        </p:txBody>
+      </p:sp>
+      <p:sp>
+        <p:nvSpPr>
+          <p:cNvPr id="5" name="Text Placeholder 4"/>
+          <p:cNvSpPr>
+            <a:spLocks noGrp="1"/>
+          </p:cNvSpPr>
+          <p:nvPr>
+            <p:ph type="body" sz="quarter" idx="3"/>
+          </p:nvPr>
+        </p:nvSpPr>
+        <p:spPr>
+          <a:xfrm>
+            <a:off x="4969308" y="2228003"/>
+            <a:ext cx="3601635" cy="576262"/>
+          </a:xfrm>
+        </p:spPr>
+        <p:txBody>
+          <a:bodyPr anchor="b">
+            <a:noAutofit/>
+          </a:bodyPr>
+          <a:lstStyle>
+            <a:lvl1pPr marL="0" indent="0">
+              <a:buNone/>
+              <a:defRPr sz="2200" b="0">
+                <a:solidFill>
+                  <a:schemeClr val="accent2"/>
+                </a:solidFill>
+              </a:defRPr>
+            </a:lvl1pPr>
+            <a:lvl2pPr marL="457200" indent="0">
+              <a:buNone/>
+              <a:defRPr sz="2000" b="1"/>
+            </a:lvl2pPr>
+            <a:lvl3pPr marL="914400" indent="0">
+              <a:buNone/>
+              <a:defRPr sz="1800" b="1"/>
+            </a:lvl3pPr>
+            <a:lvl4pPr marL="1371600" indent="0">
+              <a:buNone/>
+              <a:defRPr sz="1600" b="1"/>
+            </a:lvl4pPr>
+            <a:lvl5pPr marL="1828800" indent="0">
+              <a:buNone/>
+              <a:defRPr sz="1600" b="1"/>
+            </a:lvl5pPr>
+            <a:lvl6pPr marL="2286000" indent="0">
+              <a:buNone/>
+              <a:defRPr sz="1600" b="1"/>
+            </a:lvl6pPr>
+            <a:lvl7pPr marL="2743200" indent="0">
+              <a:buNone/>
+              <a:defRPr sz="1600" b="1"/>
+            </a:lvl7pPr>
+            <a:lvl8pPr marL="3200400" indent="0">
+              <a:buNone/>
+              <a:defRPr sz="1600" b="1"/>
+            </a:lvl8pPr>
+            <a:lvl9pPr marL="3657600" indent="0">
+              <a:buNone/>
+              <a:defRPr sz="1600" b="1"/>
+            </a:lvl9pPr>
+          </a:lstStyle>
+          <a:p>
+            <a:pPr lvl="0"/>
+            <a:r>
+              <a:rPr lang="en-US"/>
+              <a:t>Edit Master text styles</a:t>
+            </a:r>
+          </a:p>
+        </p:txBody>
+      </p:sp>
+      <p:sp>
+        <p:nvSpPr>
+          <p:cNvPr id="6" name="Content Placeholder 5"/>
+          <p:cNvSpPr>
+            <a:spLocks noGrp="1"/>
+          </p:cNvSpPr>
+          <p:nvPr>
+            <p:ph sz="quarter" idx="4"/>
+          </p:nvPr>
+        </p:nvSpPr>
+        <p:spPr>
+          <a:xfrm>
+            <a:off x="4663282" y="2926051"/>
+            <a:ext cx="3907662" cy="2934999"/>
+          </a:xfrm>
+        </p:spPr>
+        <p:txBody>
+          <a:bodyPr anchor="t">
+            <a:normAutofit/>
+          </a:bodyPr>
+          <a:lstStyle/>
+          <a:p>
+            <a:pPr lvl="0"/>
+            <a:r>
+              <a:rPr lang="en-US"/>
+              <a:t>Edit Master text styles</a:t>
+            </a:r>
+          </a:p>
+          <a:p>
+            <a:pPr lvl="1"/>
+            <a:r>
+              <a:rPr lang="en-US"/>
+              <a:t>Second level</a:t>
+            </a:r>
+          </a:p>
+          <a:p>
+            <a:pPr lvl="2"/>
+            <a:r>
+              <a:rPr lang="en-US"/>
+              <a:t>Third level</a:t>
+            </a:r>
+          </a:p>
+          <a:p>
+            <a:pPr lvl="3"/>
+            <a:r>
+              <a:rPr lang="en-US"/>
+              <a:t>Fourth level</a:t>
+            </a:r>
+          </a:p>
+          <a:p>
+            <a:pPr lvl="4"/>
+            <a:r>
+              <a:rPr lang="en-US"/>
+              <a:t>Fifth level</a:t>
+            </a:r>
+            <a:endParaRPr lang="en-US" dirty="0"/>
+          </a:p>
+        </p:txBody>
+      </p:sp>
+      <p:sp>
+        <p:nvSpPr>
+          <p:cNvPr id="7" name="Date Placeholder 6"/>
+          <p:cNvSpPr>
+            <a:spLocks noGrp="1"/>
+          </p:cNvSpPr>
+          <p:nvPr>
+            <p:ph type="dt" sz="half" idx="10"/>
+          </p:nvPr>
+        </p:nvSpPr>
+        <p:spPr>
+          <a:xfrm>
+            <a:off x="5559327" y="5956136"/>
+            <a:ext cx="2133600" cy="365125"/>
+          </a:xfrm>
+          <a:prstGeom prst="rect">
+            <a:avLst/>
+          </a:prstGeom>
+        </p:spPr>
+        <p:txBody>
+          <a:bodyPr/>
+          <a:lstStyle/>
+          <a:p>
+            <a:fld id="{2125FC5F-78BB-4850-8AFF-6753A1A81983}" type="datetime1">
+              <a:rPr lang="en-US" smtClean="0"/>
+              <a:t>6/11/18</a:t>
+            </a:fld>
+            <a:endParaRPr lang="en-US"/>
+          </a:p>
+        </p:txBody>
+      </p:sp>
+      <p:sp>
+        <p:nvSpPr>
+          <p:cNvPr id="8" name="Footer Placeholder 7"/>
+          <p:cNvSpPr>
+            <a:spLocks noGrp="1"/>
+          </p:cNvSpPr>
+          <p:nvPr>
+            <p:ph type="ftr" sz="quarter" idx="11"/>
+          </p:nvPr>
+        </p:nvSpPr>
+        <p:spPr>
+          <a:xfrm>
+            <a:off x="581192" y="5951810"/>
+            <a:ext cx="4870585" cy="365125"/>
+          </a:xfrm>
+          <a:prstGeom prst="rect">
+            <a:avLst/>
+          </a:prstGeom>
+        </p:spPr>
+        <p:txBody>
+          <a:bodyPr/>
+          <a:lstStyle/>
+          <a:p>
+            <a:r>
+              <a:rPr lang="en-US"/>
+              <a:t>© 2018, FLL Tutorials, Last Edit 6/11/2018</a:t>
+            </a:r>
+          </a:p>
+        </p:txBody>
+      </p:sp>
+      <p:sp>
+        <p:nvSpPr>
+          <p:cNvPr id="9" name="Slide Number Placeholder 8"/>
+          <p:cNvSpPr>
+            <a:spLocks noGrp="1"/>
+          </p:cNvSpPr>
+          <p:nvPr>
+            <p:ph type="sldNum" sz="quarter" idx="12"/>
+          </p:nvPr>
+        </p:nvSpPr>
+        <p:spPr>
+          <a:xfrm>
+            <a:off x="7800476" y="5956136"/>
+            <a:ext cx="770468" cy="365125"/>
+          </a:xfrm>
+          <a:prstGeom prst="rect">
+            <a:avLst/>
+          </a:prstGeom>
+        </p:spPr>
+        <p:txBody>
+          <a:bodyPr/>
+          <a:lstStyle/>
+          <a:p>
+            <a:fld id="{4DBC7FC8-25FB-FC45-8177-2B991DA6778C}" type="slidenum">
+              <a:rPr lang="en-US" smtClean="0"/>
+              <a:t>‹#›</a:t>
+            </a:fld>
+            <a:endParaRPr lang="en-US"/>
+          </a:p>
+        </p:txBody>
+      </p:sp>
+    </p:spTree>
+    <p:extLst>
+      <p:ext uri="{BB962C8B-B14F-4D97-AF65-F5344CB8AC3E}">
+        <p14:creationId xmlns:p14="http://schemas.microsoft.com/office/powerpoint/2010/main" val="2656936054"/>
+      </p:ext>
+    </p:extLst>
+  </p:cSld>
+  <p:clrMapOvr>
+    <a:masterClrMapping/>
+  </p:clrMapOvr>
+</p:sldLayout>
+</file>
+
+<file path=ppt/slideLayouts/slideLayout72.xml><?xml version="1.0" encoding="utf-8"?>
+<p:sldLayout xmlns:a="http://schemas.openxmlformats.org/drawingml/2006/main" xmlns:r="http://schemas.openxmlformats.org/officeDocument/2006/relationships" xmlns:p="http://schemas.openxmlformats.org/presentationml/2006/main" type="titleOnly" preserve="1">
+  <p:cSld name="Title Only">
+    <p:spTree>
+      <p:nvGrpSpPr>
+        <p:cNvPr id="1" name=""/>
+        <p:cNvGrpSpPr/>
+        <p:nvPr/>
+      </p:nvGrpSpPr>
+      <p:grpSpPr>
+        <a:xfrm>
+          <a:off x="0" y="0"/>
+          <a:ext cx="0" cy="0"/>
+          <a:chOff x="0" y="0"/>
+          <a:chExt cx="0" cy="0"/>
+        </a:xfrm>
+      </p:grpSpPr>
+      <p:sp>
+        <p:nvSpPr>
+          <p:cNvPr id="6" name="Rectangle 5"/>
+          <p:cNvSpPr>
+            <a:spLocks noChangeAspect="1"/>
+          </p:cNvSpPr>
+          <p:nvPr/>
+        </p:nvSpPr>
+        <p:spPr>
+          <a:xfrm>
+            <a:off x="448092" y="599725"/>
+            <a:ext cx="8238707" cy="1258827"/>
+          </a:xfrm>
+          <a:prstGeom prst="rect">
+            <a:avLst/>
+          </a:prstGeom>
+          <a:solidFill>
+            <a:schemeClr val="accent1"/>
+          </a:solidFill>
+          <a:ln>
+            <a:noFill/>
+          </a:ln>
+          <a:effectLst/>
+        </p:spPr>
+        <p:style>
+          <a:lnRef idx="1">
+            <a:schemeClr val="accent1"/>
+          </a:lnRef>
+          <a:fillRef idx="3">
+            <a:schemeClr val="accent1"/>
+          </a:fillRef>
+          <a:effectRef idx="2">
+            <a:schemeClr val="accent1"/>
+          </a:effectRef>
+          <a:fontRef idx="minor">
+            <a:schemeClr val="lt1"/>
+          </a:fontRef>
+        </p:style>
+      </p:sp>
+      <p:sp>
+        <p:nvSpPr>
+          <p:cNvPr id="2" name="Title 1"/>
+          <p:cNvSpPr>
+            <a:spLocks noGrp="1"/>
+          </p:cNvSpPr>
+          <p:nvPr>
+            <p:ph type="title"/>
+          </p:nvPr>
+        </p:nvSpPr>
+        <p:spPr/>
+        <p:txBody>
+          <a:bodyPr/>
+          <a:lstStyle/>
+          <a:p>
+            <a:r>
+              <a:rPr lang="en-US"/>
+              <a:t>Click to edit Master title style</a:t>
+            </a:r>
+            <a:endParaRPr lang="en-US" dirty="0"/>
+          </a:p>
+        </p:txBody>
+      </p:sp>
+      <p:sp>
+        <p:nvSpPr>
+          <p:cNvPr id="3" name="Date Placeholder 2"/>
+          <p:cNvSpPr>
+            <a:spLocks noGrp="1"/>
+          </p:cNvSpPr>
+          <p:nvPr>
+            <p:ph type="dt" sz="half" idx="10"/>
+          </p:nvPr>
+        </p:nvSpPr>
+        <p:spPr>
+          <a:xfrm>
+            <a:off x="5559327" y="5956136"/>
+            <a:ext cx="2133600" cy="365125"/>
+          </a:xfrm>
+          <a:prstGeom prst="rect">
+            <a:avLst/>
+          </a:prstGeom>
+        </p:spPr>
+        <p:txBody>
+          <a:bodyPr/>
+          <a:lstStyle/>
+          <a:p>
+            <a:fld id="{88FD0ED8-98B8-400E-8882-694FAA5E399B}" type="datetime1">
+              <a:rPr lang="en-US" smtClean="0"/>
+              <a:t>6/11/18</a:t>
+            </a:fld>
+            <a:endParaRPr lang="en-US"/>
+          </a:p>
+        </p:txBody>
+      </p:sp>
+      <p:sp>
+        <p:nvSpPr>
+          <p:cNvPr id="4" name="Footer Placeholder 3"/>
+          <p:cNvSpPr>
+            <a:spLocks noGrp="1"/>
+          </p:cNvSpPr>
+          <p:nvPr>
+            <p:ph type="ftr" sz="quarter" idx="11"/>
+          </p:nvPr>
+        </p:nvSpPr>
+        <p:spPr>
+          <a:xfrm>
+            <a:off x="581192" y="5951810"/>
+            <a:ext cx="4870585" cy="365125"/>
+          </a:xfrm>
+          <a:prstGeom prst="rect">
+            <a:avLst/>
+          </a:prstGeom>
+        </p:spPr>
+        <p:txBody>
+          <a:bodyPr/>
+          <a:lstStyle/>
+          <a:p>
+            <a:r>
+              <a:rPr lang="en-US"/>
+              <a:t>© 2018, FLL Tutorials, Last Edit 6/11/2018</a:t>
+            </a:r>
+          </a:p>
+        </p:txBody>
+      </p:sp>
+      <p:sp>
+        <p:nvSpPr>
+          <p:cNvPr id="5" name="Slide Number Placeholder 4"/>
+          <p:cNvSpPr>
+            <a:spLocks noGrp="1"/>
+          </p:cNvSpPr>
+          <p:nvPr>
+            <p:ph type="sldNum" sz="quarter" idx="12"/>
+          </p:nvPr>
+        </p:nvSpPr>
+        <p:spPr>
+          <a:xfrm>
+            <a:off x="7800476" y="5956136"/>
+            <a:ext cx="770468" cy="365125"/>
+          </a:xfrm>
+          <a:prstGeom prst="rect">
+            <a:avLst/>
+          </a:prstGeom>
+        </p:spPr>
+        <p:txBody>
+          <a:bodyPr/>
+          <a:lstStyle/>
+          <a:p>
+            <a:fld id="{4DBC7FC8-25FB-FC45-8177-2B991DA6778C}" type="slidenum">
+              <a:rPr lang="en-US" smtClean="0"/>
+              <a:t>‹#›</a:t>
+            </a:fld>
+            <a:endParaRPr lang="en-US"/>
+          </a:p>
+        </p:txBody>
+      </p:sp>
+    </p:spTree>
+    <p:extLst>
+      <p:ext uri="{BB962C8B-B14F-4D97-AF65-F5344CB8AC3E}">
+        <p14:creationId xmlns:p14="http://schemas.microsoft.com/office/powerpoint/2010/main" val="739647343"/>
+      </p:ext>
+    </p:extLst>
+  </p:cSld>
+  <p:clrMapOvr>
+    <a:masterClrMapping/>
+  </p:clrMapOvr>
+</p:sldLayout>
+</file>
+
+<file path=ppt/slideLayouts/slideLayout73.xml><?xml version="1.0" encoding="utf-8"?>
+<p:sldLayout xmlns:a="http://schemas.openxmlformats.org/drawingml/2006/main" xmlns:r="http://schemas.openxmlformats.org/officeDocument/2006/relationships" xmlns:p="http://schemas.openxmlformats.org/presentationml/2006/main" type="blank" preserve="1">
+  <p:cSld name="Blank">
+    <p:spTree>
+      <p:nvGrpSpPr>
+        <p:cNvPr id="1" name=""/>
+        <p:cNvGrpSpPr/>
+        <p:nvPr/>
+      </p:nvGrpSpPr>
+      <p:grpSpPr>
+        <a:xfrm>
+          <a:off x="0" y="0"/>
+          <a:ext cx="0" cy="0"/>
+          <a:chOff x="0" y="0"/>
+          <a:chExt cx="0" cy="0"/>
+        </a:xfrm>
+      </p:grpSpPr>
+      <p:sp>
+        <p:nvSpPr>
+          <p:cNvPr id="2" name="Date Placeholder 1"/>
+          <p:cNvSpPr>
+            <a:spLocks noGrp="1"/>
+          </p:cNvSpPr>
+          <p:nvPr>
+            <p:ph type="dt" sz="half" idx="10"/>
+          </p:nvPr>
+        </p:nvSpPr>
+        <p:spPr>
+          <a:xfrm>
+            <a:off x="5559327" y="5956136"/>
+            <a:ext cx="2133600" cy="365125"/>
+          </a:xfrm>
+          <a:prstGeom prst="rect">
+            <a:avLst/>
+          </a:prstGeom>
+        </p:spPr>
+        <p:txBody>
+          <a:bodyPr/>
+          <a:lstStyle/>
+          <a:p>
+            <a:fld id="{E8774096-E847-45A1-97DB-DBA77A3C0308}" type="datetime1">
+              <a:rPr lang="en-US" smtClean="0"/>
+              <a:t>6/11/18</a:t>
+            </a:fld>
+            <a:endParaRPr lang="en-US"/>
+          </a:p>
+        </p:txBody>
+      </p:sp>
+      <p:sp>
+        <p:nvSpPr>
+          <p:cNvPr id="3" name="Footer Placeholder 2"/>
+          <p:cNvSpPr>
+            <a:spLocks noGrp="1"/>
+          </p:cNvSpPr>
+          <p:nvPr>
+            <p:ph type="ftr" sz="quarter" idx="11"/>
+          </p:nvPr>
+        </p:nvSpPr>
+        <p:spPr>
+          <a:xfrm>
+            <a:off x="581192" y="5951810"/>
+            <a:ext cx="4870585" cy="365125"/>
+          </a:xfrm>
+          <a:prstGeom prst="rect">
+            <a:avLst/>
+          </a:prstGeom>
+        </p:spPr>
+        <p:txBody>
+          <a:bodyPr/>
+          <a:lstStyle/>
+          <a:p>
+            <a:r>
+              <a:rPr lang="en-US"/>
+              <a:t>© 2018, FLL Tutorials, Last Edit 6/11/2018</a:t>
+            </a:r>
+          </a:p>
+        </p:txBody>
+      </p:sp>
+      <p:sp>
+        <p:nvSpPr>
+          <p:cNvPr id="4" name="Slide Number Placeholder 3"/>
+          <p:cNvSpPr>
+            <a:spLocks noGrp="1"/>
+          </p:cNvSpPr>
+          <p:nvPr>
+            <p:ph type="sldNum" sz="quarter" idx="12"/>
+          </p:nvPr>
+        </p:nvSpPr>
+        <p:spPr>
+          <a:xfrm>
+            <a:off x="7800476" y="5956136"/>
+            <a:ext cx="770468" cy="365125"/>
+          </a:xfrm>
+          <a:prstGeom prst="rect">
+            <a:avLst/>
+          </a:prstGeom>
+        </p:spPr>
+        <p:txBody>
+          <a:bodyPr/>
+          <a:lstStyle/>
+          <a:p>
+            <a:fld id="{4DBC7FC8-25FB-FC45-8177-2B991DA6778C}" type="slidenum">
+              <a:rPr lang="en-US" smtClean="0"/>
+              <a:t>‹#›</a:t>
+            </a:fld>
+            <a:endParaRPr lang="en-US"/>
+          </a:p>
+        </p:txBody>
+      </p:sp>
+    </p:spTree>
+    <p:extLst>
+      <p:ext uri="{BB962C8B-B14F-4D97-AF65-F5344CB8AC3E}">
+        <p14:creationId xmlns:p14="http://schemas.microsoft.com/office/powerpoint/2010/main" val="48885473"/>
+      </p:ext>
+    </p:extLst>
+  </p:cSld>
+  <p:clrMapOvr>
+    <a:masterClrMapping/>
+  </p:clrMapOvr>
+</p:sldLayout>
+</file>
+
+<file path=ppt/slideLayouts/slideLayout74.xml><?xml version="1.0" encoding="utf-8"?>
+<p:sldLayout xmlns:a="http://schemas.openxmlformats.org/drawingml/2006/main" xmlns:r="http://schemas.openxmlformats.org/officeDocument/2006/relationships" xmlns:p="http://schemas.openxmlformats.org/presentationml/2006/main" type="objTx" preserve="1">
+  <p:cSld name="Content with Caption">
+    <p:spTree>
+      <p:nvGrpSpPr>
+        <p:cNvPr id="1" name=""/>
+        <p:cNvGrpSpPr/>
+        <p:nvPr/>
+      </p:nvGrpSpPr>
+      <p:grpSpPr>
+        <a:xfrm>
+          <a:off x="0" y="0"/>
+          <a:ext cx="0" cy="0"/>
+          <a:chOff x="0" y="0"/>
+          <a:chExt cx="0" cy="0"/>
+        </a:xfrm>
+      </p:grpSpPr>
+      <p:sp>
+        <p:nvSpPr>
+          <p:cNvPr id="9" name="Rectangle 8"/>
+          <p:cNvSpPr>
+            <a:spLocks noChangeAspect="1"/>
+          </p:cNvSpPr>
+          <p:nvPr/>
+        </p:nvSpPr>
+        <p:spPr>
+          <a:xfrm>
+            <a:off x="452646" y="5141973"/>
+            <a:ext cx="8238707" cy="1274702"/>
+          </a:xfrm>
+          <a:prstGeom prst="rect">
+            <a:avLst/>
+          </a:prstGeom>
+          <a:solidFill>
+            <a:schemeClr val="accent1"/>
+          </a:solidFill>
+          <a:ln>
+            <a:noFill/>
+          </a:ln>
+          <a:effectLst/>
+        </p:spPr>
+        <p:style>
+          <a:lnRef idx="1">
+            <a:schemeClr val="accent1"/>
+          </a:lnRef>
+          <a:fillRef idx="3">
+            <a:schemeClr val="accent1"/>
+          </a:fillRef>
+          <a:effectRef idx="2">
+            <a:schemeClr val="accent1"/>
+          </a:effectRef>
+          <a:fontRef idx="minor">
+            <a:schemeClr val="lt1"/>
+          </a:fontRef>
+        </p:style>
+      </p:sp>
+      <p:sp>
+        <p:nvSpPr>
+          <p:cNvPr id="2" name="Title 1"/>
+          <p:cNvSpPr>
+            <a:spLocks noGrp="1"/>
+          </p:cNvSpPr>
+          <p:nvPr>
+            <p:ph type="title"/>
+          </p:nvPr>
+        </p:nvSpPr>
+        <p:spPr>
+          <a:xfrm>
+            <a:off x="581352" y="5262296"/>
+            <a:ext cx="3536625" cy="689514"/>
+          </a:xfrm>
+        </p:spPr>
+        <p:txBody>
+          <a:bodyPr anchor="ctr"/>
+          <a:lstStyle>
+            <a:lvl1pPr algn="l">
+              <a:defRPr sz="2000" b="0">
+                <a:solidFill>
+                  <a:schemeClr val="accent1">
+                    <a:lumMod val="75000"/>
+                    <a:lumOff val="25000"/>
+                  </a:schemeClr>
+                </a:solidFill>
+              </a:defRPr>
+            </a:lvl1pPr>
+          </a:lstStyle>
+          <a:p>
+            <a:r>
+              <a:rPr lang="en-US"/>
+              <a:t>Click to edit Master title style</a:t>
+            </a:r>
+            <a:endParaRPr lang="en-US" dirty="0"/>
+          </a:p>
+        </p:txBody>
+      </p:sp>
+      <p:sp>
+        <p:nvSpPr>
+          <p:cNvPr id="3" name="Content Placeholder 2"/>
+          <p:cNvSpPr>
+            <a:spLocks noGrp="1"/>
+          </p:cNvSpPr>
+          <p:nvPr>
+            <p:ph idx="1"/>
+          </p:nvPr>
+        </p:nvSpPr>
+        <p:spPr>
+          <a:xfrm>
+            <a:off x="446399" y="601200"/>
+            <a:ext cx="8240400" cy="4204800"/>
+          </a:xfrm>
+        </p:spPr>
+        <p:txBody>
+          <a:bodyPr anchor="ctr">
+            <a:normAutofit/>
+          </a:bodyPr>
+          <a:lstStyle>
+            <a:lvl1pPr>
+              <a:defRPr sz="2000">
+                <a:solidFill>
+                  <a:schemeClr val="tx2"/>
+                </a:solidFill>
+              </a:defRPr>
+            </a:lvl1pPr>
+            <a:lvl2pPr>
+              <a:defRPr sz="1800">
+                <a:solidFill>
+                  <a:schemeClr val="tx2"/>
+                </a:solidFill>
+              </a:defRPr>
+            </a:lvl2pPr>
+            <a:lvl3pPr>
+              <a:defRPr sz="1600">
+                <a:solidFill>
+                  <a:schemeClr val="tx2"/>
+                </a:solidFill>
+              </a:defRPr>
+            </a:lvl3pPr>
+            <a:lvl4pPr>
+              <a:defRPr sz="1400">
+                <a:solidFill>
+                  <a:schemeClr val="tx2"/>
+                </a:solidFill>
+              </a:defRPr>
+            </a:lvl4pPr>
+            <a:lvl5pPr>
+              <a:defRPr sz="1400">
+                <a:solidFill>
+                  <a:schemeClr val="tx2"/>
+                </a:solidFill>
+              </a:defRPr>
+            </a:lvl5pPr>
+            <a:lvl6pPr>
+              <a:defRPr sz="1400">
+                <a:solidFill>
+                  <a:schemeClr val="tx2"/>
+                </a:solidFill>
+              </a:defRPr>
+            </a:lvl6pPr>
+            <a:lvl7pPr>
+              <a:defRPr sz="1400">
+                <a:solidFill>
+                  <a:schemeClr val="tx2"/>
+                </a:solidFill>
+              </a:defRPr>
+            </a:lvl7pPr>
+            <a:lvl8pPr>
+              <a:defRPr sz="1400">
+                <a:solidFill>
+                  <a:schemeClr val="tx2"/>
+                </a:solidFill>
+              </a:defRPr>
+            </a:lvl8pPr>
+            <a:lvl9pPr>
+              <a:defRPr sz="1400">
+                <a:solidFill>
+                  <a:schemeClr val="tx2"/>
+                </a:solidFill>
+              </a:defRPr>
+            </a:lvl9pPr>
+          </a:lstStyle>
+          <a:p>
+            <a:pPr lvl="0"/>
+            <a:r>
+              <a:rPr lang="en-US"/>
+              <a:t>Edit Master text styles</a:t>
+            </a:r>
+          </a:p>
+          <a:p>
+            <a:pPr lvl="1"/>
+            <a:r>
+              <a:rPr lang="en-US"/>
+              <a:t>Second level</a:t>
+            </a:r>
+          </a:p>
+          <a:p>
+            <a:pPr lvl="2"/>
+            <a:r>
+              <a:rPr lang="en-US"/>
+              <a:t>Third level</a:t>
+            </a:r>
+          </a:p>
+          <a:p>
+            <a:pPr lvl="3"/>
+            <a:r>
+              <a:rPr lang="en-US"/>
+              <a:t>Fourth level</a:t>
+            </a:r>
+          </a:p>
+          <a:p>
+            <a:pPr lvl="4"/>
+            <a:r>
+              <a:rPr lang="en-US"/>
+              <a:t>Fifth level</a:t>
+            </a:r>
+            <a:endParaRPr lang="en-US" dirty="0"/>
+          </a:p>
+        </p:txBody>
+      </p:sp>
+      <p:sp>
+        <p:nvSpPr>
+          <p:cNvPr id="4" name="Text Placeholder 3"/>
+          <p:cNvSpPr>
+            <a:spLocks noGrp="1"/>
+          </p:cNvSpPr>
+          <p:nvPr>
+            <p:ph type="body" sz="half" idx="2"/>
+          </p:nvPr>
+        </p:nvSpPr>
+        <p:spPr>
+          <a:xfrm>
+            <a:off x="4305617" y="5262295"/>
+            <a:ext cx="4265327" cy="689515"/>
+          </a:xfrm>
+        </p:spPr>
+        <p:txBody>
+          <a:bodyPr anchor="ctr">
+            <a:normAutofit/>
+          </a:bodyPr>
+          <a:lstStyle>
+            <a:lvl1pPr marL="0" indent="0" algn="r">
+              <a:buNone/>
+              <a:defRPr sz="1100">
+                <a:solidFill>
+                  <a:schemeClr val="bg1"/>
+                </a:solidFill>
+              </a:defRPr>
+            </a:lvl1pPr>
+            <a:lvl2pPr marL="457200" indent="0">
+              <a:buNone/>
+              <a:defRPr sz="1100"/>
+            </a:lvl2pPr>
+            <a:lvl3pPr marL="914400" indent="0">
+              <a:buNone/>
+              <a:defRPr sz="1000"/>
+            </a:lvl3pPr>
+            <a:lvl4pPr marL="1371600" indent="0">
+              <a:buNone/>
+              <a:defRPr sz="900"/>
+            </a:lvl4pPr>
+            <a:lvl5pPr marL="1828800" indent="0">
+              <a:buNone/>
+              <a:defRPr sz="900"/>
+            </a:lvl5pPr>
+            <a:lvl6pPr marL="2286000" indent="0">
+              <a:buNone/>
+              <a:defRPr sz="900"/>
+            </a:lvl6pPr>
+            <a:lvl7pPr marL="2743200" indent="0">
+              <a:buNone/>
+              <a:defRPr sz="900"/>
+            </a:lvl7pPr>
+            <a:lvl8pPr marL="3200400" indent="0">
+              <a:buNone/>
+              <a:defRPr sz="900"/>
+            </a:lvl8pPr>
+            <a:lvl9pPr marL="3657600" indent="0">
+              <a:buNone/>
+              <a:defRPr sz="900"/>
+            </a:lvl9pPr>
+          </a:lstStyle>
+          <a:p>
+            <a:pPr lvl="0"/>
+            <a:r>
+              <a:rPr lang="en-US"/>
+              <a:t>Edit Master text styles</a:t>
+            </a:r>
+          </a:p>
+        </p:txBody>
+      </p:sp>
+      <p:sp>
+        <p:nvSpPr>
+          <p:cNvPr id="5" name="Date Placeholder 4"/>
+          <p:cNvSpPr>
+            <a:spLocks noGrp="1"/>
+          </p:cNvSpPr>
+          <p:nvPr>
+            <p:ph type="dt" sz="half" idx="10"/>
+          </p:nvPr>
+        </p:nvSpPr>
+        <p:spPr>
+          <a:xfrm>
+            <a:off x="5559327" y="5956136"/>
+            <a:ext cx="2133600" cy="365125"/>
+          </a:xfrm>
+          <a:prstGeom prst="rect">
+            <a:avLst/>
+          </a:prstGeom>
+        </p:spPr>
+        <p:txBody>
+          <a:bodyPr/>
+          <a:lstStyle>
+            <a:lvl1pPr>
+              <a:defRPr>
+                <a:solidFill>
+                  <a:schemeClr val="accent1">
+                    <a:lumMod val="75000"/>
+                    <a:lumOff val="25000"/>
+                  </a:schemeClr>
+                </a:solidFill>
+              </a:defRPr>
+            </a:lvl1pPr>
+          </a:lstStyle>
+          <a:p>
+            <a:fld id="{22CEE8EB-23D6-419E-8134-CE7A4A815EB4}" type="datetime1">
+              <a:rPr lang="en-US" smtClean="0"/>
+              <a:t>6/11/18</a:t>
+            </a:fld>
+            <a:endParaRPr lang="en-US"/>
+          </a:p>
+        </p:txBody>
+      </p:sp>
+      <p:sp>
+        <p:nvSpPr>
+          <p:cNvPr id="6" name="Footer Placeholder 5"/>
+          <p:cNvSpPr>
+            <a:spLocks noGrp="1"/>
+          </p:cNvSpPr>
+          <p:nvPr>
+            <p:ph type="ftr" sz="quarter" idx="11"/>
+          </p:nvPr>
+        </p:nvSpPr>
+        <p:spPr>
+          <a:xfrm>
+            <a:off x="581192" y="5951810"/>
+            <a:ext cx="4870585" cy="365125"/>
+          </a:xfrm>
+          <a:prstGeom prst="rect">
+            <a:avLst/>
+          </a:prstGeom>
+        </p:spPr>
+        <p:txBody>
+          <a:bodyPr/>
+          <a:lstStyle>
+            <a:lvl1pPr>
+              <a:defRPr>
+                <a:solidFill>
+                  <a:schemeClr val="accent1">
+                    <a:lumMod val="75000"/>
+                    <a:lumOff val="25000"/>
+                  </a:schemeClr>
+                </a:solidFill>
+              </a:defRPr>
+            </a:lvl1pPr>
+          </a:lstStyle>
+          <a:p>
+            <a:r>
+              <a:rPr lang="en-US"/>
+              <a:t>© 2018, FLL Tutorials, Last Edit 6/11/2018</a:t>
+            </a:r>
+          </a:p>
+        </p:txBody>
+      </p:sp>
+      <p:sp>
+        <p:nvSpPr>
+          <p:cNvPr id="7" name="Slide Number Placeholder 6"/>
+          <p:cNvSpPr>
+            <a:spLocks noGrp="1"/>
+          </p:cNvSpPr>
+          <p:nvPr>
+            <p:ph type="sldNum" sz="quarter" idx="12"/>
+          </p:nvPr>
+        </p:nvSpPr>
+        <p:spPr>
+          <a:xfrm>
+            <a:off x="7800476" y="5956136"/>
+            <a:ext cx="770468" cy="365125"/>
+          </a:xfrm>
+          <a:prstGeom prst="rect">
+            <a:avLst/>
+          </a:prstGeom>
+        </p:spPr>
+        <p:txBody>
+          <a:bodyPr/>
+          <a:lstStyle>
+            <a:lvl1pPr>
+              <a:defRPr>
+                <a:solidFill>
+                  <a:schemeClr val="accent1">
+                    <a:lumMod val="75000"/>
+                    <a:lumOff val="25000"/>
+                  </a:schemeClr>
+                </a:solidFill>
+              </a:defRPr>
+            </a:lvl1pPr>
+          </a:lstStyle>
+          <a:p>
+            <a:fld id="{4DBC7FC8-25FB-FC45-8177-2B991DA6778C}" type="slidenum">
+              <a:rPr lang="en-US" smtClean="0"/>
+              <a:t>‹#›</a:t>
+            </a:fld>
+            <a:endParaRPr lang="en-US"/>
+          </a:p>
+        </p:txBody>
+      </p:sp>
+    </p:spTree>
+    <p:extLst>
+      <p:ext uri="{BB962C8B-B14F-4D97-AF65-F5344CB8AC3E}">
+        <p14:creationId xmlns:p14="http://schemas.microsoft.com/office/powerpoint/2010/main" val="113758712"/>
+      </p:ext>
+    </p:extLst>
+  </p:cSld>
+  <p:clrMapOvr>
+    <a:masterClrMapping/>
+  </p:clrMapOvr>
+</p:sldLayout>
+</file>
+
+<file path=ppt/slideLayouts/slideLayout75.xml><?xml version="1.0" encoding="utf-8"?>
+<p:sldLayout xmlns:a="http://schemas.openxmlformats.org/drawingml/2006/main" xmlns:r="http://schemas.openxmlformats.org/officeDocument/2006/relationships" xmlns:p="http://schemas.openxmlformats.org/presentationml/2006/main" type="picTx" preserve="1">
+  <p:cSld name="Picture with Caption">
+    <p:spTree>
+      <p:nvGrpSpPr>
+        <p:cNvPr id="1" name=""/>
+        <p:cNvGrpSpPr/>
+        <p:nvPr/>
+      </p:nvGrpSpPr>
+      <p:grpSpPr>
+        <a:xfrm>
+          <a:off x="0" y="0"/>
+          <a:ext cx="0" cy="0"/>
+          <a:chOff x="0" y="0"/>
+          <a:chExt cx="0" cy="0"/>
+        </a:xfrm>
+      </p:grpSpPr>
+      <p:sp>
+        <p:nvSpPr>
+          <p:cNvPr id="2" name="Title 1"/>
+          <p:cNvSpPr>
+            <a:spLocks noGrp="1"/>
+          </p:cNvSpPr>
+          <p:nvPr>
+            <p:ph type="title"/>
+          </p:nvPr>
+        </p:nvSpPr>
+        <p:spPr>
+          <a:xfrm>
+            <a:off x="581192" y="4693389"/>
+            <a:ext cx="7989752" cy="566738"/>
+          </a:xfrm>
+        </p:spPr>
+        <p:txBody>
+          <a:bodyPr anchor="b">
+            <a:normAutofit/>
+          </a:bodyPr>
+          <a:lstStyle>
+            <a:lvl1pPr algn="l">
+              <a:defRPr sz="2400" b="0">
+                <a:solidFill>
+                  <a:schemeClr val="accent1"/>
+                </a:solidFill>
+              </a:defRPr>
+            </a:lvl1pPr>
+          </a:lstStyle>
+          <a:p>
+            <a:r>
+              <a:rPr lang="en-US"/>
+              <a:t>Click to edit Master title style</a:t>
+            </a:r>
+            <a:endParaRPr lang="en-US" dirty="0"/>
+          </a:p>
+        </p:txBody>
+      </p:sp>
+      <p:sp>
+        <p:nvSpPr>
+          <p:cNvPr id="3" name="Picture Placeholder 2"/>
+          <p:cNvSpPr>
+            <a:spLocks noGrp="1" noChangeAspect="1"/>
+          </p:cNvSpPr>
+          <p:nvPr>
+            <p:ph type="pic" idx="1"/>
+          </p:nvPr>
+        </p:nvSpPr>
+        <p:spPr>
+          <a:xfrm>
+            <a:off x="448093" y="599725"/>
+            <a:ext cx="8238706" cy="3557252"/>
+          </a:xfrm>
+        </p:spPr>
+        <p:txBody>
+          <a:bodyPr anchor="t">
+            <a:normAutofit/>
+          </a:bodyPr>
+          <a:lstStyle>
+            <a:lvl1pPr marL="0" indent="0" algn="ctr">
+              <a:buNone/>
+              <a:defRPr sz="1600"/>
+            </a:lvl1pPr>
+            <a:lvl2pPr marL="457200" indent="0">
+              <a:buNone/>
+              <a:defRPr sz="1600"/>
+            </a:lvl2pPr>
+            <a:lvl3pPr marL="914400" indent="0">
+              <a:buNone/>
+              <a:defRPr sz="1600"/>
+            </a:lvl3pPr>
+            <a:lvl4pPr marL="1371600" indent="0">
+              <a:buNone/>
+              <a:defRPr sz="1600"/>
+            </a:lvl4pPr>
+            <a:lvl5pPr marL="1828800" indent="0">
+              <a:buNone/>
+              <a:defRPr sz="1600"/>
+            </a:lvl5pPr>
+            <a:lvl6pPr marL="2286000" indent="0">
+              <a:buNone/>
+              <a:defRPr sz="1600"/>
+            </a:lvl6pPr>
+            <a:lvl7pPr marL="2743200" indent="0">
+              <a:buNone/>
+              <a:defRPr sz="1600"/>
+            </a:lvl7pPr>
+            <a:lvl8pPr marL="3200400" indent="0">
+              <a:buNone/>
+              <a:defRPr sz="1600"/>
+            </a:lvl8pPr>
+            <a:lvl9pPr marL="3657600" indent="0">
+              <a:buNone/>
+              <a:defRPr sz="1600"/>
+            </a:lvl9pPr>
+          </a:lstStyle>
+          <a:p>
+            <a:r>
+              <a:rPr lang="en-US"/>
+              <a:t>Click icon to add picture</a:t>
+            </a:r>
+            <a:endParaRPr lang="en-US" dirty="0"/>
+          </a:p>
+        </p:txBody>
+      </p:sp>
+      <p:sp>
+        <p:nvSpPr>
+          <p:cNvPr id="4" name="Text Placeholder 3"/>
+          <p:cNvSpPr>
+            <a:spLocks noGrp="1"/>
+          </p:cNvSpPr>
+          <p:nvPr>
+            <p:ph type="body" sz="half" idx="2"/>
+          </p:nvPr>
+        </p:nvSpPr>
+        <p:spPr>
+          <a:xfrm>
+            <a:off x="581192" y="5260126"/>
+            <a:ext cx="7989752" cy="598671"/>
+          </a:xfrm>
+        </p:spPr>
+        <p:txBody>
+          <a:bodyPr>
+            <a:normAutofit/>
+          </a:bodyPr>
+          <a:lstStyle>
+            <a:lvl1pPr marL="0" indent="0">
+              <a:buNone/>
+              <a:defRPr sz="1200"/>
+            </a:lvl1pPr>
+            <a:lvl2pPr marL="457200" indent="0">
+              <a:buNone/>
+              <a:defRPr sz="1200"/>
+            </a:lvl2pPr>
+            <a:lvl3pPr marL="914400" indent="0">
+              <a:buNone/>
+              <a:defRPr sz="1000"/>
+            </a:lvl3pPr>
+            <a:lvl4pPr marL="1371600" indent="0">
+              <a:buNone/>
+              <a:defRPr sz="900"/>
+            </a:lvl4pPr>
+            <a:lvl5pPr marL="1828800" indent="0">
+              <a:buNone/>
+              <a:defRPr sz="900"/>
+            </a:lvl5pPr>
+            <a:lvl6pPr marL="2286000" indent="0">
+              <a:buNone/>
+              <a:defRPr sz="900"/>
+            </a:lvl6pPr>
+            <a:lvl7pPr marL="2743200" indent="0">
+              <a:buNone/>
+              <a:defRPr sz="900"/>
+            </a:lvl7pPr>
+            <a:lvl8pPr marL="3200400" indent="0">
+              <a:buNone/>
+              <a:defRPr sz="900"/>
+            </a:lvl8pPr>
+            <a:lvl9pPr marL="3657600" indent="0">
+              <a:buNone/>
+              <a:defRPr sz="900"/>
+            </a:lvl9pPr>
+          </a:lstStyle>
+          <a:p>
+            <a:pPr lvl="0"/>
+            <a:r>
+              <a:rPr lang="en-US"/>
+              <a:t>Edit Master text styles</a:t>
+            </a:r>
+          </a:p>
+        </p:txBody>
+      </p:sp>
+      <p:sp>
+        <p:nvSpPr>
+          <p:cNvPr id="5" name="Date Placeholder 4"/>
+          <p:cNvSpPr>
+            <a:spLocks noGrp="1"/>
+          </p:cNvSpPr>
+          <p:nvPr>
+            <p:ph type="dt" sz="half" idx="10"/>
+          </p:nvPr>
+        </p:nvSpPr>
+        <p:spPr>
+          <a:xfrm>
+            <a:off x="5559327" y="5956136"/>
+            <a:ext cx="2133600" cy="365125"/>
+          </a:xfrm>
+          <a:prstGeom prst="rect">
+            <a:avLst/>
+          </a:prstGeom>
+        </p:spPr>
+        <p:txBody>
+          <a:bodyPr/>
+          <a:lstStyle/>
+          <a:p>
+            <a:fld id="{316029FF-A2BC-400F-9C1B-5CAD8C707E55}" type="datetime1">
+              <a:rPr lang="en-US" smtClean="0"/>
+              <a:t>6/11/18</a:t>
+            </a:fld>
+            <a:endParaRPr lang="en-US"/>
+          </a:p>
+        </p:txBody>
+      </p:sp>
+      <p:sp>
+        <p:nvSpPr>
+          <p:cNvPr id="6" name="Footer Placeholder 5"/>
+          <p:cNvSpPr>
+            <a:spLocks noGrp="1"/>
+          </p:cNvSpPr>
+          <p:nvPr>
+            <p:ph type="ftr" sz="quarter" idx="11"/>
+          </p:nvPr>
+        </p:nvSpPr>
+        <p:spPr>
+          <a:xfrm>
+            <a:off x="581192" y="5951810"/>
+            <a:ext cx="4870585" cy="365125"/>
+          </a:xfrm>
+          <a:prstGeom prst="rect">
+            <a:avLst/>
+          </a:prstGeom>
+        </p:spPr>
+        <p:txBody>
+          <a:bodyPr/>
+          <a:lstStyle/>
+          <a:p>
+            <a:r>
+              <a:rPr lang="en-US"/>
+              <a:t>© 2018, FLL Tutorials, Last Edit 6/11/2018</a:t>
+            </a:r>
+          </a:p>
+        </p:txBody>
+      </p:sp>
+      <p:sp>
+        <p:nvSpPr>
+          <p:cNvPr id="7" name="Slide Number Placeholder 6"/>
+          <p:cNvSpPr>
+            <a:spLocks noGrp="1"/>
+          </p:cNvSpPr>
+          <p:nvPr>
+            <p:ph type="sldNum" sz="quarter" idx="12"/>
+          </p:nvPr>
+        </p:nvSpPr>
+        <p:spPr>
+          <a:xfrm>
+            <a:off x="7800476" y="5956136"/>
+            <a:ext cx="770468" cy="365125"/>
+          </a:xfrm>
+          <a:prstGeom prst="rect">
+            <a:avLst/>
+          </a:prstGeom>
+        </p:spPr>
+        <p:txBody>
+          <a:bodyPr/>
+          <a:lstStyle/>
+          <a:p>
+            <a:fld id="{4DBC7FC8-25FB-FC45-8177-2B991DA6778C}" type="slidenum">
+              <a:rPr lang="en-US" smtClean="0"/>
+              <a:t>‹#›</a:t>
+            </a:fld>
+            <a:endParaRPr lang="en-US"/>
+          </a:p>
+        </p:txBody>
+      </p:sp>
+    </p:spTree>
+    <p:extLst>
+      <p:ext uri="{BB962C8B-B14F-4D97-AF65-F5344CB8AC3E}">
+        <p14:creationId xmlns:p14="http://schemas.microsoft.com/office/powerpoint/2010/main" val="282706930"/>
+      </p:ext>
+    </p:extLst>
+  </p:cSld>
+  <p:clrMapOvr>
+    <a:masterClrMapping/>
+  </p:clrMapOvr>
+</p:sldLayout>
+</file>
+
+<file path=ppt/slideLayouts/slideLayout76.xml><?xml version="1.0" encoding="utf-8"?>
+<p:sldLayout xmlns:a="http://schemas.openxmlformats.org/drawingml/2006/main" xmlns:r="http://schemas.openxmlformats.org/officeDocument/2006/relationships" xmlns:p="http://schemas.openxmlformats.org/presentationml/2006/main" type="vertTx" preserve="1">
+  <p:cSld name="Title and Vertical Text">
+    <p:spTree>
+      <p:nvGrpSpPr>
+        <p:cNvPr id="1" name=""/>
+        <p:cNvGrpSpPr/>
+        <p:nvPr/>
+      </p:nvGrpSpPr>
+      <p:grpSpPr>
+        <a:xfrm>
+          <a:off x="0" y="0"/>
+          <a:ext cx="0" cy="0"/>
+          <a:chOff x="0" y="0"/>
+          <a:chExt cx="0" cy="0"/>
+        </a:xfrm>
+      </p:grpSpPr>
+      <p:sp>
+        <p:nvSpPr>
+          <p:cNvPr id="7" name="Rectangle 6"/>
+          <p:cNvSpPr>
+            <a:spLocks noChangeAspect="1"/>
+          </p:cNvSpPr>
+          <p:nvPr/>
+        </p:nvSpPr>
+        <p:spPr>
+          <a:xfrm>
+            <a:off x="448092" y="599725"/>
+            <a:ext cx="8238707" cy="1258827"/>
+          </a:xfrm>
+          <a:prstGeom prst="rect">
+            <a:avLst/>
+          </a:prstGeom>
+          <a:solidFill>
+            <a:schemeClr val="accent1"/>
+          </a:solidFill>
+          <a:ln>
+            <a:noFill/>
+          </a:ln>
+          <a:effectLst/>
+        </p:spPr>
+        <p:style>
+          <a:lnRef idx="1">
+            <a:schemeClr val="accent1"/>
+          </a:lnRef>
+          <a:fillRef idx="3">
+            <a:schemeClr val="accent1"/>
+          </a:fillRef>
+          <a:effectRef idx="2">
+            <a:schemeClr val="accent1"/>
+          </a:effectRef>
+          <a:fontRef idx="minor">
+            <a:schemeClr val="lt1"/>
+          </a:fontRef>
+        </p:style>
+      </p:sp>
+      <p:sp>
+        <p:nvSpPr>
+          <p:cNvPr id="2" name="Title 1"/>
+          <p:cNvSpPr>
+            <a:spLocks noGrp="1"/>
+          </p:cNvSpPr>
+          <p:nvPr>
+            <p:ph type="title"/>
+          </p:nvPr>
+        </p:nvSpPr>
+        <p:spPr/>
+        <p:txBody>
+          <a:bodyPr/>
+          <a:lstStyle/>
+          <a:p>
+            <a:r>
+              <a:rPr lang="en-US"/>
+              <a:t>Click to edit Master title style</a:t>
+            </a:r>
+            <a:endParaRPr lang="en-US" dirty="0"/>
+          </a:p>
+        </p:txBody>
+      </p:sp>
+      <p:sp>
+        <p:nvSpPr>
+          <p:cNvPr id="3" name="Vertical Text Placeholder 2"/>
+          <p:cNvSpPr>
+            <a:spLocks noGrp="1"/>
+          </p:cNvSpPr>
+          <p:nvPr>
+            <p:ph type="body" orient="vert" idx="1"/>
+          </p:nvPr>
+        </p:nvSpPr>
+        <p:spPr/>
+        <p:txBody>
+          <a:bodyPr vert="eaVert" anchor="t"/>
+          <a:lstStyle>
+            <a:lvl1pPr algn="l">
+              <a:defRPr/>
+            </a:lvl1pPr>
+            <a:lvl2pPr algn="l">
+              <a:defRPr/>
+            </a:lvl2pPr>
+            <a:lvl3pPr algn="l">
+              <a:defRPr/>
+            </a:lvl3pPr>
+            <a:lvl4pPr algn="l">
+              <a:defRPr/>
+            </a:lvl4pPr>
+            <a:lvl5pPr algn="l">
+              <a:defRPr/>
+            </a:lvl5pPr>
+          </a:lstStyle>
+          <a:p>
+            <a:pPr lvl="0"/>
+            <a:r>
+              <a:rPr lang="en-US"/>
+              <a:t>Edit Master text styles</a:t>
+            </a:r>
+          </a:p>
+          <a:p>
+            <a:pPr lvl="1"/>
+            <a:r>
+              <a:rPr lang="en-US"/>
+              <a:t>Second level</a:t>
+            </a:r>
+          </a:p>
+          <a:p>
+            <a:pPr lvl="2"/>
+            <a:r>
+              <a:rPr lang="en-US"/>
+              <a:t>Third level</a:t>
+            </a:r>
+          </a:p>
+          <a:p>
+            <a:pPr lvl="3"/>
+            <a:r>
+              <a:rPr lang="en-US"/>
+              <a:t>Fourth level</a:t>
+            </a:r>
+          </a:p>
+          <a:p>
+            <a:pPr lvl="4"/>
+            <a:r>
+              <a:rPr lang="en-US"/>
+              <a:t>Fifth level</a:t>
+            </a:r>
+            <a:endParaRPr lang="en-US" dirty="0"/>
+          </a:p>
+        </p:txBody>
+      </p:sp>
+      <p:sp>
+        <p:nvSpPr>
+          <p:cNvPr id="4" name="Date Placeholder 3"/>
+          <p:cNvSpPr>
+            <a:spLocks noGrp="1"/>
+          </p:cNvSpPr>
+          <p:nvPr>
+            <p:ph type="dt" sz="half" idx="10"/>
+          </p:nvPr>
+        </p:nvSpPr>
+        <p:spPr>
+          <a:xfrm>
+            <a:off x="5559327" y="5956136"/>
+            <a:ext cx="2133600" cy="365125"/>
+          </a:xfrm>
+          <a:prstGeom prst="rect">
+            <a:avLst/>
+          </a:prstGeom>
+        </p:spPr>
+        <p:txBody>
+          <a:bodyPr/>
+          <a:lstStyle/>
+          <a:p>
+            <a:fld id="{357038F3-6B73-4114-ABCD-06B7C76E4B62}" type="datetime1">
+              <a:rPr lang="en-US" smtClean="0"/>
+              <a:t>6/11/18</a:t>
+            </a:fld>
+            <a:endParaRPr lang="en-US"/>
+          </a:p>
+        </p:txBody>
+      </p:sp>
+      <p:sp>
+        <p:nvSpPr>
+          <p:cNvPr id="5" name="Footer Placeholder 4"/>
+          <p:cNvSpPr>
+            <a:spLocks noGrp="1"/>
+          </p:cNvSpPr>
+          <p:nvPr>
+            <p:ph type="ftr" sz="quarter" idx="11"/>
+          </p:nvPr>
+        </p:nvSpPr>
+        <p:spPr>
+          <a:xfrm>
+            <a:off x="581192" y="5951810"/>
+            <a:ext cx="4870585" cy="365125"/>
+          </a:xfrm>
+          <a:prstGeom prst="rect">
+            <a:avLst/>
+          </a:prstGeom>
+        </p:spPr>
+        <p:txBody>
+          <a:bodyPr/>
+          <a:lstStyle/>
+          <a:p>
+            <a:r>
+              <a:rPr lang="en-US"/>
+              <a:t>© 2018, FLL Tutorials, Last Edit 6/11/2018</a:t>
+            </a:r>
+          </a:p>
+        </p:txBody>
+      </p:sp>
+      <p:sp>
+        <p:nvSpPr>
+          <p:cNvPr id="6" name="Slide Number Placeholder 5"/>
+          <p:cNvSpPr>
+            <a:spLocks noGrp="1"/>
+          </p:cNvSpPr>
+          <p:nvPr>
+            <p:ph type="sldNum" sz="quarter" idx="12"/>
+          </p:nvPr>
+        </p:nvSpPr>
+        <p:spPr>
+          <a:xfrm>
+            <a:off x="7800476" y="5956136"/>
+            <a:ext cx="770468" cy="365125"/>
+          </a:xfrm>
+          <a:prstGeom prst="rect">
+            <a:avLst/>
+          </a:prstGeom>
+        </p:spPr>
+        <p:txBody>
+          <a:bodyPr/>
+          <a:lstStyle/>
+          <a:p>
+            <a:fld id="{4DBC7FC8-25FB-FC45-8177-2B991DA6778C}" type="slidenum">
+              <a:rPr lang="en-US" smtClean="0"/>
+              <a:t>‹#›</a:t>
+            </a:fld>
+            <a:endParaRPr lang="en-US"/>
+          </a:p>
+        </p:txBody>
+      </p:sp>
+    </p:spTree>
+    <p:extLst>
+      <p:ext uri="{BB962C8B-B14F-4D97-AF65-F5344CB8AC3E}">
+        <p14:creationId xmlns:p14="http://schemas.microsoft.com/office/powerpoint/2010/main" val="2113976188"/>
+      </p:ext>
+    </p:extLst>
+  </p:cSld>
+  <p:clrMapOvr>
+    <a:masterClrMapping/>
+  </p:clrMapOvr>
+</p:sldLayout>
+</file>
+
+<file path=ppt/slideLayouts/slideLayout77.xml><?xml version="1.0" encoding="utf-8"?>
+<p:sldLayout xmlns:a="http://schemas.openxmlformats.org/drawingml/2006/main" xmlns:r="http://schemas.openxmlformats.org/officeDocument/2006/relationships" xmlns:p="http://schemas.openxmlformats.org/presentationml/2006/main" type="vertTitleAndTx" preserve="1">
+  <p:cSld name="Vertical Title and Text">
+    <p:spTree>
+      <p:nvGrpSpPr>
+        <p:cNvPr id="1" name=""/>
+        <p:cNvGrpSpPr/>
+        <p:nvPr/>
+      </p:nvGrpSpPr>
+      <p:grpSpPr>
+        <a:xfrm>
+          <a:off x="0" y="0"/>
+          <a:ext cx="0" cy="0"/>
+          <a:chOff x="0" y="0"/>
+          <a:chExt cx="0" cy="0"/>
+        </a:xfrm>
+      </p:grpSpPr>
+      <p:sp>
+        <p:nvSpPr>
+          <p:cNvPr id="7" name="Rectangle 6"/>
+          <p:cNvSpPr>
+            <a:spLocks noChangeAspect="1"/>
+          </p:cNvSpPr>
+          <p:nvPr/>
+        </p:nvSpPr>
+        <p:spPr>
+          <a:xfrm>
+            <a:off x="6629400" y="599725"/>
+            <a:ext cx="2057399" cy="5816950"/>
+          </a:xfrm>
+          <a:prstGeom prst="rect">
+            <a:avLst/>
+          </a:prstGeom>
+          <a:solidFill>
+            <a:schemeClr val="accent1"/>
+          </a:solidFill>
+          <a:ln>
+            <a:noFill/>
+          </a:ln>
+          <a:effectLst/>
+        </p:spPr>
+        <p:style>
+          <a:lnRef idx="1">
+            <a:schemeClr val="accent1"/>
+          </a:lnRef>
+          <a:fillRef idx="3">
+            <a:schemeClr val="accent1"/>
+          </a:fillRef>
+          <a:effectRef idx="2">
+            <a:schemeClr val="accent1"/>
+          </a:effectRef>
+          <a:fontRef idx="minor">
+            <a:schemeClr val="lt1"/>
+          </a:fontRef>
+        </p:style>
+      </p:sp>
+      <p:sp>
+        <p:nvSpPr>
+          <p:cNvPr id="2" name="Vertical Title 1"/>
+          <p:cNvSpPr>
+            <a:spLocks noGrp="1"/>
+          </p:cNvSpPr>
+          <p:nvPr>
+            <p:ph type="title" orient="vert"/>
+          </p:nvPr>
+        </p:nvSpPr>
+        <p:spPr>
+          <a:xfrm>
+            <a:off x="6629400" y="675725"/>
+            <a:ext cx="1503123" cy="5183073"/>
+          </a:xfrm>
+        </p:spPr>
+        <p:txBody>
+          <a:bodyPr vert="eaVert"/>
+          <a:lstStyle/>
+          <a:p>
+            <a:r>
+              <a:rPr lang="en-US"/>
+              <a:t>Click to edit Master title style</a:t>
+            </a:r>
+            <a:endParaRPr lang="en-US" dirty="0"/>
+          </a:p>
+        </p:txBody>
+      </p:sp>
+      <p:sp>
+        <p:nvSpPr>
+          <p:cNvPr id="3" name="Vertical Text Placeholder 2"/>
+          <p:cNvSpPr>
+            <a:spLocks noGrp="1"/>
+          </p:cNvSpPr>
+          <p:nvPr>
+            <p:ph type="body" orient="vert" idx="1"/>
+          </p:nvPr>
+        </p:nvSpPr>
+        <p:spPr>
+          <a:xfrm>
+            <a:off x="581192" y="675725"/>
+            <a:ext cx="5922209" cy="5183073"/>
+          </a:xfrm>
+        </p:spPr>
+        <p:txBody>
+          <a:bodyPr vert="eaVert" anchor="t"/>
+          <a:lstStyle/>
+          <a:p>
+            <a:pPr lvl="0"/>
+            <a:r>
+              <a:rPr lang="en-US"/>
+              <a:t>Edit Master text styles</a:t>
+            </a:r>
+          </a:p>
+          <a:p>
+            <a:pPr lvl="1"/>
+            <a:r>
+              <a:rPr lang="en-US"/>
+              <a:t>Second level</a:t>
+            </a:r>
+          </a:p>
+          <a:p>
+            <a:pPr lvl="2"/>
+            <a:r>
+              <a:rPr lang="en-US"/>
+              <a:t>Third level</a:t>
+            </a:r>
+          </a:p>
+          <a:p>
+            <a:pPr lvl="3"/>
+            <a:r>
+              <a:rPr lang="en-US"/>
+              <a:t>Fourth level</a:t>
+            </a:r>
+          </a:p>
+          <a:p>
+            <a:pPr lvl="4"/>
+            <a:r>
+              <a:rPr lang="en-US"/>
+              <a:t>Fifth level</a:t>
+            </a:r>
+            <a:endParaRPr lang="en-US" dirty="0"/>
+          </a:p>
+        </p:txBody>
+      </p:sp>
+      <p:sp>
+        <p:nvSpPr>
+          <p:cNvPr id="4" name="Date Placeholder 3"/>
+          <p:cNvSpPr>
+            <a:spLocks noGrp="1"/>
+          </p:cNvSpPr>
+          <p:nvPr>
+            <p:ph type="dt" sz="half" idx="10"/>
+          </p:nvPr>
+        </p:nvSpPr>
+        <p:spPr>
+          <a:xfrm>
+            <a:off x="6745255" y="5956136"/>
+            <a:ext cx="947672" cy="365125"/>
+          </a:xfrm>
+          <a:prstGeom prst="rect">
+            <a:avLst/>
+          </a:prstGeom>
+        </p:spPr>
+        <p:txBody>
+          <a:bodyPr/>
+          <a:lstStyle>
+            <a:lvl1pPr>
+              <a:defRPr>
+                <a:solidFill>
+                  <a:schemeClr val="accent1">
+                    <a:lumMod val="75000"/>
+                    <a:lumOff val="25000"/>
+                  </a:schemeClr>
+                </a:solidFill>
+              </a:defRPr>
+            </a:lvl1pPr>
+          </a:lstStyle>
+          <a:p>
+            <a:fld id="{24CE7BC1-166C-4469-B73F-6E19677F3FA3}" type="datetime1">
+              <a:rPr lang="en-US" smtClean="0"/>
+              <a:t>6/11/18</a:t>
+            </a:fld>
+            <a:endParaRPr lang="en-US"/>
+          </a:p>
+        </p:txBody>
+      </p:sp>
+      <p:sp>
+        <p:nvSpPr>
+          <p:cNvPr id="5" name="Footer Placeholder 4"/>
+          <p:cNvSpPr>
+            <a:spLocks noGrp="1"/>
+          </p:cNvSpPr>
+          <p:nvPr>
+            <p:ph type="ftr" sz="quarter" idx="11"/>
+          </p:nvPr>
+        </p:nvSpPr>
+        <p:spPr>
+          <a:xfrm>
+            <a:off x="581192" y="5951810"/>
+            <a:ext cx="5922209" cy="365125"/>
+          </a:xfrm>
+          <a:prstGeom prst="rect">
+            <a:avLst/>
+          </a:prstGeom>
+        </p:spPr>
+        <p:txBody>
+          <a:bodyPr/>
+          <a:lstStyle/>
+          <a:p>
+            <a:r>
+              <a:rPr lang="en-US"/>
+              <a:t>© 2018, FLL Tutorials, Last Edit 6/11/2018</a:t>
+            </a:r>
+          </a:p>
+        </p:txBody>
+      </p:sp>
+      <p:sp>
+        <p:nvSpPr>
+          <p:cNvPr id="6" name="Slide Number Placeholder 5"/>
+          <p:cNvSpPr>
+            <a:spLocks noGrp="1"/>
+          </p:cNvSpPr>
+          <p:nvPr>
+            <p:ph type="sldNum" sz="quarter" idx="12"/>
+          </p:nvPr>
+        </p:nvSpPr>
+        <p:spPr>
+          <a:xfrm>
+            <a:off x="7800476" y="5956136"/>
+            <a:ext cx="770468" cy="365125"/>
+          </a:xfrm>
+          <a:prstGeom prst="rect">
+            <a:avLst/>
+          </a:prstGeom>
+        </p:spPr>
+        <p:txBody>
+          <a:bodyPr/>
+          <a:lstStyle>
+            <a:lvl1pPr>
+              <a:defRPr>
+                <a:solidFill>
+                  <a:schemeClr val="accent1">
+                    <a:lumMod val="75000"/>
+                    <a:lumOff val="25000"/>
+                  </a:schemeClr>
+                </a:solidFill>
+              </a:defRPr>
+            </a:lvl1pPr>
+          </a:lstStyle>
+          <a:p>
+            <a:fld id="{4DBC7FC8-25FB-FC45-8177-2B991DA6778C}" type="slidenum">
+              <a:rPr lang="en-US" smtClean="0"/>
+              <a:t>‹#›</a:t>
+            </a:fld>
+            <a:endParaRPr lang="en-US"/>
+          </a:p>
+        </p:txBody>
+      </p:sp>
+    </p:spTree>
+    <p:extLst>
+      <p:ext uri="{BB962C8B-B14F-4D97-AF65-F5344CB8AC3E}">
+        <p14:creationId xmlns:p14="http://schemas.microsoft.com/office/powerpoint/2010/main" val="4158709662"/>
       </p:ext>
     </p:extLst>
   </p:cSld>
@@ -18591,9 +22211,9 @@
           <a:bodyPr/>
           <a:lstStyle/>
           <a:p>
-            <a:fld id="{4DC187E7-226F-4A5F-88C1-ECBDC8E958A4}" type="datetime1">
+            <a:fld id="{47D3C9F6-8AA5-45E6-9FB8-1929D8957021}" type="datetime1">
               <a:rPr lang="en-US" smtClean="0"/>
-              <a:t>6/7/18</a:t>
+              <a:t>6/11/18</a:t>
             </a:fld>
             <a:endParaRPr lang="en-US"/>
           </a:p>
@@ -18616,7 +22236,7 @@
           <a:p>
             <a:r>
               <a:rPr lang="en-US"/>
-              <a:t>© 2018, FLL Tutorials, Last Edit 8/20/2016</a:t>
+              <a:t>© 2018, FLL Tutorials, Last Edit 6/11/2018</a:t>
             </a:r>
           </a:p>
         </p:txBody>
@@ -18891,9 +22511,9 @@
           <a:bodyPr/>
           <a:lstStyle/>
           <a:p>
-            <a:fld id="{CDCE5943-404C-4FFA-9511-B02FC3B05BC4}" type="datetime1">
+            <a:fld id="{06B1148F-469F-424A-8CE8-A7337B061477}" type="datetime1">
               <a:rPr lang="en-US" smtClean="0"/>
-              <a:t>6/7/18</a:t>
+              <a:t>6/11/18</a:t>
             </a:fld>
             <a:endParaRPr lang="en-US"/>
           </a:p>
@@ -18916,7 +22536,7 @@
           <a:p>
             <a:r>
               <a:rPr lang="en-US"/>
-              <a:t>© 2018, FLL Tutorials, Last Edit 8/20/2016</a:t>
+              <a:t>© 2018, FLL Tutorials, Last Edit 6/11/2018</a:t>
             </a:r>
           </a:p>
         </p:txBody>
@@ -19192,9 +22812,9 @@
             </a:lvl1pPr>
           </a:lstStyle>
           <a:p>
-            <a:fld id="{27D6A58F-2B3D-4081-BD08-13C929FF4606}" type="datetime1">
+            <a:fld id="{84AB8F06-D5B5-4486-ABFE-B9360431F32A}" type="datetime1">
               <a:rPr lang="en-US" smtClean="0"/>
-              <a:t>6/7/18</a:t>
+              <a:t>6/11/18</a:t>
             </a:fld>
             <a:endParaRPr lang="en-US"/>
           </a:p>
@@ -19233,7 +22853,7 @@
           <a:p>
             <a:r>
               <a:rPr lang="en-US"/>
-              <a:t>© 2018, FLL Tutorials, Last Edit 8/20/2016</a:t>
+              <a:t>© 2018, FLL Tutorials, Last Edit 6/11/2018</a:t>
             </a:r>
           </a:p>
         </p:txBody>
@@ -19715,7 +23335,7 @@
     <p:sldLayoutId id="2147483845" r:id="rId10"/>
     <p:sldLayoutId id="2147483846" r:id="rId11"/>
   </p:sldLayoutIdLst>
-  <p:hf hdr="0" dt="0"/>
+  <p:hf sldNum="0" hdr="0" dt="0"/>
   <p:txStyles>
     <p:titleStyle>
       <a:lvl1pPr algn="l" defTabSz="914400" rtl="0" eaLnBrk="1" latinLnBrk="0" hangingPunct="1">
@@ -20144,9 +23764,9 @@
             </a:lvl1pPr>
           </a:lstStyle>
           <a:p>
-            <a:fld id="{0FB951AE-BD1C-4AFD-9BC0-4DAF9C17BA41}" type="datetime1">
+            <a:fld id="{7A7E4796-441D-446C-A03A-9F920681CBD7}" type="datetime1">
               <a:rPr lang="en-US" smtClean="0"/>
-              <a:t>6/7/18</a:t>
+              <a:t>6/11/18</a:t>
             </a:fld>
             <a:endParaRPr lang="en-US"/>
           </a:p>
@@ -20185,7 +23805,7 @@
           <a:p>
             <a:r>
               <a:rPr lang="en-US"/>
-              <a:t>© 2018, FLL Tutorials, Last Edit 8/20/2016</a:t>
+              <a:t>© 2018, FLL Tutorials, Last Edit 6/11/2018</a:t>
             </a:r>
           </a:p>
         </p:txBody>
@@ -20773,7 +24393,7 @@
     <p:sldLayoutId id="2147483857" r:id="rId10"/>
     <p:sldLayoutId id="2147483858" r:id="rId11"/>
   </p:sldLayoutIdLst>
-  <p:hf hdr="0" dt="0"/>
+  <p:hf sldNum="0" hdr="0" dt="0"/>
   <p:txStyles>
     <p:titleStyle>
       <a:lvl1pPr algn="l" defTabSz="914400" rtl="0" eaLnBrk="1" latinLnBrk="0" hangingPunct="1">
@@ -21202,9 +24822,9 @@
             </a:lvl1pPr>
           </a:lstStyle>
           <a:p>
-            <a:fld id="{1F0C94F5-97AE-4489-A4BC-5CEC5816B1F2}" type="datetime1">
+            <a:fld id="{88D3651C-47FF-4450-B91B-D084191EF65E}" type="datetime1">
               <a:rPr lang="en-US" smtClean="0"/>
-              <a:t>6/7/18</a:t>
+              <a:t>6/11/18</a:t>
             </a:fld>
             <a:endParaRPr lang="en-US"/>
           </a:p>
@@ -21245,7 +24865,7 @@
           <a:p>
             <a:r>
               <a:rPr lang="en-US"/>
-              <a:t>© 2018, FLL Tutorials, Last Edit 8/20/2016</a:t>
+              <a:t>© 2018, FLL Tutorials, Last Edit 6/11/2018</a:t>
             </a:r>
           </a:p>
         </p:txBody>
@@ -21312,7 +24932,7 @@
     <p:sldLayoutId id="2147483869" r:id="rId10"/>
     <p:sldLayoutId id="2147483870" r:id="rId11"/>
   </p:sldLayoutIdLst>
-  <p:hf hdr="0" dt="0"/>
+  <p:hf sldNum="0" hdr="0" dt="0"/>
   <p:txStyles>
     <p:titleStyle>
       <a:lvl1pPr algn="l" defTabSz="914400" rtl="0" eaLnBrk="1" latinLnBrk="0" hangingPunct="1">
@@ -21744,9 +25364,9 @@
             </a:lvl1pPr>
           </a:lstStyle>
           <a:p>
-            <a:fld id="{B2A40270-E21E-4E38-AD60-6742EAD590CD}" type="datetime1">
+            <a:fld id="{69E5B7E9-6A1B-49B8-B036-2315BB437608}" type="datetime1">
               <a:rPr lang="en-US" smtClean="0"/>
-              <a:t>6/7/18</a:t>
+              <a:t>6/11/18</a:t>
             </a:fld>
             <a:endParaRPr lang="en-US"/>
           </a:p>
@@ -21785,7 +25405,7 @@
           <a:p>
             <a:r>
               <a:rPr lang="en-US"/>
-              <a:t>© 2018, FLL Tutorials, Last Edit 8/20/2016</a:t>
+              <a:t>© 2018, FLL Tutorials, Last Edit 6/11/2018</a:t>
             </a:r>
           </a:p>
         </p:txBody>
@@ -22684,7 +26304,7 @@
     <p:sldLayoutId id="2147483881" r:id="rId10"/>
     <p:sldLayoutId id="2147483882" r:id="rId11"/>
   </p:sldLayoutIdLst>
-  <p:hf hdr="0" dt="0"/>
+  <p:hf sldNum="0" hdr="0" dt="0"/>
   <p:txStyles>
     <p:titleStyle>
       <a:lvl1pPr algn="l" defTabSz="914400" rtl="0" eaLnBrk="1" latinLnBrk="0" hangingPunct="1">
@@ -23113,9 +26733,9 @@
             </a:lvl1pPr>
           </a:lstStyle>
           <a:p>
-            <a:fld id="{EAE3B692-3279-4746-AD89-074F9A0FDB39}" type="datetime1">
+            <a:fld id="{42FB556C-435C-441F-B575-3918DA47BE40}" type="datetime1">
               <a:rPr lang="en-US" smtClean="0"/>
-              <a:t>6/7/18</a:t>
+              <a:t>6/11/18</a:t>
             </a:fld>
             <a:endParaRPr lang="en-US"/>
           </a:p>
@@ -23154,7 +26774,7 @@
           <a:p>
             <a:r>
               <a:rPr lang="en-US"/>
-              <a:t>© 2018, FLL Tutorials, Last Edit 8/20/2016</a:t>
+              <a:t>© 2018, FLL Tutorials, Last Edit 6/11/2018</a:t>
             </a:r>
           </a:p>
         </p:txBody>
@@ -23762,7 +27382,7 @@
     <p:sldLayoutId id="2147483893" r:id="rId10"/>
     <p:sldLayoutId id="2147483894" r:id="rId11"/>
   </p:sldLayoutIdLst>
-  <p:hf hdr="0" dt="0"/>
+  <p:hf sldNum="0" hdr="0" dt="0"/>
   <p:txStyles>
     <p:titleStyle>
       <a:lvl1pPr algn="l" defTabSz="914400" rtl="0" eaLnBrk="1" latinLnBrk="0" hangingPunct="1">
@@ -24191,9 +27811,9 @@
             </a:lvl1pPr>
           </a:lstStyle>
           <a:p>
-            <a:fld id="{6AA139B8-241E-4398-8D10-26BFDAE784A8}" type="datetime1">
+            <a:fld id="{80E4CE3D-FFEB-41B8-9387-6A6E72BE2348}" type="datetime1">
               <a:rPr lang="en-US" smtClean="0"/>
-              <a:t>6/7/18</a:t>
+              <a:t>6/11/18</a:t>
             </a:fld>
             <a:endParaRPr lang="en-US"/>
           </a:p>
@@ -24234,7 +27854,7 @@
           <a:p>
             <a:r>
               <a:rPr lang="en-US"/>
-              <a:t>© 2018, FLL Tutorials, Last Edit 8/20/2016</a:t>
+              <a:t>© 2018, FLL Tutorials, Last Edit 6/11/2018</a:t>
             </a:r>
           </a:p>
         </p:txBody>
@@ -24301,7 +27921,7 @@
     <p:sldLayoutId id="2147483905" r:id="rId10"/>
     <p:sldLayoutId id="2147483906" r:id="rId11"/>
   </p:sldLayoutIdLst>
-  <p:hf hdr="0" dt="0"/>
+  <p:hf sldNum="0" hdr="0" dt="0"/>
   <p:txStyles>
     <p:titleStyle>
       <a:lvl1pPr algn="l" defTabSz="914400" rtl="0" eaLnBrk="1" latinLnBrk="0" hangingPunct="1">
@@ -24585,6 +28205,771 @@
 </p:sldMaster>
 </file>
 
+<file path=ppt/slideMasters/slideMaster7.xml><?xml version="1.0" encoding="utf-8"?>
+<p:sldMaster xmlns:a="http://schemas.openxmlformats.org/drawingml/2006/main" xmlns:r="http://schemas.openxmlformats.org/officeDocument/2006/relationships" xmlns:p="http://schemas.openxmlformats.org/presentationml/2006/main">
+  <p:cSld>
+    <p:bg>
+      <p:bgRef idx="1001">
+        <a:schemeClr val="bg1"/>
+      </p:bgRef>
+    </p:bg>
+    <p:spTree>
+      <p:nvGrpSpPr>
+        <p:cNvPr id="1" name=""/>
+        <p:cNvGrpSpPr/>
+        <p:nvPr/>
+      </p:nvGrpSpPr>
+      <p:grpSpPr>
+        <a:xfrm>
+          <a:off x="0" y="0"/>
+          <a:ext cx="0" cy="0"/>
+          <a:chOff x="0" y="0"/>
+          <a:chExt cx="0" cy="0"/>
+        </a:xfrm>
+      </p:grpSpPr>
+      <p:sp>
+        <p:nvSpPr>
+          <p:cNvPr id="2" name="Title Placeholder 1"/>
+          <p:cNvSpPr>
+            <a:spLocks noGrp="1"/>
+          </p:cNvSpPr>
+          <p:nvPr>
+            <p:ph type="title"/>
+          </p:nvPr>
+        </p:nvSpPr>
+        <p:spPr>
+          <a:xfrm>
+            <a:off x="581192" y="687474"/>
+            <a:ext cx="7989752" cy="1083329"/>
+          </a:xfrm>
+          <a:prstGeom prst="rect">
+            <a:avLst/>
+          </a:prstGeom>
+        </p:spPr>
+        <p:txBody>
+          <a:bodyPr vert="horz" lIns="91440" tIns="45720" rIns="91440" bIns="45720" rtlCol="0" anchor="b">
+            <a:normAutofit/>
+          </a:bodyPr>
+          <a:lstStyle/>
+          <a:p>
+            <a:r>
+              <a:rPr lang="en-US"/>
+              <a:t>Click to edit Master title style</a:t>
+            </a:r>
+            <a:endParaRPr lang="en-US" dirty="0"/>
+          </a:p>
+        </p:txBody>
+      </p:sp>
+      <p:sp>
+        <p:nvSpPr>
+          <p:cNvPr id="3" name="Text Placeholder 2"/>
+          <p:cNvSpPr>
+            <a:spLocks noGrp="1"/>
+          </p:cNvSpPr>
+          <p:nvPr>
+            <p:ph type="body" idx="1"/>
+          </p:nvPr>
+        </p:nvSpPr>
+        <p:spPr>
+          <a:xfrm>
+            <a:off x="581192" y="2228003"/>
+            <a:ext cx="7989752" cy="3630794"/>
+          </a:xfrm>
+          <a:prstGeom prst="rect">
+            <a:avLst/>
+          </a:prstGeom>
+        </p:spPr>
+        <p:txBody>
+          <a:bodyPr vert="horz" lIns="91440" tIns="45720" rIns="91440" bIns="45720" rtlCol="0" anchor="ctr">
+            <a:normAutofit/>
+          </a:bodyPr>
+          <a:lstStyle/>
+          <a:p>
+            <a:pPr lvl="0"/>
+            <a:r>
+              <a:rPr lang="en-US"/>
+              <a:t>Edit Master text styles</a:t>
+            </a:r>
+          </a:p>
+          <a:p>
+            <a:pPr lvl="1"/>
+            <a:r>
+              <a:rPr lang="en-US"/>
+              <a:t>Second level</a:t>
+            </a:r>
+          </a:p>
+          <a:p>
+            <a:pPr lvl="2"/>
+            <a:r>
+              <a:rPr lang="en-US"/>
+              <a:t>Third level</a:t>
+            </a:r>
+          </a:p>
+          <a:p>
+            <a:pPr lvl="3"/>
+            <a:r>
+              <a:rPr lang="en-US"/>
+              <a:t>Fourth level</a:t>
+            </a:r>
+          </a:p>
+          <a:p>
+            <a:pPr lvl="4"/>
+            <a:r>
+              <a:rPr lang="en-US"/>
+              <a:t>Fifth level</a:t>
+            </a:r>
+            <a:endParaRPr lang="en-US" dirty="0"/>
+          </a:p>
+        </p:txBody>
+      </p:sp>
+      <p:sp>
+        <p:nvSpPr>
+          <p:cNvPr id="9" name="Rectangle 8"/>
+          <p:cNvSpPr/>
+          <p:nvPr/>
+        </p:nvSpPr>
+        <p:spPr>
+          <a:xfrm>
+            <a:off x="448091" y="441325"/>
+            <a:ext cx="2719909" cy="108000"/>
+          </a:xfrm>
+          <a:prstGeom prst="rect">
+            <a:avLst/>
+          </a:prstGeom>
+          <a:solidFill>
+            <a:schemeClr val="accent1"/>
+          </a:solidFill>
+          <a:ln>
+            <a:noFill/>
+          </a:ln>
+          <a:effectLst/>
+        </p:spPr>
+        <p:style>
+          <a:lnRef idx="1">
+            <a:schemeClr val="accent1"/>
+          </a:lnRef>
+          <a:fillRef idx="3">
+            <a:schemeClr val="accent1"/>
+          </a:fillRef>
+          <a:effectRef idx="2">
+            <a:schemeClr val="accent1"/>
+          </a:effectRef>
+          <a:fontRef idx="minor">
+            <a:schemeClr val="lt1"/>
+          </a:fontRef>
+        </p:style>
+      </p:sp>
+      <p:sp>
+        <p:nvSpPr>
+          <p:cNvPr id="10" name="Rectangle 9"/>
+          <p:cNvSpPr/>
+          <p:nvPr/>
+        </p:nvSpPr>
+        <p:spPr>
+          <a:xfrm>
+            <a:off x="5976001" y="441325"/>
+            <a:ext cx="2710800" cy="108000"/>
+          </a:xfrm>
+          <a:prstGeom prst="rect">
+            <a:avLst/>
+          </a:prstGeom>
+          <a:solidFill>
+            <a:schemeClr val="accent4"/>
+          </a:solidFill>
+          <a:ln>
+            <a:noFill/>
+          </a:ln>
+          <a:effectLst/>
+        </p:spPr>
+        <p:style>
+          <a:lnRef idx="1">
+            <a:schemeClr val="accent1"/>
+          </a:lnRef>
+          <a:fillRef idx="3">
+            <a:schemeClr val="accent1"/>
+          </a:fillRef>
+          <a:effectRef idx="2">
+            <a:schemeClr val="accent1"/>
+          </a:effectRef>
+          <a:fontRef idx="minor">
+            <a:schemeClr val="lt1"/>
+          </a:fontRef>
+        </p:style>
+      </p:sp>
+      <p:sp>
+        <p:nvSpPr>
+          <p:cNvPr id="11" name="Rectangle 10"/>
+          <p:cNvSpPr/>
+          <p:nvPr/>
+        </p:nvSpPr>
+        <p:spPr>
+          <a:xfrm>
+            <a:off x="3216601" y="441325"/>
+            <a:ext cx="2710800" cy="108000"/>
+          </a:xfrm>
+          <a:prstGeom prst="rect">
+            <a:avLst/>
+          </a:prstGeom>
+          <a:solidFill>
+            <a:schemeClr val="accent2"/>
+          </a:solidFill>
+          <a:ln>
+            <a:noFill/>
+          </a:ln>
+          <a:effectLst/>
+        </p:spPr>
+        <p:style>
+          <a:lnRef idx="1">
+            <a:schemeClr val="accent1"/>
+          </a:lnRef>
+          <a:fillRef idx="3">
+            <a:schemeClr val="accent1"/>
+          </a:fillRef>
+          <a:effectRef idx="2">
+            <a:schemeClr val="accent1"/>
+          </a:effectRef>
+          <a:fontRef idx="minor">
+            <a:schemeClr val="lt1"/>
+          </a:fontRef>
+        </p:style>
+      </p:sp>
+      <p:sp>
+        <p:nvSpPr>
+          <p:cNvPr id="12" name="Date Placeholder 3">
+            <a:extLst>
+              <a:ext uri="{FF2B5EF4-FFF2-40B4-BE49-F238E27FC236}">
+                <a16:creationId xmlns:a16="http://schemas.microsoft.com/office/drawing/2014/main" id="{0AAE8D72-8133-BD4C-9ABB-B6CCBBAC2CA1}"/>
+              </a:ext>
+            </a:extLst>
+          </p:cNvPr>
+          <p:cNvSpPr>
+            <a:spLocks noGrp="1"/>
+          </p:cNvSpPr>
+          <p:nvPr>
+            <p:ph type="dt" sz="half" idx="2"/>
+          </p:nvPr>
+        </p:nvSpPr>
+        <p:spPr>
+          <a:xfrm>
+            <a:off x="5559327" y="6392242"/>
+            <a:ext cx="2133600" cy="365125"/>
+          </a:xfrm>
+          <a:prstGeom prst="rect">
+            <a:avLst/>
+          </a:prstGeom>
+        </p:spPr>
+        <p:txBody>
+          <a:bodyPr/>
+          <a:lstStyle>
+            <a:lvl1pPr>
+              <a:defRPr>
+                <a:solidFill>
+                  <a:schemeClr val="accent1">
+                    <a:lumMod val="75000"/>
+                    <a:lumOff val="25000"/>
+                  </a:schemeClr>
+                </a:solidFill>
+              </a:defRPr>
+            </a:lvl1pPr>
+          </a:lstStyle>
+          <a:p>
+            <a:fld id="{5FCA5FAF-C41A-410C-8BB3-7E833EEF67F1}" type="datetime1">
+              <a:rPr lang="en-US" smtClean="0"/>
+              <a:t>6/11/18</a:t>
+            </a:fld>
+            <a:endParaRPr lang="en-US"/>
+          </a:p>
+        </p:txBody>
+      </p:sp>
+      <p:sp>
+        <p:nvSpPr>
+          <p:cNvPr id="13" name="Footer Placeholder 4">
+            <a:extLst>
+              <a:ext uri="{FF2B5EF4-FFF2-40B4-BE49-F238E27FC236}">
+                <a16:creationId xmlns:a16="http://schemas.microsoft.com/office/drawing/2014/main" id="{CAB9BFBD-8489-AA40-9E3F-B3F63A8BD518}"/>
+              </a:ext>
+            </a:extLst>
+          </p:cNvPr>
+          <p:cNvSpPr>
+            <a:spLocks noGrp="1"/>
+          </p:cNvSpPr>
+          <p:nvPr>
+            <p:ph type="ftr" sz="quarter" idx="3"/>
+          </p:nvPr>
+        </p:nvSpPr>
+        <p:spPr>
+          <a:xfrm>
+            <a:off x="581192" y="6387916"/>
+            <a:ext cx="4870585" cy="365125"/>
+          </a:xfrm>
+          <a:prstGeom prst="rect">
+            <a:avLst/>
+          </a:prstGeom>
+        </p:spPr>
+        <p:txBody>
+          <a:bodyPr/>
+          <a:lstStyle>
+            <a:lvl1pPr>
+              <a:defRPr>
+                <a:solidFill>
+                  <a:schemeClr val="accent1">
+                    <a:lumMod val="75000"/>
+                    <a:lumOff val="25000"/>
+                  </a:schemeClr>
+                </a:solidFill>
+              </a:defRPr>
+            </a:lvl1pPr>
+          </a:lstStyle>
+          <a:p>
+            <a:r>
+              <a:rPr lang="en-US"/>
+              <a:t>© 2018, FLL Tutorials, Last Edit 6/11/2018</a:t>
+            </a:r>
+          </a:p>
+        </p:txBody>
+      </p:sp>
+      <p:sp>
+        <p:nvSpPr>
+          <p:cNvPr id="14" name="Slide Number Placeholder 5">
+            <a:extLst>
+              <a:ext uri="{FF2B5EF4-FFF2-40B4-BE49-F238E27FC236}">
+                <a16:creationId xmlns:a16="http://schemas.microsoft.com/office/drawing/2014/main" id="{B04709EF-0344-434E-8D31-15D41ADEE43F}"/>
+              </a:ext>
+            </a:extLst>
+          </p:cNvPr>
+          <p:cNvSpPr>
+            <a:spLocks noGrp="1"/>
+          </p:cNvSpPr>
+          <p:nvPr>
+            <p:ph type="sldNum" sz="quarter" idx="4"/>
+          </p:nvPr>
+        </p:nvSpPr>
+        <p:spPr>
+          <a:xfrm>
+            <a:off x="7800476" y="6392242"/>
+            <a:ext cx="770468" cy="365125"/>
+          </a:xfrm>
+          <a:prstGeom prst="rect">
+            <a:avLst/>
+          </a:prstGeom>
+        </p:spPr>
+        <p:txBody>
+          <a:bodyPr/>
+          <a:lstStyle>
+            <a:lvl1pPr>
+              <a:defRPr>
+                <a:solidFill>
+                  <a:schemeClr val="accent1">
+                    <a:lumMod val="75000"/>
+                    <a:lumOff val="25000"/>
+                  </a:schemeClr>
+                </a:solidFill>
+              </a:defRPr>
+            </a:lvl1pPr>
+          </a:lstStyle>
+          <a:p>
+            <a:fld id="{4DBC7FC8-25FB-FC45-8177-2B991DA6778C}" type="slidenum">
+              <a:rPr lang="en-US" smtClean="0"/>
+              <a:t>‹#›</a:t>
+            </a:fld>
+            <a:endParaRPr lang="en-US"/>
+          </a:p>
+        </p:txBody>
+      </p:sp>
+    </p:spTree>
+    <p:extLst>
+      <p:ext uri="{BB962C8B-B14F-4D97-AF65-F5344CB8AC3E}">
+        <p14:creationId xmlns:p14="http://schemas.microsoft.com/office/powerpoint/2010/main" val="780284291"/>
+      </p:ext>
+    </p:extLst>
+  </p:cSld>
+  <p:clrMap bg1="lt1" tx1="dk1" bg2="lt2" tx2="dk2" accent1="accent1" accent2="accent2" accent3="accent3" accent4="accent4" accent5="accent5" accent6="accent6" hlink="hlink" folHlink="folHlink"/>
+  <p:sldLayoutIdLst>
+    <p:sldLayoutId id="2147483908" r:id="rId1"/>
+    <p:sldLayoutId id="2147483909" r:id="rId2"/>
+    <p:sldLayoutId id="2147483910" r:id="rId3"/>
+    <p:sldLayoutId id="2147483911" r:id="rId4"/>
+    <p:sldLayoutId id="2147483912" r:id="rId5"/>
+    <p:sldLayoutId id="2147483913" r:id="rId6"/>
+    <p:sldLayoutId id="2147483914" r:id="rId7"/>
+    <p:sldLayoutId id="2147483915" r:id="rId8"/>
+    <p:sldLayoutId id="2147483916" r:id="rId9"/>
+    <p:sldLayoutId id="2147483917" r:id="rId10"/>
+    <p:sldLayoutId id="2147483918" r:id="rId11"/>
+  </p:sldLayoutIdLst>
+  <p:hf sldNum="0" hdr="0" dt="0"/>
+  <p:txStyles>
+    <p:titleStyle>
+      <a:lvl1pPr algn="l" defTabSz="457200" rtl="0" eaLnBrk="1" latinLnBrk="0" hangingPunct="1">
+        <a:spcBef>
+          <a:spcPct val="0"/>
+        </a:spcBef>
+        <a:buNone/>
+        <a:defRPr sz="2800" b="0" kern="1200" cap="all">
+          <a:solidFill>
+            <a:schemeClr val="bg1"/>
+          </a:solidFill>
+          <a:latin typeface="+mj-lt"/>
+          <a:ea typeface="+mj-ea"/>
+          <a:cs typeface="+mj-cs"/>
+        </a:defRPr>
+      </a:lvl1pPr>
+      <a:lvl2pPr eaLnBrk="1" hangingPunct="1">
+        <a:defRPr>
+          <a:solidFill>
+            <a:schemeClr val="tx2"/>
+          </a:solidFill>
+        </a:defRPr>
+      </a:lvl2pPr>
+      <a:lvl3pPr eaLnBrk="1" hangingPunct="1">
+        <a:defRPr>
+          <a:solidFill>
+            <a:schemeClr val="tx2"/>
+          </a:solidFill>
+        </a:defRPr>
+      </a:lvl3pPr>
+      <a:lvl4pPr eaLnBrk="1" hangingPunct="1">
+        <a:defRPr>
+          <a:solidFill>
+            <a:schemeClr val="tx2"/>
+          </a:solidFill>
+        </a:defRPr>
+      </a:lvl4pPr>
+      <a:lvl5pPr eaLnBrk="1" hangingPunct="1">
+        <a:defRPr>
+          <a:solidFill>
+            <a:schemeClr val="tx2"/>
+          </a:solidFill>
+        </a:defRPr>
+      </a:lvl5pPr>
+      <a:lvl6pPr eaLnBrk="1" hangingPunct="1">
+        <a:defRPr>
+          <a:solidFill>
+            <a:schemeClr val="tx2"/>
+          </a:solidFill>
+        </a:defRPr>
+      </a:lvl6pPr>
+      <a:lvl7pPr eaLnBrk="1" hangingPunct="1">
+        <a:defRPr>
+          <a:solidFill>
+            <a:schemeClr val="tx2"/>
+          </a:solidFill>
+        </a:defRPr>
+      </a:lvl7pPr>
+      <a:lvl8pPr eaLnBrk="1" hangingPunct="1">
+        <a:defRPr>
+          <a:solidFill>
+            <a:schemeClr val="tx2"/>
+          </a:solidFill>
+        </a:defRPr>
+      </a:lvl8pPr>
+      <a:lvl9pPr eaLnBrk="1" hangingPunct="1">
+        <a:defRPr>
+          <a:solidFill>
+            <a:schemeClr val="tx2"/>
+          </a:solidFill>
+        </a:defRPr>
+      </a:lvl9pPr>
+    </p:titleStyle>
+    <p:bodyStyle>
+      <a:lvl1pPr marL="306000" indent="-306000" algn="l" defTabSz="457200" rtl="0" eaLnBrk="1" latinLnBrk="0" hangingPunct="1">
+        <a:spcBef>
+          <a:spcPct val="20000"/>
+        </a:spcBef>
+        <a:spcAft>
+          <a:spcPts val="600"/>
+        </a:spcAft>
+        <a:buClr>
+          <a:schemeClr val="accent2"/>
+        </a:buClr>
+        <a:buSzPct val="92000"/>
+        <a:buFont typeface="Wingdings 2" panose="05020102010507070707" pitchFamily="18" charset="2"/>
+        <a:buChar char=""/>
+        <a:defRPr sz="1800" kern="1200">
+          <a:solidFill>
+            <a:schemeClr val="tx2"/>
+          </a:solidFill>
+          <a:latin typeface="+mn-lt"/>
+          <a:ea typeface="+mn-ea"/>
+          <a:cs typeface="+mn-cs"/>
+        </a:defRPr>
+      </a:lvl1pPr>
+      <a:lvl2pPr marL="630000" indent="-306000" algn="l" defTabSz="457200" rtl="0" eaLnBrk="1" latinLnBrk="0" hangingPunct="1">
+        <a:spcBef>
+          <a:spcPct val="20000"/>
+        </a:spcBef>
+        <a:spcAft>
+          <a:spcPts val="600"/>
+        </a:spcAft>
+        <a:buClr>
+          <a:schemeClr val="accent2"/>
+        </a:buClr>
+        <a:buSzPct val="92000"/>
+        <a:buFont typeface="Wingdings 2" panose="05020102010507070707" pitchFamily="18" charset="2"/>
+        <a:buChar char=""/>
+        <a:defRPr sz="1600" kern="1200">
+          <a:solidFill>
+            <a:schemeClr val="tx2"/>
+          </a:solidFill>
+          <a:latin typeface="+mn-lt"/>
+          <a:ea typeface="+mn-ea"/>
+          <a:cs typeface="+mn-cs"/>
+        </a:defRPr>
+      </a:lvl2pPr>
+      <a:lvl3pPr marL="900000" indent="-270000" algn="l" defTabSz="457200" rtl="0" eaLnBrk="1" latinLnBrk="0" hangingPunct="1">
+        <a:spcBef>
+          <a:spcPct val="20000"/>
+        </a:spcBef>
+        <a:spcAft>
+          <a:spcPts val="600"/>
+        </a:spcAft>
+        <a:buClr>
+          <a:schemeClr val="accent2"/>
+        </a:buClr>
+        <a:buSzPct val="92000"/>
+        <a:buFont typeface="Wingdings 2" panose="05020102010507070707" pitchFamily="18" charset="2"/>
+        <a:buChar char=""/>
+        <a:defRPr sz="1400" kern="1200">
+          <a:solidFill>
+            <a:schemeClr val="tx2"/>
+          </a:solidFill>
+          <a:latin typeface="+mn-lt"/>
+          <a:ea typeface="+mn-ea"/>
+          <a:cs typeface="+mn-cs"/>
+        </a:defRPr>
+      </a:lvl3pPr>
+      <a:lvl4pPr marL="1242000" indent="-234000" algn="l" defTabSz="457200" rtl="0" eaLnBrk="1" latinLnBrk="0" hangingPunct="1">
+        <a:spcBef>
+          <a:spcPct val="20000"/>
+        </a:spcBef>
+        <a:spcAft>
+          <a:spcPts val="600"/>
+        </a:spcAft>
+        <a:buClr>
+          <a:schemeClr val="accent2"/>
+        </a:buClr>
+        <a:buSzPct val="92000"/>
+        <a:buFont typeface="Wingdings 2" panose="05020102010507070707" pitchFamily="18" charset="2"/>
+        <a:buChar char=""/>
+        <a:defRPr sz="1200" kern="1200">
+          <a:solidFill>
+            <a:schemeClr val="tx2"/>
+          </a:solidFill>
+          <a:latin typeface="+mn-lt"/>
+          <a:ea typeface="+mn-ea"/>
+          <a:cs typeface="+mn-cs"/>
+        </a:defRPr>
+      </a:lvl4pPr>
+      <a:lvl5pPr marL="1602000" indent="-234000" algn="l" defTabSz="457200" rtl="0" eaLnBrk="1" latinLnBrk="0" hangingPunct="1">
+        <a:spcBef>
+          <a:spcPct val="20000"/>
+        </a:spcBef>
+        <a:spcAft>
+          <a:spcPts val="600"/>
+        </a:spcAft>
+        <a:buClr>
+          <a:schemeClr val="accent2"/>
+        </a:buClr>
+        <a:buSzPct val="92000"/>
+        <a:buFont typeface="Wingdings 2" panose="05020102010507070707" pitchFamily="18" charset="2"/>
+        <a:buChar char=""/>
+        <a:defRPr sz="1200" kern="1200">
+          <a:solidFill>
+            <a:schemeClr val="tx2"/>
+          </a:solidFill>
+          <a:latin typeface="+mn-lt"/>
+          <a:ea typeface="+mn-ea"/>
+          <a:cs typeface="+mn-cs"/>
+        </a:defRPr>
+      </a:lvl5pPr>
+      <a:lvl6pPr marL="1900000" indent="-228600" algn="l" defTabSz="457200" rtl="0" eaLnBrk="1" latinLnBrk="0" hangingPunct="1">
+        <a:spcBef>
+          <a:spcPct val="20000"/>
+        </a:spcBef>
+        <a:spcAft>
+          <a:spcPts val="600"/>
+        </a:spcAft>
+        <a:buClr>
+          <a:schemeClr val="accent2"/>
+        </a:buClr>
+        <a:buSzPct val="92000"/>
+        <a:buFont typeface="Wingdings 2" panose="05020102010507070707" pitchFamily="18" charset="2"/>
+        <a:buChar char=""/>
+        <a:defRPr sz="1200" kern="1200">
+          <a:solidFill>
+            <a:schemeClr val="tx2"/>
+          </a:solidFill>
+          <a:latin typeface="+mn-lt"/>
+          <a:ea typeface="+mn-ea"/>
+          <a:cs typeface="+mn-cs"/>
+        </a:defRPr>
+      </a:lvl6pPr>
+      <a:lvl7pPr marL="2200000" indent="-228600" algn="l" defTabSz="457200" rtl="0" eaLnBrk="1" latinLnBrk="0" hangingPunct="1">
+        <a:spcBef>
+          <a:spcPct val="20000"/>
+        </a:spcBef>
+        <a:spcAft>
+          <a:spcPts val="600"/>
+        </a:spcAft>
+        <a:buClr>
+          <a:schemeClr val="accent2"/>
+        </a:buClr>
+        <a:buSzPct val="92000"/>
+        <a:buFont typeface="Wingdings 2" panose="05020102010507070707" pitchFamily="18" charset="2"/>
+        <a:buChar char=""/>
+        <a:defRPr sz="1200" kern="1200">
+          <a:solidFill>
+            <a:schemeClr val="tx2"/>
+          </a:solidFill>
+          <a:latin typeface="+mn-lt"/>
+          <a:ea typeface="+mn-ea"/>
+          <a:cs typeface="+mn-cs"/>
+        </a:defRPr>
+      </a:lvl7pPr>
+      <a:lvl8pPr marL="2500000" indent="-228600" algn="l" defTabSz="457200" rtl="0" eaLnBrk="1" latinLnBrk="0" hangingPunct="1">
+        <a:spcBef>
+          <a:spcPct val="20000"/>
+        </a:spcBef>
+        <a:spcAft>
+          <a:spcPts val="600"/>
+        </a:spcAft>
+        <a:buClr>
+          <a:schemeClr val="accent2"/>
+        </a:buClr>
+        <a:buSzPct val="92000"/>
+        <a:buFont typeface="Wingdings 2" panose="05020102010507070707" pitchFamily="18" charset="2"/>
+        <a:buChar char=""/>
+        <a:defRPr sz="1200" kern="1200">
+          <a:solidFill>
+            <a:schemeClr val="tx2"/>
+          </a:solidFill>
+          <a:latin typeface="+mn-lt"/>
+          <a:ea typeface="+mn-ea"/>
+          <a:cs typeface="+mn-cs"/>
+        </a:defRPr>
+      </a:lvl8pPr>
+      <a:lvl9pPr marL="2800000" indent="-228600" algn="l" defTabSz="457200" rtl="0" eaLnBrk="1" latinLnBrk="0" hangingPunct="1">
+        <a:spcBef>
+          <a:spcPct val="20000"/>
+        </a:spcBef>
+        <a:spcAft>
+          <a:spcPts val="600"/>
+        </a:spcAft>
+        <a:buClr>
+          <a:schemeClr val="accent2"/>
+        </a:buClr>
+        <a:buSzPct val="92000"/>
+        <a:buFont typeface="Wingdings 2" panose="05020102010507070707" pitchFamily="18" charset="2"/>
+        <a:buChar char=""/>
+        <a:defRPr sz="1200" kern="1200">
+          <a:solidFill>
+            <a:schemeClr val="tx2"/>
+          </a:solidFill>
+          <a:latin typeface="+mn-lt"/>
+          <a:ea typeface="+mn-ea"/>
+          <a:cs typeface="+mn-cs"/>
+        </a:defRPr>
+      </a:lvl9pPr>
+    </p:bodyStyle>
+    <p:otherStyle>
+      <a:defPPr>
+        <a:defRPr lang="en-US"/>
+      </a:defPPr>
+      <a:lvl1pPr marL="0" algn="l" defTabSz="457200" rtl="0" eaLnBrk="1" latinLnBrk="0" hangingPunct="1">
+        <a:defRPr sz="1800" kern="1200">
+          <a:solidFill>
+            <a:schemeClr val="tx1"/>
+          </a:solidFill>
+          <a:latin typeface="+mn-lt"/>
+          <a:ea typeface="+mn-ea"/>
+          <a:cs typeface="+mn-cs"/>
+        </a:defRPr>
+      </a:lvl1pPr>
+      <a:lvl2pPr marL="457200" algn="l" defTabSz="457200" rtl="0" eaLnBrk="1" latinLnBrk="0" hangingPunct="1">
+        <a:defRPr sz="1800" kern="1200">
+          <a:solidFill>
+            <a:schemeClr val="tx1"/>
+          </a:solidFill>
+          <a:latin typeface="+mn-lt"/>
+          <a:ea typeface="+mn-ea"/>
+          <a:cs typeface="+mn-cs"/>
+        </a:defRPr>
+      </a:lvl2pPr>
+      <a:lvl3pPr marL="914400" algn="l" defTabSz="457200" rtl="0" eaLnBrk="1" latinLnBrk="0" hangingPunct="1">
+        <a:defRPr sz="1800" kern="1200">
+          <a:solidFill>
+            <a:schemeClr val="tx1"/>
+          </a:solidFill>
+          <a:latin typeface="+mn-lt"/>
+          <a:ea typeface="+mn-ea"/>
+          <a:cs typeface="+mn-cs"/>
+        </a:defRPr>
+      </a:lvl3pPr>
+      <a:lvl4pPr marL="1371600" algn="l" defTabSz="457200" rtl="0" eaLnBrk="1" latinLnBrk="0" hangingPunct="1">
+        <a:defRPr sz="1800" kern="1200">
+          <a:solidFill>
+            <a:schemeClr val="tx1"/>
+          </a:solidFill>
+          <a:latin typeface="+mn-lt"/>
+          <a:ea typeface="+mn-ea"/>
+          <a:cs typeface="+mn-cs"/>
+        </a:defRPr>
+      </a:lvl4pPr>
+      <a:lvl5pPr marL="1828800" algn="l" defTabSz="457200" rtl="0" eaLnBrk="1" latinLnBrk="0" hangingPunct="1">
+        <a:defRPr sz="1800" kern="1200">
+          <a:solidFill>
+            <a:schemeClr val="tx1"/>
+          </a:solidFill>
+          <a:latin typeface="+mn-lt"/>
+          <a:ea typeface="+mn-ea"/>
+          <a:cs typeface="+mn-cs"/>
+        </a:defRPr>
+      </a:lvl5pPr>
+      <a:lvl6pPr marL="2286000" algn="l" defTabSz="457200" rtl="0" eaLnBrk="1" latinLnBrk="0" hangingPunct="1">
+        <a:defRPr sz="1800" kern="1200">
+          <a:solidFill>
+            <a:schemeClr val="tx1"/>
+          </a:solidFill>
+          <a:latin typeface="+mn-lt"/>
+          <a:ea typeface="+mn-ea"/>
+          <a:cs typeface="+mn-cs"/>
+        </a:defRPr>
+      </a:lvl6pPr>
+      <a:lvl7pPr marL="2743200" algn="l" defTabSz="457200" rtl="0" eaLnBrk="1" latinLnBrk="0" hangingPunct="1">
+        <a:defRPr sz="1800" kern="1200">
+          <a:solidFill>
+            <a:schemeClr val="tx1"/>
+          </a:solidFill>
+          <a:latin typeface="+mn-lt"/>
+          <a:ea typeface="+mn-ea"/>
+          <a:cs typeface="+mn-cs"/>
+        </a:defRPr>
+      </a:lvl7pPr>
+      <a:lvl8pPr marL="3200400" algn="l" defTabSz="457200" rtl="0" eaLnBrk="1" latinLnBrk="0" hangingPunct="1">
+        <a:defRPr sz="1800" kern="1200">
+          <a:solidFill>
+            <a:schemeClr val="tx1"/>
+          </a:solidFill>
+          <a:latin typeface="+mn-lt"/>
+          <a:ea typeface="+mn-ea"/>
+          <a:cs typeface="+mn-cs"/>
+        </a:defRPr>
+      </a:lvl8pPr>
+      <a:lvl9pPr marL="3657600" algn="l" defTabSz="457200" rtl="0" eaLnBrk="1" latinLnBrk="0" hangingPunct="1">
+        <a:defRPr sz="1800" kern="1200">
+          <a:solidFill>
+            <a:schemeClr val="tx1"/>
+          </a:solidFill>
+          <a:latin typeface="+mn-lt"/>
+          <a:ea typeface="+mn-ea"/>
+          <a:cs typeface="+mn-cs"/>
+        </a:defRPr>
+      </a:lvl9pPr>
+    </p:otherStyle>
+  </p:txStyles>
+</p:sldMaster>
+</file>
+
 <file path=ppt/slides/slide1.xml><?xml version="1.0" encoding="utf-8"?>
 <p:sld xmlns:a="http://schemas.openxmlformats.org/drawingml/2006/main" xmlns:r="http://schemas.openxmlformats.org/officeDocument/2006/relationships" xmlns:p="http://schemas.openxmlformats.org/presentationml/2006/main">
   <p:cSld>
@@ -24604,6 +28989,29 @@
       </p:grpSpPr>
       <p:sp>
         <p:nvSpPr>
+          <p:cNvPr id="3" name="Title 2"/>
+          <p:cNvSpPr>
+            <a:spLocks noGrp="1"/>
+          </p:cNvSpPr>
+          <p:nvPr>
+            <p:ph type="ctrTitle"/>
+          </p:nvPr>
+        </p:nvSpPr>
+        <p:spPr/>
+        <p:txBody>
+          <a:bodyPr/>
+          <a:lstStyle/>
+          <a:p>
+            <a:pPr algn="ctr"/>
+            <a:r>
+              <a:rPr lang="en-US" dirty="0"/>
+              <a:t>Robot DESIGN Lesson</a:t>
+            </a:r>
+          </a:p>
+        </p:txBody>
+      </p:sp>
+      <p:sp>
+        <p:nvSpPr>
           <p:cNvPr id="2" name="Subtitle 1"/>
           <p:cNvSpPr>
             <a:spLocks noGrp="1"/>
@@ -24624,58 +29032,6 @@
           </a:p>
         </p:txBody>
       </p:sp>
-      <p:sp>
-        <p:nvSpPr>
-          <p:cNvPr id="3" name="Title 2"/>
-          <p:cNvSpPr>
-            <a:spLocks noGrp="1"/>
-          </p:cNvSpPr>
-          <p:nvPr>
-            <p:ph type="ctrTitle"/>
-          </p:nvPr>
-        </p:nvSpPr>
-        <p:spPr/>
-        <p:txBody>
-          <a:bodyPr/>
-          <a:lstStyle/>
-          <a:p>
-            <a:pPr algn="ctr"/>
-            <a:r>
-              <a:rPr lang="en-US" dirty="0"/>
-              <a:t>Robot DESIGN Lesson</a:t>
-            </a:r>
-          </a:p>
-        </p:txBody>
-      </p:sp>
-      <p:pic>
-        <p:nvPicPr>
-          <p:cNvPr id="4" name="Picture 3"/>
-          <p:cNvPicPr>
-            <a:picLocks noChangeAspect="1"/>
-          </p:cNvPicPr>
-          <p:nvPr/>
-        </p:nvPicPr>
-        <p:blipFill rotWithShape="1">
-          <a:blip r:embed="rId2" cstate="print">
-            <a:extLst>
-              <a:ext uri="{28A0092B-C50C-407E-A947-70E740481C1C}">
-                <a14:useLocalDpi xmlns:a14="http://schemas.microsoft.com/office/drawing/2010/main"/>
-              </a:ext>
-            </a:extLst>
-          </a:blip>
-          <a:srcRect/>
-          <a:stretch/>
-        </p:blipFill>
-        <p:spPr>
-          <a:xfrm>
-            <a:off x="3793356" y="4564606"/>
-            <a:ext cx="1536320" cy="954261"/>
-          </a:xfrm>
-          <a:prstGeom prst="rect">
-            <a:avLst/>
-          </a:prstGeom>
-        </p:spPr>
-      </p:pic>
     </p:spTree>
     <p:extLst>
       <p:ext uri="{BB962C8B-B14F-4D97-AF65-F5344CB8AC3E}">
@@ -24745,7 +29101,9 @@
           </a:xfrm>
         </p:spPr>
         <p:txBody>
-          <a:bodyPr/>
+          <a:bodyPr>
+            <a:normAutofit fontScale="70000" lnSpcReduction="20000"/>
+          </a:bodyPr>
           <a:lstStyle/>
           <a:p>
             <a:pPr marL="342900" indent="-342900">
@@ -24796,31 +29154,8 @@
           <a:p>
             <a:r>
               <a:rPr lang="en-US"/>
-              <a:t>© 2018, FLL Tutorials, Last Edit 8/20/2016</a:t>
-            </a:r>
-          </a:p>
-        </p:txBody>
-      </p:sp>
-      <p:sp>
-        <p:nvSpPr>
-          <p:cNvPr id="5" name="Slide Number Placeholder 4"/>
-          <p:cNvSpPr>
-            <a:spLocks noGrp="1"/>
-          </p:cNvSpPr>
-          <p:nvPr>
-            <p:ph type="sldNum" sz="quarter" idx="12"/>
-          </p:nvPr>
-        </p:nvSpPr>
-        <p:spPr/>
-        <p:txBody>
-          <a:bodyPr/>
-          <a:lstStyle/>
-          <a:p>
-            <a:fld id="{4DBC7FC8-25FB-FC45-8177-2B991DA6778C}" type="slidenum">
-              <a:rPr lang="en-US" smtClean="0"/>
-              <a:t>2</a:t>
-            </a:fld>
-            <a:endParaRPr lang="en-US" dirty="0"/>
+              <a:t>© 2018, FLL Tutorials, Last Edit 6/11/2018</a:t>
+            </a:r>
           </a:p>
         </p:txBody>
       </p:sp>
@@ -24912,13 +29247,13 @@
         </p:nvSpPr>
         <p:spPr>
           <a:xfrm>
-            <a:off x="457199" y="1201454"/>
-            <a:ext cx="4125687" cy="4923773"/>
+            <a:off x="457199" y="1524318"/>
+            <a:ext cx="4125687" cy="4600909"/>
           </a:xfrm>
         </p:spPr>
         <p:txBody>
           <a:bodyPr>
-            <a:normAutofit/>
+            <a:normAutofit fontScale="62500" lnSpcReduction="20000"/>
           </a:bodyPr>
           <a:lstStyle/>
           <a:p>
@@ -24981,32 +29316,9 @@
           <a:p>
             <a:r>
               <a:rPr lang="en-US"/>
-              <a:t>© 2018, FLL Tutorials, Last Edit 8/20/2016</a:t>
+              <a:t>© 2018, FLL Tutorials, Last Edit 6/11/2018</a:t>
             </a:r>
             <a:endParaRPr lang="en-US" dirty="0"/>
-          </a:p>
-        </p:txBody>
-      </p:sp>
-      <p:sp>
-        <p:nvSpPr>
-          <p:cNvPr id="3" name="Slide Number Placeholder 2"/>
-          <p:cNvSpPr>
-            <a:spLocks noGrp="1"/>
-          </p:cNvSpPr>
-          <p:nvPr>
-            <p:ph type="sldNum" sz="quarter" idx="12"/>
-          </p:nvPr>
-        </p:nvSpPr>
-        <p:spPr/>
-        <p:txBody>
-          <a:bodyPr/>
-          <a:lstStyle/>
-          <a:p>
-            <a:fld id="{7F5CE407-6216-4202-80E4-A30DC2F709B2}" type="slidenum">
-              <a:rPr lang="en-US" smtClean="0"/>
-              <a:t>3</a:t>
-            </a:fld>
-            <a:endParaRPr lang="en-US"/>
           </a:p>
         </p:txBody>
       </p:sp>
@@ -25133,13 +29445,12 @@
               </a:ext>
             </a:extLst>
           </a:blip>
-          <a:srcRect/>
           <a:stretch/>
         </p:blipFill>
         <p:spPr>
           <a:xfrm>
-            <a:off x="457199" y="3628676"/>
-            <a:ext cx="8245475" cy="3112906"/>
+            <a:off x="457198" y="3680516"/>
+            <a:ext cx="7989752" cy="3018180"/>
           </a:xfrm>
         </p:spPr>
       </p:pic>
@@ -25160,31 +29471,8 @@
           <a:p>
             <a:r>
               <a:rPr lang="en-US"/>
-              <a:t>© 2018, FLL Tutorials, Last Edit 8/20/2016</a:t>
-            </a:r>
-          </a:p>
-        </p:txBody>
-      </p:sp>
-      <p:sp>
-        <p:nvSpPr>
-          <p:cNvPr id="5" name="Slide Number Placeholder 4"/>
-          <p:cNvSpPr>
-            <a:spLocks noGrp="1"/>
-          </p:cNvSpPr>
-          <p:nvPr>
-            <p:ph type="sldNum" sz="quarter" idx="12"/>
-          </p:nvPr>
-        </p:nvSpPr>
-        <p:spPr/>
-        <p:txBody>
-          <a:bodyPr/>
-          <a:lstStyle/>
-          <a:p>
-            <a:fld id="{4DBC7FC8-25FB-FC45-8177-2B991DA6778C}" type="slidenum">
-              <a:rPr lang="en-US" smtClean="0"/>
-              <a:t>4</a:t>
-            </a:fld>
-            <a:endParaRPr lang="en-US" dirty="0"/>
+              <a:t>© 2018, FLL Tutorials, Last Edit 6/11/2018</a:t>
+            </a:r>
           </a:p>
         </p:txBody>
       </p:sp>
@@ -25196,7 +29484,7 @@
         </p:nvSpPr>
         <p:spPr>
           <a:xfrm>
-            <a:off x="457198" y="1392979"/>
+            <a:off x="518158" y="1649067"/>
             <a:ext cx="5029201" cy="1323439"/>
           </a:xfrm>
           <a:prstGeom prst="rect">
@@ -25263,8 +29551,8 @@
         </p:blipFill>
         <p:spPr>
           <a:xfrm>
-            <a:off x="5525498" y="1186543"/>
-            <a:ext cx="2931885" cy="2198914"/>
+            <a:off x="6226629" y="1649067"/>
+            <a:ext cx="2220321" cy="1665241"/>
           </a:xfrm>
           <a:prstGeom prst="rect">
             <a:avLst/>
@@ -25345,31 +29633,8 @@
           <a:p>
             <a:r>
               <a:rPr lang="en-US"/>
-              <a:t>© 2018, FLL Tutorials, Last Edit 8/20/2016</a:t>
-            </a:r>
-          </a:p>
-        </p:txBody>
-      </p:sp>
-      <p:sp>
-        <p:nvSpPr>
-          <p:cNvPr id="5" name="Slide Number Placeholder 4"/>
-          <p:cNvSpPr>
-            <a:spLocks noGrp="1"/>
-          </p:cNvSpPr>
-          <p:nvPr>
-            <p:ph type="sldNum" sz="quarter" idx="12"/>
-          </p:nvPr>
-        </p:nvSpPr>
-        <p:spPr/>
-        <p:txBody>
-          <a:bodyPr/>
-          <a:lstStyle/>
-          <a:p>
-            <a:fld id="{4DBC7FC8-25FB-FC45-8177-2B991DA6778C}" type="slidenum">
-              <a:rPr lang="en-US" smtClean="0"/>
-              <a:t>5</a:t>
-            </a:fld>
-            <a:endParaRPr lang="en-US" dirty="0"/>
+              <a:t>© 2018, FLL Tutorials, Last Edit 6/11/2018</a:t>
+            </a:r>
           </a:p>
         </p:txBody>
       </p:sp>
@@ -25394,7 +29659,7 @@
         </p:blipFill>
         <p:spPr>
           <a:xfrm>
-            <a:off x="118531" y="1413670"/>
+            <a:off x="79322" y="1579138"/>
             <a:ext cx="1964268" cy="2505763"/>
           </a:xfrm>
           <a:prstGeom prst="rect">
@@ -25424,7 +29689,7 @@
         </p:blipFill>
         <p:spPr>
           <a:xfrm>
-            <a:off x="1981197" y="1221872"/>
+            <a:off x="1941988" y="1387340"/>
             <a:ext cx="4334933" cy="3251200"/>
           </a:xfrm>
           <a:prstGeom prst="rect">
@@ -25454,7 +29719,7 @@
         </p:blipFill>
         <p:spPr>
           <a:xfrm>
-            <a:off x="194737" y="4116668"/>
+            <a:off x="155528" y="4282136"/>
             <a:ext cx="3357506" cy="2518129"/>
           </a:xfrm>
           <a:prstGeom prst="rect">
@@ -25484,7 +29749,7 @@
         </p:blipFill>
         <p:spPr>
           <a:xfrm>
-            <a:off x="3301357" y="4095700"/>
+            <a:off x="3262148" y="4261168"/>
             <a:ext cx="2888316" cy="2166237"/>
           </a:xfrm>
           <a:prstGeom prst="rect">
@@ -25514,7 +29779,7 @@
         </p:blipFill>
         <p:spPr>
           <a:xfrm>
-            <a:off x="6355339" y="4037234"/>
+            <a:off x="6316130" y="4202702"/>
             <a:ext cx="2382563" cy="1786922"/>
           </a:xfrm>
           <a:prstGeom prst="rect">
@@ -25557,7 +29822,7 @@
         </p:blipFill>
         <p:spPr>
           <a:xfrm>
-            <a:off x="5901179" y="1387340"/>
+            <a:off x="5861970" y="1552808"/>
             <a:ext cx="3290885" cy="1415272"/>
           </a:xfrm>
           <a:prstGeom prst="rect">
@@ -25618,51 +29883,6 @@
           </a:p>
         </p:txBody>
       </p:sp>
-      <p:sp>
-        <p:nvSpPr>
-          <p:cNvPr id="4" name="Footer Placeholder 3"/>
-          <p:cNvSpPr>
-            <a:spLocks noGrp="1"/>
-          </p:cNvSpPr>
-          <p:nvPr>
-            <p:ph type="ftr" sz="quarter" idx="11"/>
-          </p:nvPr>
-        </p:nvSpPr>
-        <p:spPr/>
-        <p:txBody>
-          <a:bodyPr/>
-          <a:lstStyle/>
-          <a:p>
-            <a:r>
-              <a:rPr lang="en-US"/>
-              <a:t>© 2018, FLL Tutorials, Last Edit 8/20/2016</a:t>
-            </a:r>
-          </a:p>
-        </p:txBody>
-      </p:sp>
-      <p:sp>
-        <p:nvSpPr>
-          <p:cNvPr id="5" name="Slide Number Placeholder 4"/>
-          <p:cNvSpPr>
-            <a:spLocks noGrp="1"/>
-          </p:cNvSpPr>
-          <p:nvPr>
-            <p:ph type="sldNum" sz="quarter" idx="12"/>
-          </p:nvPr>
-        </p:nvSpPr>
-        <p:spPr/>
-        <p:txBody>
-          <a:bodyPr/>
-          <a:lstStyle/>
-          <a:p>
-            <a:fld id="{4DBC7FC8-25FB-FC45-8177-2B991DA6778C}" type="slidenum">
-              <a:rPr lang="en-US" smtClean="0"/>
-              <a:t>6</a:t>
-            </a:fld>
-            <a:endParaRPr lang="en-US" dirty="0"/>
-          </a:p>
-        </p:txBody>
-      </p:sp>
       <p:pic>
         <p:nvPicPr>
           <p:cNvPr id="8" name="Content Placeholder 7"/>
@@ -25687,11 +29907,33 @@
         </p:blipFill>
         <p:spPr>
           <a:xfrm>
-            <a:off x="457198" y="3068151"/>
-            <a:ext cx="8245475" cy="3448982"/>
+            <a:off x="447676" y="3109648"/>
+            <a:ext cx="8239125" cy="3446326"/>
           </a:xfrm>
         </p:spPr>
       </p:pic>
+      <p:sp>
+        <p:nvSpPr>
+          <p:cNvPr id="4" name="Footer Placeholder 3"/>
+          <p:cNvSpPr>
+            <a:spLocks noGrp="1"/>
+          </p:cNvSpPr>
+          <p:nvPr>
+            <p:ph type="ftr" sz="quarter" idx="11"/>
+          </p:nvPr>
+        </p:nvSpPr>
+        <p:spPr/>
+        <p:txBody>
+          <a:bodyPr/>
+          <a:lstStyle/>
+          <a:p>
+            <a:r>
+              <a:rPr lang="en-US"/>
+              <a:t>© 2018, FLL Tutorials, Last Edit 6/11/2018</a:t>
+            </a:r>
+          </a:p>
+        </p:txBody>
+      </p:sp>
       <p:sp>
         <p:nvSpPr>
           <p:cNvPr id="10" name="TextBox 9"/>
@@ -25700,7 +29942,7 @@
         </p:nvSpPr>
         <p:spPr>
           <a:xfrm>
-            <a:off x="457199" y="1392979"/>
+            <a:off x="457199" y="1550822"/>
             <a:ext cx="4783910" cy="1631216"/>
           </a:xfrm>
           <a:prstGeom prst="rect">
@@ -25766,7 +30008,7 @@
         </p:blipFill>
         <p:spPr>
           <a:xfrm>
-            <a:off x="6319314" y="1211580"/>
+            <a:off x="6632822" y="1559923"/>
             <a:ext cx="1480799" cy="1632122"/>
           </a:xfrm>
           <a:prstGeom prst="rect">
@@ -25848,31 +30090,8 @@
           <a:p>
             <a:r>
               <a:rPr lang="en-US"/>
-              <a:t>© 2018, FLL Tutorials, Last Edit 8/20/2016</a:t>
-            </a:r>
-          </a:p>
-        </p:txBody>
-      </p:sp>
-      <p:sp>
-        <p:nvSpPr>
-          <p:cNvPr id="5" name="Slide Number Placeholder 4"/>
-          <p:cNvSpPr>
-            <a:spLocks noGrp="1"/>
-          </p:cNvSpPr>
-          <p:nvPr>
-            <p:ph type="sldNum" sz="quarter" idx="12"/>
-          </p:nvPr>
-        </p:nvSpPr>
-        <p:spPr/>
-        <p:txBody>
-          <a:bodyPr/>
-          <a:lstStyle/>
-          <a:p>
-            <a:fld id="{4DBC7FC8-25FB-FC45-8177-2B991DA6778C}" type="slidenum">
-              <a:rPr lang="en-US" smtClean="0"/>
-              <a:t>7</a:t>
-            </a:fld>
-            <a:endParaRPr lang="en-US" dirty="0"/>
+              <a:t>© 2018, FLL Tutorials, Last Edit 6/11/2018</a:t>
+            </a:r>
           </a:p>
         </p:txBody>
       </p:sp>
@@ -25898,7 +30117,7 @@
         </p:blipFill>
         <p:spPr>
           <a:xfrm>
-            <a:off x="4331672" y="3869486"/>
+            <a:off x="4331672" y="4133208"/>
             <a:ext cx="2461847" cy="1846385"/>
           </a:xfrm>
           <a:prstGeom prst="rect">
@@ -25927,7 +30146,7 @@
         </p:blipFill>
         <p:spPr>
           <a:xfrm>
-            <a:off x="6793519" y="4050955"/>
+            <a:off x="6793519" y="4314677"/>
             <a:ext cx="1977492" cy="1663536"/>
           </a:xfrm>
           <a:prstGeom prst="rect">
@@ -25971,7 +30190,7 @@
         </p:blipFill>
         <p:spPr>
           <a:xfrm>
-            <a:off x="2227316" y="3825132"/>
+            <a:off x="2227316" y="4088854"/>
             <a:ext cx="2580125" cy="1935094"/>
           </a:xfrm>
           <a:prstGeom prst="rect">
@@ -26001,7 +30220,7 @@
         </p:blipFill>
         <p:spPr>
           <a:xfrm>
-            <a:off x="71963" y="3554665"/>
+            <a:off x="0" y="4000371"/>
             <a:ext cx="2469603" cy="1852202"/>
           </a:xfrm>
           <a:prstGeom prst="rect">
@@ -26030,7 +30249,7 @@
         </p:blipFill>
         <p:spPr>
           <a:xfrm>
-            <a:off x="6254112" y="1128391"/>
+            <a:off x="6254112" y="1392113"/>
             <a:ext cx="1950881" cy="2252087"/>
           </a:xfrm>
           <a:prstGeom prst="rect">
@@ -26059,7 +30278,7 @@
         </p:blipFill>
         <p:spPr>
           <a:xfrm>
-            <a:off x="3416668" y="1375325"/>
+            <a:off x="3416668" y="1639047"/>
             <a:ext cx="2137276" cy="1897156"/>
           </a:xfrm>
           <a:prstGeom prst="rect">
@@ -26088,7 +30307,7 @@
         </p:blipFill>
         <p:spPr>
           <a:xfrm>
-            <a:off x="659099" y="1304150"/>
+            <a:off x="659099" y="1567872"/>
             <a:ext cx="2057401" cy="1897156"/>
           </a:xfrm>
           <a:prstGeom prst="rect">
@@ -26104,7 +30323,7 @@
         </p:nvSpPr>
         <p:spPr>
           <a:xfrm>
-            <a:off x="2634339" y="5845625"/>
+            <a:off x="2634339" y="6109347"/>
             <a:ext cx="4713514" cy="338554"/>
           </a:xfrm>
           <a:prstGeom prst="rect">
@@ -26189,7 +30408,9 @@
         </p:nvSpPr>
         <p:spPr/>
         <p:txBody>
-          <a:bodyPr/>
+          <a:bodyPr>
+            <a:normAutofit/>
+          </a:bodyPr>
           <a:lstStyle/>
           <a:p>
             <a:pPr marL="342900" indent="-342900">
@@ -26197,22 +30418,22 @@
               <a:buChar char="•"/>
             </a:pPr>
             <a:r>
-              <a:rPr lang="en-US" dirty="0"/>
+              <a:rPr lang="en-US" sz="2800" dirty="0"/>
               <a:t>This tutorial was created by Sanjay </a:t>
             </a:r>
             <a:r>
-              <a:rPr lang="en-US" dirty="0" err="1"/>
+              <a:rPr lang="en-US" sz="2800" dirty="0" err="1"/>
               <a:t>Seshan</a:t>
             </a:r>
             <a:r>
-              <a:rPr lang="en-US" dirty="0"/>
+              <a:rPr lang="en-US" sz="2800" dirty="0"/>
               <a:t> and Arvind </a:t>
             </a:r>
             <a:r>
-              <a:rPr lang="en-US" dirty="0" err="1"/>
+              <a:rPr lang="en-US" sz="2800" dirty="0" err="1"/>
               <a:t>Seshan</a:t>
             </a:r>
-            <a:endParaRPr lang="en-US" dirty="0"/>
+            <a:endParaRPr lang="en-US" sz="2800" dirty="0"/>
           </a:p>
           <a:p>
             <a:pPr marL="342900" indent="-342900">
@@ -26220,33 +30441,29 @@
               <a:buChar char="•"/>
             </a:pPr>
             <a:r>
-              <a:rPr lang="en-US" dirty="0"/>
+              <a:rPr lang="en-US" sz="2800" dirty="0"/>
               <a:t>More lessons at </a:t>
             </a:r>
             <a:r>
-              <a:rPr lang="en-US" dirty="0">
+              <a:rPr lang="en-US" sz="2800" dirty="0">
                 <a:hlinkClick r:id="rId3"/>
               </a:rPr>
               <a:t>www.ev3lessons.com</a:t>
             </a:r>
             <a:r>
-              <a:rPr lang="en-US" dirty="0"/>
-              <a:t> </a:t>
-            </a:r>
-            <a:r>
-              <a:rPr lang="en-US"/>
-              <a:t>and </a:t>
-            </a:r>
-            <a:r>
-              <a:rPr lang="en-US">
+              <a:rPr lang="en-US" sz="2800" dirty="0"/>
+              <a:t> and </a:t>
+            </a:r>
+            <a:r>
+              <a:rPr lang="en-US" sz="2800" dirty="0">
                 <a:hlinkClick r:id="rId4"/>
               </a:rPr>
               <a:t>www.flltutorials.com</a:t>
             </a:r>
-            <a:endParaRPr lang="en-US"/>
-          </a:p>
-          <a:p>
-            <a:endParaRPr lang="en-US" dirty="0"/>
+            <a:endParaRPr lang="en-US" sz="2800" dirty="0"/>
+          </a:p>
+          <a:p>
+            <a:endParaRPr lang="en-US" sz="2800" dirty="0"/>
           </a:p>
         </p:txBody>
       </p:sp>
@@ -26267,32 +30484,8 @@
           <a:p>
             <a:r>
               <a:rPr lang="en-US"/>
-              <a:t>© 2018, FLL Tutorials, Last Edit 8/20/2016</a:t>
-            </a:r>
-          </a:p>
-        </p:txBody>
-      </p:sp>
-      <p:sp>
-        <p:nvSpPr>
-          <p:cNvPr id="7" name="Slide Number Placeholder 6"/>
-          <p:cNvSpPr>
-            <a:spLocks noGrp="1"/>
-          </p:cNvSpPr>
-          <p:nvPr>
-            <p:ph type="sldNum" sz="quarter" idx="12"/>
-          </p:nvPr>
-        </p:nvSpPr>
-        <p:spPr/>
-        <p:txBody>
-          <a:bodyPr/>
-          <a:lstStyle/>
-          <a:p>
-            <a:fld id="{4382A7F7-08BF-4252-8141-63FB96055BBB}" type="slidenum">
-              <a:rPr lang="en-US" smtClean="0"/>
-              <a:pPr/>
-              <a:t>8</a:t>
-            </a:fld>
-            <a:endParaRPr lang="en-US"/>
+              <a:t>© 2018, FLL Tutorials, Last Edit 6/11/2018</a:t>
+            </a:r>
           </a:p>
         </p:txBody>
       </p:sp>
@@ -26321,7 +30514,7 @@
           <a:effectLst/>
           <a:extLst>
             <a:ext uri="{91240B29-F687-4f45-9708-019B960494DF}">
-              <a14:hiddenLine xmlns:a14="http://schemas.microsoft.com/office/drawing/2010/main" xmlns="" w="9525">
+              <a14:hiddenLine xmlns="" xmlns:a14="http://schemas.microsoft.com/office/drawing/2010/main" w="9525">
                 <a:solidFill>
                   <a:schemeClr val="tx1"/>
                 </a:solidFill>
@@ -26331,7 +30524,7 @@
               </a14:hiddenLine>
             </a:ext>
             <a:ext uri="{AF507438-7753-43e0-B8FC-AC1667EBCBE1}">
-              <a14:hiddenEffects xmlns:a14="http://schemas.microsoft.com/office/drawing/2010/main" xmlns="">
+              <a14:hiddenEffects xmlns="" xmlns:a14="http://schemas.microsoft.com/office/drawing/2010/main">
                 <a:effectLst>
                   <a:outerShdw dist="35921" dir="2700000" algn="ctr" rotWithShape="0">
                     <a:schemeClr val="bg2"/>
@@ -26672,7 +30865,7 @@
           <a:noFill/>
           <a:extLst>
             <a:ext uri="{909E8E84-426E-40dd-AFC4-6F175D3DCCD1}">
-              <a14:hiddenFill xmlns:a14="http://schemas.microsoft.com/office/drawing/2010/main" xmlns="">
+              <a14:hiddenFill xmlns="" xmlns:a14="http://schemas.microsoft.com/office/drawing/2010/main">
                 <a:solidFill>
                   <a:srgbClr val="FFFFFF"/>
                 </a:solidFill>
@@ -28244,9 +32437,9 @@
 </file>
 
 <file path=ppt/theme/theme7.xml><?xml version="1.0" encoding="utf-8"?>
-<a:theme xmlns:a="http://schemas.openxmlformats.org/drawingml/2006/main" name="Office Theme">
+<a:theme xmlns:a="http://schemas.openxmlformats.org/drawingml/2006/main" name="Dividend">
   <a:themeElements>
-    <a:clrScheme name="Office">
+    <a:clrScheme name="Dividend">
       <a:dk1>
         <a:sysClr val="windowText" lastClr="000000"/>
       </a:dk1>
@@ -28254,81 +32447,48 @@
         <a:sysClr val="window" lastClr="FFFFFF"/>
       </a:lt1>
       <a:dk2>
-        <a:srgbClr val="1F497D"/>
+        <a:srgbClr val="3D3D3D"/>
       </a:dk2>
       <a:lt2>
-        <a:srgbClr val="EEECE1"/>
+        <a:srgbClr val="EBEBEB"/>
       </a:lt2>
       <a:accent1>
-        <a:srgbClr val="4F81BD"/>
+        <a:srgbClr val="1A3260"/>
       </a:accent1>
       <a:accent2>
-        <a:srgbClr val="C0504D"/>
+        <a:srgbClr val="4590B8"/>
       </a:accent2>
       <a:accent3>
-        <a:srgbClr val="9BBB59"/>
+        <a:srgbClr val="45CBE8"/>
       </a:accent3>
       <a:accent4>
-        <a:srgbClr val="8064A2"/>
+        <a:srgbClr val="969FA7"/>
       </a:accent4>
       <a:accent5>
-        <a:srgbClr val="4BACC6"/>
+        <a:srgbClr val="A2C777"/>
       </a:accent5>
       <a:accent6>
-        <a:srgbClr val="F79646"/>
+        <a:srgbClr val="42955F"/>
       </a:accent6>
       <a:hlink>
-        <a:srgbClr val="0000FF"/>
+        <a:srgbClr val="828282"/>
       </a:hlink>
       <a:folHlink>
-        <a:srgbClr val="800080"/>
+        <a:srgbClr val="A5A5A5"/>
       </a:folHlink>
     </a:clrScheme>
-    <a:fontScheme name="Office">
+    <a:fontScheme name="Dividend">
       <a:majorFont>
-        <a:latin typeface="Calibri"/>
+        <a:latin typeface="Gill Sans MT" panose="020B0502020104020203"/>
         <a:ea typeface=""/>
         <a:cs typeface=""/>
-        <a:font script="Jpan" typeface="ＭＳ Ｐゴシック"/>
-        <a:font script="Hang" typeface="맑은 고딕"/>
-        <a:font script="Hans" typeface="宋体"/>
-        <a:font script="Hant" typeface="新細明體"/>
-        <a:font script="Arab" typeface="Times New Roman"/>
-        <a:font script="Hebr" typeface="Times New Roman"/>
-        <a:font script="Thai" typeface="Angsana New"/>
-        <a:font script="Ethi" typeface="Nyala"/>
-        <a:font script="Beng" typeface="Vrinda"/>
-        <a:font script="Gujr" typeface="Shruti"/>
-        <a:font script="Khmr" typeface="MoolBoran"/>
-        <a:font script="Knda" typeface="Tunga"/>
-        <a:font script="Guru" typeface="Raavi"/>
-        <a:font script="Cans" typeface="Euphemia"/>
-        <a:font script="Cher" typeface="Plantagenet Cherokee"/>
-        <a:font script="Yiii" typeface="Microsoft Yi Baiti"/>
-        <a:font script="Tibt" typeface="Microsoft Himalaya"/>
-        <a:font script="Thaa" typeface="MV Boli"/>
-        <a:font script="Deva" typeface="Mangal"/>
-        <a:font script="Telu" typeface="Gautami"/>
-        <a:font script="Taml" typeface="Latha"/>
-        <a:font script="Syrc" typeface="Estrangelo Edessa"/>
-        <a:font script="Orya" typeface="Kalinga"/>
-        <a:font script="Mlym" typeface="Kartika"/>
-        <a:font script="Laoo" typeface="DokChampa"/>
-        <a:font script="Sinh" typeface="Iskoola Pota"/>
-        <a:font script="Mong" typeface="Mongolian Baiti"/>
-        <a:font script="Viet" typeface="Times New Roman"/>
-        <a:font script="Uigh" typeface="Microsoft Uighur"/>
-        <a:font script="Geor" typeface="Sylfaen"/>
-      </a:majorFont>
-      <a:minorFont>
-        <a:latin typeface="Calibri"/>
-        <a:ea typeface=""/>
-        <a:cs typeface=""/>
-        <a:font script="Jpan" typeface="ＭＳ Ｐゴシック"/>
-        <a:font script="Hang" typeface="맑은 고딕"/>
-        <a:font script="Hans" typeface="宋体"/>
-        <a:font script="Hant" typeface="新細明體"/>
-        <a:font script="Arab" typeface="Arial"/>
+        <a:font script="Grek" typeface="Corbel"/>
+        <a:font script="Cyrl" typeface="Corbel"/>
+        <a:font script="Jpan" typeface="HGｺﾞｼｯｸE"/>
+        <a:font script="Hang" typeface="휴먼매직체"/>
+        <a:font script="Hans" typeface="华文中宋"/>
+        <a:font script="Hant" typeface="微軟正黑體"/>
+        <a:font script="Arab" typeface="Majalla UI"/>
         <a:font script="Hebr" typeface="Arial"/>
         <a:font script="Thai" typeface="Cordia New"/>
         <a:font script="Ethi" typeface="Nyala"/>
@@ -28351,12 +32511,49 @@
         <a:font script="Laoo" typeface="DokChampa"/>
         <a:font script="Sinh" typeface="Iskoola Pota"/>
         <a:font script="Mong" typeface="Mongolian Baiti"/>
-        <a:font script="Viet" typeface="Arial"/>
+        <a:font script="Viet" typeface="Tahoma"/>
+        <a:font script="Uigh" typeface="Microsoft Uighur"/>
+        <a:font script="Geor" typeface="Sylfaen"/>
+      </a:majorFont>
+      <a:minorFont>
+        <a:latin typeface="Gill Sans MT" panose="020B0502020104020203"/>
+        <a:ea typeface=""/>
+        <a:cs typeface=""/>
+        <a:font script="Grek" typeface="Corbel"/>
+        <a:font script="Cyrl" typeface="Corbel"/>
+        <a:font script="Jpan" typeface="HGｺﾞｼｯｸE"/>
+        <a:font script="Hang" typeface="휴먼매직체"/>
+        <a:font script="Hans" typeface="华文中宋"/>
+        <a:font script="Hant" typeface="微軟正黑體"/>
+        <a:font script="Arab" typeface="Majalla UI"/>
+        <a:font script="Hebr" typeface="Arial"/>
+        <a:font script="Thai" typeface="Cordia New"/>
+        <a:font script="Ethi" typeface="Nyala"/>
+        <a:font script="Beng" typeface="Vrinda"/>
+        <a:font script="Gujr" typeface="Shruti"/>
+        <a:font script="Khmr" typeface="DaunPenh"/>
+        <a:font script="Knda" typeface="Tunga"/>
+        <a:font script="Guru" typeface="Raavi"/>
+        <a:font script="Cans" typeface="Euphemia"/>
+        <a:font script="Cher" typeface="Plantagenet Cherokee"/>
+        <a:font script="Yiii" typeface="Microsoft Yi Baiti"/>
+        <a:font script="Tibt" typeface="Microsoft Himalaya"/>
+        <a:font script="Thaa" typeface="MV Boli"/>
+        <a:font script="Deva" typeface="Mangal"/>
+        <a:font script="Telu" typeface="Gautami"/>
+        <a:font script="Taml" typeface="Latha"/>
+        <a:font script="Syrc" typeface="Estrangelo Edessa"/>
+        <a:font script="Orya" typeface="Kalinga"/>
+        <a:font script="Mlym" typeface="Kartika"/>
+        <a:font script="Laoo" typeface="DokChampa"/>
+        <a:font script="Sinh" typeface="Iskoola Pota"/>
+        <a:font script="Mong" typeface="Mongolian Baiti"/>
+        <a:font script="Viet" typeface="Tahoma"/>
         <a:font script="Uigh" typeface="Microsoft Uighur"/>
         <a:font script="Geor" typeface="Sylfaen"/>
       </a:minorFont>
     </a:fontScheme>
-    <a:fmtScheme name="Office">
+    <a:fmtScheme name="Dividend">
       <a:fillStyleLst>
         <a:solidFill>
           <a:schemeClr val="phClr"/>
@@ -28365,62 +32562,54 @@
           <a:gsLst>
             <a:gs pos="0">
               <a:schemeClr val="phClr">
-                <a:tint val="50000"/>
-                <a:satMod val="300000"/>
-              </a:schemeClr>
-            </a:gs>
-            <a:gs pos="35000">
-              <a:schemeClr val="phClr">
-                <a:tint val="37000"/>
-                <a:satMod val="300000"/>
+                <a:tint val="68000"/>
+                <a:alpha val="90000"/>
+                <a:lumMod val="100000"/>
               </a:schemeClr>
             </a:gs>
             <a:gs pos="100000">
               <a:schemeClr val="phClr">
-                <a:tint val="15000"/>
-                <a:satMod val="350000"/>
+                <a:tint val="90000"/>
+                <a:lumMod val="95000"/>
               </a:schemeClr>
             </a:gs>
           </a:gsLst>
-          <a:lin ang="16200000" scaled="1"/>
+          <a:lin ang="5400000" scaled="1"/>
         </a:gradFill>
         <a:gradFill rotWithShape="1">
           <a:gsLst>
             <a:gs pos="0">
               <a:schemeClr val="phClr">
-                <a:tint val="100000"/>
-                <a:shade val="100000"/>
-                <a:satMod val="130000"/>
+                <a:tint val="98000"/>
+                <a:lumMod val="110000"/>
               </a:schemeClr>
             </a:gs>
-            <a:gs pos="100000">
+            <a:gs pos="84000">
               <a:schemeClr val="phClr">
-                <a:tint val="50000"/>
-                <a:shade val="100000"/>
-                <a:satMod val="350000"/>
+                <a:shade val="90000"/>
+                <a:lumMod val="88000"/>
               </a:schemeClr>
             </a:gs>
           </a:gsLst>
-          <a:lin ang="16200000" scaled="0"/>
+          <a:lin ang="5400000" scaled="0"/>
         </a:gradFill>
       </a:fillStyleLst>
       <a:lnStyleLst>
-        <a:ln w="9525" cap="flat" cmpd="sng" algn="ctr">
+        <a:ln w="12700" cap="rnd" cmpd="sng" algn="ctr">
           <a:solidFill>
             <a:schemeClr val="phClr">
-              <a:shade val="95000"/>
-              <a:satMod val="105000"/>
+              <a:lumMod val="90000"/>
             </a:schemeClr>
           </a:solidFill>
           <a:prstDash val="solid"/>
         </a:ln>
-        <a:ln w="25400" cap="flat" cmpd="sng" algn="ctr">
+        <a:ln w="22225" cap="rnd" cmpd="sng" algn="ctr">
           <a:solidFill>
             <a:schemeClr val="phClr"/>
           </a:solidFill>
           <a:prstDash val="solid"/>
         </a:ln>
-        <a:ln w="38100" cap="flat" cmpd="sng" algn="ctr">
+        <a:ln w="25400" cap="rnd" cmpd="sng" algn="ctr">
           <a:solidFill>
             <a:schemeClr val="phClr"/>
           </a:solidFill>
@@ -28429,28 +32618,22 @@
       </a:lnStyleLst>
       <a:effectStyleLst>
         <a:effectStyle>
+          <a:effectLst/>
+        </a:effectStyle>
+        <a:effectStyle>
           <a:effectLst>
-            <a:outerShdw blurRad="40000" dist="20000" dir="5400000" rotWithShape="0">
+            <a:outerShdw blurRad="38100" dist="25400" dir="5400000" rotWithShape="0">
               <a:srgbClr val="000000">
-                <a:alpha val="38000"/>
+                <a:alpha val="55000"/>
               </a:srgbClr>
             </a:outerShdw>
           </a:effectLst>
         </a:effectStyle>
         <a:effectStyle>
           <a:effectLst>
-            <a:outerShdw blurRad="40000" dist="23000" dir="5400000" rotWithShape="0">
+            <a:outerShdw blurRad="88900" dist="38100" dir="5040000" rotWithShape="0">
               <a:srgbClr val="000000">
-                <a:alpha val="35000"/>
-              </a:srgbClr>
-            </a:outerShdw>
-          </a:effectLst>
-        </a:effectStyle>
-        <a:effectStyle>
-          <a:effectLst>
-            <a:outerShdw blurRad="40000" dist="23000" dir="5400000" rotWithShape="0">
-              <a:srgbClr val="000000">
-                <a:alpha val="35000"/>
+                <a:alpha val="60000"/>
               </a:srgbClr>
             </a:outerShdw>
           </a:effectLst>
@@ -28458,12 +32641,12 @@
             <a:camera prst="orthographicFront">
               <a:rot lat="0" lon="0" rev="0"/>
             </a:camera>
-            <a:lightRig rig="threePt" dir="t">
+            <a:lightRig rig="threePt" dir="tl">
               <a:rot lat="0" lon="0" rev="1200000"/>
             </a:lightRig>
           </a:scene3d>
           <a:sp3d>
-            <a:bevelT w="63500" h="25400"/>
+            <a:bevelT w="38100" h="50800"/>
           </a:sp3d>
         </a:effectStyle>
       </a:effectStyleLst>
@@ -28475,91 +32658,50 @@
           <a:gsLst>
             <a:gs pos="0">
               <a:schemeClr val="phClr">
-                <a:tint val="40000"/>
-                <a:satMod val="350000"/>
+                <a:tint val="90000"/>
+                <a:lumMod val="110000"/>
               </a:schemeClr>
             </a:gs>
-            <a:gs pos="40000">
+            <a:gs pos="88000">
               <a:schemeClr val="phClr">
-                <a:tint val="45000"/>
-                <a:shade val="99000"/>
-                <a:satMod val="350000"/>
-              </a:schemeClr>
-            </a:gs>
-            <a:gs pos="100000">
-              <a:schemeClr val="phClr">
-                <a:shade val="20000"/>
-                <a:satMod val="255000"/>
+                <a:shade val="94000"/>
+                <a:satMod val="110000"/>
+                <a:lumMod val="88000"/>
               </a:schemeClr>
             </a:gs>
           </a:gsLst>
-          <a:path path="circle">
-            <a:fillToRect l="50000" t="-80000" r="50000" b="180000"/>
-          </a:path>
+          <a:lin ang="5400000" scaled="0"/>
         </a:gradFill>
         <a:gradFill rotWithShape="1">
           <a:gsLst>
             <a:gs pos="0">
               <a:schemeClr val="phClr">
-                <a:tint val="80000"/>
-                <a:satMod val="300000"/>
+                <a:tint val="90000"/>
+                <a:lumMod val="110000"/>
               </a:schemeClr>
             </a:gs>
             <a:gs pos="100000">
               <a:schemeClr val="phClr">
-                <a:shade val="30000"/>
-                <a:satMod val="200000"/>
+                <a:shade val="98000"/>
+                <a:satMod val="110000"/>
+                <a:lumMod val="86000"/>
               </a:schemeClr>
             </a:gs>
           </a:gsLst>
           <a:path path="circle">
-            <a:fillToRect l="50000" t="50000" r="50000" b="50000"/>
+            <a:fillToRect l="50000" t="50000" r="100000" b="100000"/>
           </a:path>
         </a:gradFill>
       </a:bgFillStyleLst>
     </a:fmtScheme>
   </a:themeElements>
-  <a:objectDefaults>
-    <a:spDef>
-      <a:spPr/>
-      <a:bodyPr/>
-      <a:lstStyle/>
-      <a:style>
-        <a:lnRef idx="1">
-          <a:schemeClr val="accent1"/>
-        </a:lnRef>
-        <a:fillRef idx="3">
-          <a:schemeClr val="accent1"/>
-        </a:fillRef>
-        <a:effectRef idx="2">
-          <a:schemeClr val="accent1"/>
-        </a:effectRef>
-        <a:fontRef idx="minor">
-          <a:schemeClr val="lt1"/>
-        </a:fontRef>
-      </a:style>
-    </a:spDef>
-    <a:lnDef>
-      <a:spPr/>
-      <a:bodyPr/>
-      <a:lstStyle/>
-      <a:style>
-        <a:lnRef idx="2">
-          <a:schemeClr val="accent1"/>
-        </a:lnRef>
-        <a:fillRef idx="0">
-          <a:schemeClr val="accent1"/>
-        </a:fillRef>
-        <a:effectRef idx="1">
-          <a:schemeClr val="accent1"/>
-        </a:effectRef>
-        <a:fontRef idx="minor">
-          <a:schemeClr val="tx1"/>
-        </a:fontRef>
-      </a:style>
-    </a:lnDef>
-  </a:objectDefaults>
+  <a:objectDefaults/>
   <a:extraClrSchemeLst/>
+  <a:extLst>
+    <a:ext uri="{05A4C25C-085E-4340-85A3-A5531E510DB2}">
+      <thm15:themeFamily xmlns:thm15="http://schemas.microsoft.com/office/thememl/2012/main" name="EngineeringJournal" id="{97721FB4-21DC-6D4C-AC10-5E4545120761}" vid="{EB585347-F0B4-B74F-BF80-5185492EFC16}"/>
+    </a:ext>
+  </a:extLst>
 </a:theme>
 </file>
 
@@ -28881,4 +33023,324 @@
   </a:objectDefaults>
   <a:extraClrSchemeLst/>
 </a:theme>
+</file>
+
+<file path=ppt/theme/theme9.xml><?xml version="1.0" encoding="utf-8"?>
+<a:theme xmlns:a="http://schemas.openxmlformats.org/drawingml/2006/main" name="Office Theme">
+  <a:themeElements>
+    <a:clrScheme name="Office">
+      <a:dk1>
+        <a:sysClr val="windowText" lastClr="000000"/>
+      </a:dk1>
+      <a:lt1>
+        <a:sysClr val="window" lastClr="FFFFFF"/>
+      </a:lt1>
+      <a:dk2>
+        <a:srgbClr val="1F497D"/>
+      </a:dk2>
+      <a:lt2>
+        <a:srgbClr val="EEECE1"/>
+      </a:lt2>
+      <a:accent1>
+        <a:srgbClr val="4F81BD"/>
+      </a:accent1>
+      <a:accent2>
+        <a:srgbClr val="C0504D"/>
+      </a:accent2>
+      <a:accent3>
+        <a:srgbClr val="9BBB59"/>
+      </a:accent3>
+      <a:accent4>
+        <a:srgbClr val="8064A2"/>
+      </a:accent4>
+      <a:accent5>
+        <a:srgbClr val="4BACC6"/>
+      </a:accent5>
+      <a:accent6>
+        <a:srgbClr val="F79646"/>
+      </a:accent6>
+      <a:hlink>
+        <a:srgbClr val="0000FF"/>
+      </a:hlink>
+      <a:folHlink>
+        <a:srgbClr val="800080"/>
+      </a:folHlink>
+    </a:clrScheme>
+    <a:fontScheme name="Office">
+      <a:majorFont>
+        <a:latin typeface="Calibri"/>
+        <a:ea typeface=""/>
+        <a:cs typeface=""/>
+        <a:font script="Jpan" typeface="ＭＳ Ｐゴシック"/>
+        <a:font script="Hang" typeface="맑은 고딕"/>
+        <a:font script="Hans" typeface="宋体"/>
+        <a:font script="Hant" typeface="新細明體"/>
+        <a:font script="Arab" typeface="Times New Roman"/>
+        <a:font script="Hebr" typeface="Times New Roman"/>
+        <a:font script="Thai" typeface="Angsana New"/>
+        <a:font script="Ethi" typeface="Nyala"/>
+        <a:font script="Beng" typeface="Vrinda"/>
+        <a:font script="Gujr" typeface="Shruti"/>
+        <a:font script="Khmr" typeface="MoolBoran"/>
+        <a:font script="Knda" typeface="Tunga"/>
+        <a:font script="Guru" typeface="Raavi"/>
+        <a:font script="Cans" typeface="Euphemia"/>
+        <a:font script="Cher" typeface="Plantagenet Cherokee"/>
+        <a:font script="Yiii" typeface="Microsoft Yi Baiti"/>
+        <a:font script="Tibt" typeface="Microsoft Himalaya"/>
+        <a:font script="Thaa" typeface="MV Boli"/>
+        <a:font script="Deva" typeface="Mangal"/>
+        <a:font script="Telu" typeface="Gautami"/>
+        <a:font script="Taml" typeface="Latha"/>
+        <a:font script="Syrc" typeface="Estrangelo Edessa"/>
+        <a:font script="Orya" typeface="Kalinga"/>
+        <a:font script="Mlym" typeface="Kartika"/>
+        <a:font script="Laoo" typeface="DokChampa"/>
+        <a:font script="Sinh" typeface="Iskoola Pota"/>
+        <a:font script="Mong" typeface="Mongolian Baiti"/>
+        <a:font script="Viet" typeface="Times New Roman"/>
+        <a:font script="Uigh" typeface="Microsoft Uighur"/>
+        <a:font script="Geor" typeface="Sylfaen"/>
+      </a:majorFont>
+      <a:minorFont>
+        <a:latin typeface="Calibri"/>
+        <a:ea typeface=""/>
+        <a:cs typeface=""/>
+        <a:font script="Jpan" typeface="ＭＳ Ｐゴシック"/>
+        <a:font script="Hang" typeface="맑은 고딕"/>
+        <a:font script="Hans" typeface="宋体"/>
+        <a:font script="Hant" typeface="新細明體"/>
+        <a:font script="Arab" typeface="Arial"/>
+        <a:font script="Hebr" typeface="Arial"/>
+        <a:font script="Thai" typeface="Cordia New"/>
+        <a:font script="Ethi" typeface="Nyala"/>
+        <a:font script="Beng" typeface="Vrinda"/>
+        <a:font script="Gujr" typeface="Shruti"/>
+        <a:font script="Khmr" typeface="DaunPenh"/>
+        <a:font script="Knda" typeface="Tunga"/>
+        <a:font script="Guru" typeface="Raavi"/>
+        <a:font script="Cans" typeface="Euphemia"/>
+        <a:font script="Cher" typeface="Plantagenet Cherokee"/>
+        <a:font script="Yiii" typeface="Microsoft Yi Baiti"/>
+        <a:font script="Tibt" typeface="Microsoft Himalaya"/>
+        <a:font script="Thaa" typeface="MV Boli"/>
+        <a:font script="Deva" typeface="Mangal"/>
+        <a:font script="Telu" typeface="Gautami"/>
+        <a:font script="Taml" typeface="Latha"/>
+        <a:font script="Syrc" typeface="Estrangelo Edessa"/>
+        <a:font script="Orya" typeface="Kalinga"/>
+        <a:font script="Mlym" typeface="Kartika"/>
+        <a:font script="Laoo" typeface="DokChampa"/>
+        <a:font script="Sinh" typeface="Iskoola Pota"/>
+        <a:font script="Mong" typeface="Mongolian Baiti"/>
+        <a:font script="Viet" typeface="Arial"/>
+        <a:font script="Uigh" typeface="Microsoft Uighur"/>
+        <a:font script="Geor" typeface="Sylfaen"/>
+      </a:minorFont>
+    </a:fontScheme>
+    <a:fmtScheme name="Office">
+      <a:fillStyleLst>
+        <a:solidFill>
+          <a:schemeClr val="phClr"/>
+        </a:solidFill>
+        <a:gradFill rotWithShape="1">
+          <a:gsLst>
+            <a:gs pos="0">
+              <a:schemeClr val="phClr">
+                <a:tint val="50000"/>
+                <a:satMod val="300000"/>
+              </a:schemeClr>
+            </a:gs>
+            <a:gs pos="35000">
+              <a:schemeClr val="phClr">
+                <a:tint val="37000"/>
+                <a:satMod val="300000"/>
+              </a:schemeClr>
+            </a:gs>
+            <a:gs pos="100000">
+              <a:schemeClr val="phClr">
+                <a:tint val="15000"/>
+                <a:satMod val="350000"/>
+              </a:schemeClr>
+            </a:gs>
+          </a:gsLst>
+          <a:lin ang="16200000" scaled="1"/>
+        </a:gradFill>
+        <a:gradFill rotWithShape="1">
+          <a:gsLst>
+            <a:gs pos="0">
+              <a:schemeClr val="phClr">
+                <a:tint val="100000"/>
+                <a:shade val="100000"/>
+                <a:satMod val="130000"/>
+              </a:schemeClr>
+            </a:gs>
+            <a:gs pos="100000">
+              <a:schemeClr val="phClr">
+                <a:tint val="50000"/>
+                <a:shade val="100000"/>
+                <a:satMod val="350000"/>
+              </a:schemeClr>
+            </a:gs>
+          </a:gsLst>
+          <a:lin ang="16200000" scaled="0"/>
+        </a:gradFill>
+      </a:fillStyleLst>
+      <a:lnStyleLst>
+        <a:ln w="9525" cap="flat" cmpd="sng" algn="ctr">
+          <a:solidFill>
+            <a:schemeClr val="phClr">
+              <a:shade val="95000"/>
+              <a:satMod val="105000"/>
+            </a:schemeClr>
+          </a:solidFill>
+          <a:prstDash val="solid"/>
+        </a:ln>
+        <a:ln w="25400" cap="flat" cmpd="sng" algn="ctr">
+          <a:solidFill>
+            <a:schemeClr val="phClr"/>
+          </a:solidFill>
+          <a:prstDash val="solid"/>
+        </a:ln>
+        <a:ln w="38100" cap="flat" cmpd="sng" algn="ctr">
+          <a:solidFill>
+            <a:schemeClr val="phClr"/>
+          </a:solidFill>
+          <a:prstDash val="solid"/>
+        </a:ln>
+      </a:lnStyleLst>
+      <a:effectStyleLst>
+        <a:effectStyle>
+          <a:effectLst>
+            <a:outerShdw blurRad="40000" dist="20000" dir="5400000" rotWithShape="0">
+              <a:srgbClr val="000000">
+                <a:alpha val="38000"/>
+              </a:srgbClr>
+            </a:outerShdw>
+          </a:effectLst>
+        </a:effectStyle>
+        <a:effectStyle>
+          <a:effectLst>
+            <a:outerShdw blurRad="40000" dist="23000" dir="5400000" rotWithShape="0">
+              <a:srgbClr val="000000">
+                <a:alpha val="35000"/>
+              </a:srgbClr>
+            </a:outerShdw>
+          </a:effectLst>
+        </a:effectStyle>
+        <a:effectStyle>
+          <a:effectLst>
+            <a:outerShdw blurRad="40000" dist="23000" dir="5400000" rotWithShape="0">
+              <a:srgbClr val="000000">
+                <a:alpha val="35000"/>
+              </a:srgbClr>
+            </a:outerShdw>
+          </a:effectLst>
+          <a:scene3d>
+            <a:camera prst="orthographicFront">
+              <a:rot lat="0" lon="0" rev="0"/>
+            </a:camera>
+            <a:lightRig rig="threePt" dir="t">
+              <a:rot lat="0" lon="0" rev="1200000"/>
+            </a:lightRig>
+          </a:scene3d>
+          <a:sp3d>
+            <a:bevelT w="63500" h="25400"/>
+          </a:sp3d>
+        </a:effectStyle>
+      </a:effectStyleLst>
+      <a:bgFillStyleLst>
+        <a:solidFill>
+          <a:schemeClr val="phClr"/>
+        </a:solidFill>
+        <a:gradFill rotWithShape="1">
+          <a:gsLst>
+            <a:gs pos="0">
+              <a:schemeClr val="phClr">
+                <a:tint val="40000"/>
+                <a:satMod val="350000"/>
+              </a:schemeClr>
+            </a:gs>
+            <a:gs pos="40000">
+              <a:schemeClr val="phClr">
+                <a:tint val="45000"/>
+                <a:shade val="99000"/>
+                <a:satMod val="350000"/>
+              </a:schemeClr>
+            </a:gs>
+            <a:gs pos="100000">
+              <a:schemeClr val="phClr">
+                <a:shade val="20000"/>
+                <a:satMod val="255000"/>
+              </a:schemeClr>
+            </a:gs>
+          </a:gsLst>
+          <a:path path="circle">
+            <a:fillToRect l="50000" t="-80000" r="50000" b="180000"/>
+          </a:path>
+        </a:gradFill>
+        <a:gradFill rotWithShape="1">
+          <a:gsLst>
+            <a:gs pos="0">
+              <a:schemeClr val="phClr">
+                <a:tint val="80000"/>
+                <a:satMod val="300000"/>
+              </a:schemeClr>
+            </a:gs>
+            <a:gs pos="100000">
+              <a:schemeClr val="phClr">
+                <a:shade val="30000"/>
+                <a:satMod val="200000"/>
+              </a:schemeClr>
+            </a:gs>
+          </a:gsLst>
+          <a:path path="circle">
+            <a:fillToRect l="50000" t="50000" r="50000" b="50000"/>
+          </a:path>
+        </a:gradFill>
+      </a:bgFillStyleLst>
+    </a:fmtScheme>
+  </a:themeElements>
+  <a:objectDefaults>
+    <a:spDef>
+      <a:spPr/>
+      <a:bodyPr/>
+      <a:lstStyle/>
+      <a:style>
+        <a:lnRef idx="1">
+          <a:schemeClr val="accent1"/>
+        </a:lnRef>
+        <a:fillRef idx="3">
+          <a:schemeClr val="accent1"/>
+        </a:fillRef>
+        <a:effectRef idx="2">
+          <a:schemeClr val="accent1"/>
+        </a:effectRef>
+        <a:fontRef idx="minor">
+          <a:schemeClr val="lt1"/>
+        </a:fontRef>
+      </a:style>
+    </a:spDef>
+    <a:lnDef>
+      <a:spPr/>
+      <a:bodyPr/>
+      <a:lstStyle/>
+      <a:style>
+        <a:lnRef idx="2">
+          <a:schemeClr val="accent1"/>
+        </a:lnRef>
+        <a:fillRef idx="0">
+          <a:schemeClr val="accent1"/>
+        </a:fillRef>
+        <a:effectRef idx="1">
+          <a:schemeClr val="accent1"/>
+        </a:effectRef>
+        <a:fontRef idx="minor">
+          <a:schemeClr val="tx1"/>
+        </a:fontRef>
+      </a:style>
+    </a:lnDef>
+  </a:objectDefaults>
+  <a:extraClrSchemeLst/>
+</a:theme>
 </file>
--- a/translations/en-us/RobotGame/PassiveAttachments.pptx
+++ b/translations/en-us/RobotGame/PassiveAttachments.pptx
@@ -2146,7 +2146,7 @@
           <a:noFill/>
           <a:extLst>
             <a:ext uri="{909E8E84-426E-40dd-AFC4-6F175D3DCCD1}">
-              <a14:hiddenFill xmlns:a14="http://schemas.microsoft.com/office/drawing/2010/main" xmlns="">
+              <a14:hiddenFill xmlns="" xmlns:a14="http://schemas.microsoft.com/office/drawing/2010/main">
                 <a:solidFill>
                   <a:srgbClr val="FFFFFF"/>
                 </a:solidFill>
@@ -29005,7 +29005,7 @@
             <a:pPr algn="ctr"/>
             <a:r>
               <a:rPr lang="en-US" dirty="0"/>
-              <a:t>Robot DESIGN Lesson</a:t>
+              <a:t>Passive attachments</a:t>
             </a:r>
           </a:p>
         </p:txBody>
@@ -29026,9 +29026,10 @@
           <a:lstStyle/>
           <a:p>
             <a:r>
-              <a:rPr lang="en-US" dirty="0"/>
-              <a:t>Passive Attachments</a:t>
-            </a:r>
+              <a:rPr lang="en-US"/>
+              <a:t>Seshan brothers</a:t>
+            </a:r>
+            <a:endParaRPr lang="en-US" dirty="0"/>
           </a:p>
         </p:txBody>
       </p:sp>
@@ -30514,7 +30515,7 @@
           <a:effectLst/>
           <a:extLst>
             <a:ext uri="{91240B29-F687-4f45-9708-019B960494DF}">
-              <a14:hiddenLine xmlns="" xmlns:a14="http://schemas.microsoft.com/office/drawing/2010/main" w="9525">
+              <a14:hiddenLine xmlns:a14="http://schemas.microsoft.com/office/drawing/2010/main" xmlns="" w="9525">
                 <a:solidFill>
                   <a:schemeClr val="tx1"/>
                 </a:solidFill>
@@ -30524,7 +30525,7 @@
               </a14:hiddenLine>
             </a:ext>
             <a:ext uri="{AF507438-7753-43e0-B8FC-AC1667EBCBE1}">
-              <a14:hiddenEffects xmlns="" xmlns:a14="http://schemas.microsoft.com/office/drawing/2010/main">
+              <a14:hiddenEffects xmlns:a14="http://schemas.microsoft.com/office/drawing/2010/main" xmlns="">
                 <a:effectLst>
                   <a:outerShdw dist="35921" dir="2700000" algn="ctr" rotWithShape="0">
                     <a:schemeClr val="bg2"/>
@@ -30865,7 +30866,7 @@
           <a:noFill/>
           <a:extLst>
             <a:ext uri="{909E8E84-426E-40dd-AFC4-6F175D3DCCD1}">
-              <a14:hiddenFill xmlns="" xmlns:a14="http://schemas.microsoft.com/office/drawing/2010/main">
+              <a14:hiddenFill xmlns:a14="http://schemas.microsoft.com/office/drawing/2010/main" xmlns="">
                 <a:solidFill>
                   <a:srgbClr val="FFFFFF"/>
                 </a:solidFill>

--- a/translations/en-us/RobotGame/PassiveAttachments.pptx
+++ b/translations/en-us/RobotGame/PassiveAttachments.pptx
@@ -224,7 +224,7 @@
           <a:p>
             <a:fld id="{E354B44E-40A3-0E46-B16A-9BF1250A248B}" type="datetimeFigureOut">
               <a:rPr lang="en-US" smtClean="0"/>
-              <a:t>6/11/18</a:t>
+              <a:t>5/29/23</a:t>
             </a:fld>
             <a:endParaRPr lang="en-US"/>
           </a:p>
@@ -390,7 +390,7 @@
           <a:p>
             <a:fld id="{C86AD16C-2DB4-6642-BAD4-9ED973A087A0}" type="datetimeFigureOut">
               <a:rPr lang="en-US" smtClean="0"/>
-              <a:t>6/11/18</a:t>
+              <a:t>5/29/23</a:t>
             </a:fld>
             <a:endParaRPr lang="en-US"/>
           </a:p>
@@ -933,9 +933,9 @@
           <a:bodyPr/>
           <a:lstStyle/>
           <a:p>
-            <a:fld id="{8AC2B1A7-8D25-47F8-B31B-6B1DE2DA88BF}" type="datetime1">
+            <a:fld id="{202868BE-BBB6-5449-BF34-26712A6BCB54}" type="datetime1">
               <a:rPr lang="en-US" smtClean="0"/>
-              <a:t>6/11/18</a:t>
+              <a:t>5/29/23</a:t>
             </a:fld>
             <a:endParaRPr lang="en-US"/>
           </a:p>
@@ -958,7 +958,7 @@
           <a:p>
             <a:r>
               <a:rPr lang="en-US"/>
-              <a:t>© 2018, FLL Tutorials, Last Edit 6/11/2018</a:t>
+              <a:t>© 2023, FLLTutorials.org, Last Edit 5/29/2023</a:t>
             </a:r>
           </a:p>
         </p:txBody>
@@ -1529,9 +1529,9 @@
           <a:bodyPr/>
           <a:lstStyle/>
           <a:p>
-            <a:fld id="{DBB11BCA-0EB9-4568-B6C4-A824DEA0C463}" type="datetime1">
+            <a:fld id="{2B1A6F22-2A15-DC49-B21B-44918CF3A79C}" type="datetime1">
               <a:rPr lang="en-US" smtClean="0"/>
-              <a:t>6/11/18</a:t>
+              <a:t>5/29/23</a:t>
             </a:fld>
             <a:endParaRPr lang="en-US"/>
           </a:p>
@@ -1554,7 +1554,7 @@
           <a:p>
             <a:r>
               <a:rPr lang="en-US"/>
-              <a:t>© 2018, FLL Tutorials, Last Edit 6/11/2018</a:t>
+              <a:t>© 2023, FLLTutorials.org, Last Edit 5/29/2023</a:t>
             </a:r>
           </a:p>
         </p:txBody>
@@ -1710,9 +1710,9 @@
           <a:bodyPr/>
           <a:lstStyle/>
           <a:p>
-            <a:fld id="{81072690-04D0-4CF0-9A80-8CA48CAB047D}" type="datetime1">
+            <a:fld id="{D2E03DE2-8084-514A-B663-A47BAC857658}" type="datetime1">
               <a:rPr lang="en-US" smtClean="0"/>
-              <a:t>6/11/18</a:t>
+              <a:t>5/29/23</a:t>
             </a:fld>
             <a:endParaRPr lang="en-US"/>
           </a:p>
@@ -1735,7 +1735,7 @@
           <a:p>
             <a:r>
               <a:rPr lang="en-US"/>
-              <a:t>© 2018, FLL Tutorials, Last Edit 6/11/2018</a:t>
+              <a:t>© 2023, FLLTutorials.org, Last Edit 5/29/2023</a:t>
             </a:r>
           </a:p>
         </p:txBody>
@@ -1926,9 +1926,9 @@
           <a:bodyPr/>
           <a:lstStyle/>
           <a:p>
-            <a:fld id="{2CB2AAD3-F2C3-4C6F-87BC-B2B03568310F}" type="datetime1">
+            <a:fld id="{4905A389-98CE-A846-8F62-1B3BA7F4B6BF}" type="datetime1">
               <a:rPr lang="en-US" smtClean="0"/>
-              <a:t>6/11/18</a:t>
+              <a:t>5/29/23</a:t>
             </a:fld>
             <a:endParaRPr lang="en-US"/>
           </a:p>
@@ -1956,7 +1956,7 @@
           <a:p>
             <a:r>
               <a:rPr lang="en-US"/>
-              <a:t>© 2018, FLL Tutorials, Last Edit 6/11/2018</a:t>
+              <a:t>© 2023, FLLTutorials.org, Last Edit 5/29/2023</a:t>
             </a:r>
           </a:p>
         </p:txBody>
@@ -2146,7 +2146,7 @@
           <a:noFill/>
           <a:extLst>
             <a:ext uri="{909E8E84-426E-40dd-AFC4-6F175D3DCCD1}">
-              <a14:hiddenFill xmlns="" xmlns:a14="http://schemas.microsoft.com/office/drawing/2010/main">
+              <a14:hiddenFill xmlns:a14="http://schemas.microsoft.com/office/drawing/2010/main" xmlns="">
                 <a:solidFill>
                   <a:srgbClr val="FFFFFF"/>
                 </a:solidFill>
@@ -2770,9 +2770,9 @@
           <a:bodyPr/>
           <a:lstStyle/>
           <a:p>
-            <a:fld id="{516BAE2A-1987-4D97-B2F8-399D308130F7}" type="datetime1">
+            <a:fld id="{22594E9C-A75A-1543-A180-D135ACCD1463}" type="datetime1">
               <a:rPr lang="en-US" smtClean="0"/>
-              <a:t>6/11/18</a:t>
+              <a:t>5/29/23</a:t>
             </a:fld>
             <a:endParaRPr lang="en-US"/>
           </a:p>
@@ -2795,7 +2795,7 @@
           <a:p>
             <a:r>
               <a:rPr lang="en-US"/>
-              <a:t>© 2018, FLL Tutorials, Last Edit 6/11/2018</a:t>
+              <a:t>© 2023, FLLTutorials.org, Last Edit 5/29/2023</a:t>
             </a:r>
           </a:p>
         </p:txBody>
@@ -3035,9 +3035,9 @@
           <a:bodyPr/>
           <a:lstStyle/>
           <a:p>
-            <a:fld id="{A807470A-C826-410D-B2C5-C09B63E0195A}" type="datetime1">
+            <a:fld id="{E2269091-FC1D-F048-A31D-FF158C3CD772}" type="datetime1">
               <a:rPr lang="en-US" smtClean="0"/>
-              <a:t>6/11/18</a:t>
+              <a:t>5/29/23</a:t>
             </a:fld>
             <a:endParaRPr lang="en-US"/>
           </a:p>
@@ -3091,7 +3091,7 @@
           <a:p>
             <a:r>
               <a:rPr lang="en-US"/>
-              <a:t>© 2018, FLL Tutorials, Last Edit 6/11/2018</a:t>
+              <a:t>© 2023, FLLTutorials.org, Last Edit 5/29/2023</a:t>
             </a:r>
           </a:p>
         </p:txBody>
@@ -3338,9 +3338,9 @@
           <a:bodyPr/>
           <a:lstStyle/>
           <a:p>
-            <a:fld id="{E9EFFC39-F66C-4465-B0C7-8736EF34DB40}" type="datetime1">
+            <a:fld id="{C042106A-C544-814F-A59D-7E8E8C226FA5}" type="datetime1">
               <a:rPr lang="en-US" smtClean="0"/>
-              <a:t>6/11/18</a:t>
+              <a:t>5/29/23</a:t>
             </a:fld>
             <a:endParaRPr lang="en-US"/>
           </a:p>
@@ -3363,7 +3363,7 @@
           <a:p>
             <a:r>
               <a:rPr lang="en-US"/>
-              <a:t>© 2018, FLL Tutorials, Last Edit 6/11/2018</a:t>
+              <a:t>© 2023, FLLTutorials.org, Last Edit 5/29/2023</a:t>
             </a:r>
           </a:p>
         </p:txBody>
@@ -3792,9 +3792,9 @@
           <a:bodyPr/>
           <a:lstStyle/>
           <a:p>
-            <a:fld id="{DD243B61-3F3C-48D0-A6B4-835CE7B5E608}" type="datetime1">
+            <a:fld id="{2E46166B-84E2-6B41-8825-F5F76AEA7E9B}" type="datetime1">
               <a:rPr lang="en-US" smtClean="0"/>
-              <a:t>6/11/18</a:t>
+              <a:t>5/29/23</a:t>
             </a:fld>
             <a:endParaRPr lang="en-US"/>
           </a:p>
@@ -3817,7 +3817,7 @@
           <a:p>
             <a:r>
               <a:rPr lang="en-US"/>
-              <a:t>© 2018, FLL Tutorials, Last Edit 6/11/2018</a:t>
+              <a:t>© 2023, FLLTutorials.org, Last Edit 5/29/2023</a:t>
             </a:r>
           </a:p>
         </p:txBody>
@@ -3920,9 +3920,9 @@
           <a:bodyPr/>
           <a:lstStyle/>
           <a:p>
-            <a:fld id="{C00E1DF0-3146-4CA8-B441-8D902AB3FF9B}" type="datetime1">
+            <a:fld id="{6B4B9024-3688-B54B-9232-F4ED7F804F36}" type="datetime1">
               <a:rPr lang="en-US" smtClean="0"/>
-              <a:t>6/11/18</a:t>
+              <a:t>5/29/23</a:t>
             </a:fld>
             <a:endParaRPr lang="en-US"/>
           </a:p>
@@ -3945,7 +3945,7 @@
           <a:p>
             <a:r>
               <a:rPr lang="en-US"/>
-              <a:t>© 2018, FLL Tutorials, Last Edit 6/11/2018</a:t>
+              <a:t>© 2023, FLLTutorials.org, Last Edit 5/29/2023</a:t>
             </a:r>
           </a:p>
         </p:txBody>
@@ -4026,9 +4026,9 @@
           <a:bodyPr/>
           <a:lstStyle/>
           <a:p>
-            <a:fld id="{80438CCA-EB27-45D0-9CAF-6A70D9D2B93C}" type="datetime1">
+            <a:fld id="{3768A23B-6CF7-3446-9396-843944781320}" type="datetime1">
               <a:rPr lang="en-US" smtClean="0"/>
-              <a:t>6/11/18</a:t>
+              <a:t>5/29/23</a:t>
             </a:fld>
             <a:endParaRPr lang="en-US"/>
           </a:p>
@@ -4051,7 +4051,7 @@
           <a:p>
             <a:r>
               <a:rPr lang="en-US"/>
-              <a:t>© 2018, FLL Tutorials, Last Edit 6/11/2018</a:t>
+              <a:t>© 2023, FLLTutorials.org, Last Edit 5/29/2023</a:t>
             </a:r>
           </a:p>
         </p:txBody>
@@ -4284,9 +4284,9 @@
           <a:bodyPr/>
           <a:lstStyle/>
           <a:p>
-            <a:fld id="{DB5FEA89-3C32-491F-89B6-4831265393FB}" type="datetime1">
+            <a:fld id="{955A3EAD-F169-7C47-BA96-EDCF449AEAE1}" type="datetime1">
               <a:rPr lang="en-US" smtClean="0"/>
-              <a:t>6/11/18</a:t>
+              <a:t>5/29/23</a:t>
             </a:fld>
             <a:endParaRPr lang="en-US"/>
           </a:p>
@@ -4309,7 +4309,7 @@
           <a:p>
             <a:r>
               <a:rPr lang="en-US"/>
-              <a:t>© 2018, FLL Tutorials, Last Edit 6/11/2018</a:t>
+              <a:t>© 2023, FLLTutorials.org, Last Edit 5/29/2023</a:t>
             </a:r>
           </a:p>
         </p:txBody>
@@ -4496,9 +4496,9 @@
           <a:bodyPr/>
           <a:lstStyle/>
           <a:p>
-            <a:fld id="{2B7190E9-60F6-4AAB-B784-CB98BA3EE24A}" type="datetime1">
+            <a:fld id="{109FA163-1889-BA42-9CBB-D4779333161A}" type="datetime1">
               <a:rPr lang="en-US" smtClean="0"/>
-              <a:t>6/11/18</a:t>
+              <a:t>5/29/23</a:t>
             </a:fld>
             <a:endParaRPr lang="en-US"/>
           </a:p>
@@ -4521,7 +4521,7 @@
           <a:p>
             <a:r>
               <a:rPr lang="en-US"/>
-              <a:t>© 2018, FLL Tutorials, Last Edit 6/11/2018</a:t>
+              <a:t>© 2023, FLLTutorials.org, Last Edit 5/29/2023</a:t>
             </a:r>
           </a:p>
         </p:txBody>
@@ -4779,9 +4779,9 @@
           <a:bodyPr/>
           <a:lstStyle/>
           <a:p>
-            <a:fld id="{C83E2DCB-EADD-4987-A123-F1E2AC94487E}" type="datetime1">
+            <a:fld id="{3A4E5D18-0556-A840-BE11-E75F5042E66D}" type="datetime1">
               <a:rPr lang="en-US" smtClean="0"/>
-              <a:t>6/11/18</a:t>
+              <a:t>5/29/23</a:t>
             </a:fld>
             <a:endParaRPr lang="en-US"/>
           </a:p>
@@ -4804,7 +4804,7 @@
           <a:p>
             <a:r>
               <a:rPr lang="en-US"/>
-              <a:t>© 2018, FLL Tutorials, Last Edit 6/11/2018</a:t>
+              <a:t>© 2023, FLLTutorials.org, Last Edit 5/29/2023</a:t>
             </a:r>
           </a:p>
         </p:txBody>
@@ -5046,9 +5046,9 @@
           <a:bodyPr/>
           <a:lstStyle/>
           <a:p>
-            <a:fld id="{9F635FE8-4161-4328-A3B3-8682AC3276E0}" type="datetime1">
+            <a:fld id="{86DC0750-1F4B-684A-9E92-A0C5142A0544}" type="datetime1">
               <a:rPr lang="en-US" smtClean="0"/>
-              <a:t>6/11/18</a:t>
+              <a:t>5/29/23</a:t>
             </a:fld>
             <a:endParaRPr lang="en-US"/>
           </a:p>
@@ -5071,7 +5071,7 @@
           <a:p>
             <a:r>
               <a:rPr lang="en-US"/>
-              <a:t>© 2018, FLL Tutorials, Last Edit 6/11/2018</a:t>
+              <a:t>© 2023, FLLTutorials.org, Last Edit 5/29/2023</a:t>
             </a:r>
           </a:p>
         </p:txBody>
@@ -5235,9 +5235,9 @@
           <a:bodyPr/>
           <a:lstStyle/>
           <a:p>
-            <a:fld id="{34CC05F1-F05E-4552-BB1F-E0E1416B7AF7}" type="datetime1">
+            <a:fld id="{62902ECA-58D3-4B44-A27A-D43BCDF3B74B}" type="datetime1">
               <a:rPr lang="en-US" smtClean="0"/>
-              <a:t>6/11/18</a:t>
+              <a:t>5/29/23</a:t>
             </a:fld>
             <a:endParaRPr lang="en-US"/>
           </a:p>
@@ -5260,7 +5260,7 @@
           <a:p>
             <a:r>
               <a:rPr lang="en-US"/>
-              <a:t>© 2018, FLL Tutorials, Last Edit 6/11/2018</a:t>
+              <a:t>© 2023, FLLTutorials.org, Last Edit 5/29/2023</a:t>
             </a:r>
           </a:p>
         </p:txBody>
@@ -5436,9 +5436,9 @@
           <a:bodyPr/>
           <a:lstStyle/>
           <a:p>
-            <a:fld id="{767455D3-488F-4B21-821D-372DEB0491D8}" type="datetime1">
+            <a:fld id="{C9EED5B5-11AD-EE40-944E-D1B1A1466728}" type="datetime1">
               <a:rPr lang="en-US" smtClean="0"/>
-              <a:t>6/11/18</a:t>
+              <a:t>5/29/23</a:t>
             </a:fld>
             <a:endParaRPr lang="en-US"/>
           </a:p>
@@ -5461,7 +5461,7 @@
           <a:p>
             <a:r>
               <a:rPr lang="en-US"/>
-              <a:t>© 2018, FLL Tutorials, Last Edit 6/11/2018</a:t>
+              <a:t>© 2023, FLLTutorials.org, Last Edit 5/29/2023</a:t>
             </a:r>
           </a:p>
         </p:txBody>
@@ -5607,9 +5607,9 @@
           <a:bodyPr/>
           <a:lstStyle/>
           <a:p>
-            <a:fld id="{3D32E95F-152A-4DDC-957A-61F87F27D0D3}" type="datetime1">
+            <a:fld id="{0CEA180A-4C0F-1E43-B241-FE47D32B776A}" type="datetime1">
               <a:rPr lang="en-US" smtClean="0"/>
-              <a:t>6/11/18</a:t>
+              <a:t>5/29/23</a:t>
             </a:fld>
             <a:endParaRPr lang="en-US"/>
           </a:p>
@@ -5632,7 +5632,7 @@
           <a:p>
             <a:r>
               <a:rPr lang="en-US"/>
-              <a:t>© 2018, FLL Tutorials, Last Edit 6/11/2018</a:t>
+              <a:t>© 2023, FLLTutorials.org, Last Edit 5/29/2023</a:t>
             </a:r>
           </a:p>
         </p:txBody>
@@ -5855,9 +5855,9 @@
           <a:bodyPr/>
           <a:lstStyle/>
           <a:p>
-            <a:fld id="{889A5211-C11D-461C-A050-C1C3D2E14D67}" type="datetime1">
+            <a:fld id="{7A9CFC15-135C-3841-A89E-C805FDC0F643}" type="datetime1">
               <a:rPr lang="en-US" smtClean="0"/>
-              <a:t>6/11/18</a:t>
+              <a:t>5/29/23</a:t>
             </a:fld>
             <a:endParaRPr lang="en-US"/>
           </a:p>
@@ -5880,7 +5880,7 @@
           <a:p>
             <a:r>
               <a:rPr lang="en-US"/>
-              <a:t>© 2018, FLL Tutorials, Last Edit 6/11/2018</a:t>
+              <a:t>© 2023, FLLTutorials.org, Last Edit 5/29/2023</a:t>
             </a:r>
           </a:p>
         </p:txBody>
@@ -6087,9 +6087,9 @@
           <a:bodyPr/>
           <a:lstStyle/>
           <a:p>
-            <a:fld id="{10FD23B2-7855-44FC-8B26-44C97CA1E1B6}" type="datetime1">
+            <a:fld id="{D7D89F0C-977D-1740-8ED0-5A46C65A3F0C}" type="datetime1">
               <a:rPr lang="en-US" smtClean="0"/>
-              <a:t>6/11/18</a:t>
+              <a:t>5/29/23</a:t>
             </a:fld>
             <a:endParaRPr lang="en-US"/>
           </a:p>
@@ -6112,7 +6112,7 @@
           <a:p>
             <a:r>
               <a:rPr lang="en-US"/>
-              <a:t>© 2018, FLL Tutorials, Last Edit 6/11/2018</a:t>
+              <a:t>© 2023, FLLTutorials.org, Last Edit 5/29/2023</a:t>
             </a:r>
           </a:p>
         </p:txBody>
@@ -6454,9 +6454,9 @@
           <a:bodyPr/>
           <a:lstStyle/>
           <a:p>
-            <a:fld id="{B8E4C9D0-6C20-4B7E-9964-1F0FDEE4D3DD}" type="datetime1">
+            <a:fld id="{DBD89255-AB65-D547-96C2-2907B06359DE}" type="datetime1">
               <a:rPr lang="en-US" smtClean="0"/>
-              <a:t>6/11/18</a:t>
+              <a:t>5/29/23</a:t>
             </a:fld>
             <a:endParaRPr lang="en-US"/>
           </a:p>
@@ -6479,7 +6479,7 @@
           <a:p>
             <a:r>
               <a:rPr lang="en-US"/>
-              <a:t>© 2018, FLL Tutorials, Last Edit 6/11/2018</a:t>
+              <a:t>© 2023, FLLTutorials.org, Last Edit 5/29/2023</a:t>
             </a:r>
           </a:p>
         </p:txBody>
@@ -6574,9 +6574,9 @@
           <a:bodyPr/>
           <a:lstStyle/>
           <a:p>
-            <a:fld id="{AE92FC9D-4C2C-4198-85FB-B7956CFE64B7}" type="datetime1">
+            <a:fld id="{861A0430-1DF4-3E43-B8DB-0FEC55D39986}" type="datetime1">
               <a:rPr lang="en-US" smtClean="0"/>
-              <a:t>6/11/18</a:t>
+              <a:t>5/29/23</a:t>
             </a:fld>
             <a:endParaRPr lang="en-US"/>
           </a:p>
@@ -6599,7 +6599,7 @@
           <a:p>
             <a:r>
               <a:rPr lang="en-US"/>
-              <a:t>© 2018, FLL Tutorials, Last Edit 6/11/2018</a:t>
+              <a:t>© 2023, FLLTutorials.org, Last Edit 5/29/2023</a:t>
             </a:r>
           </a:p>
         </p:txBody>
@@ -6672,9 +6672,9 @@
           <a:bodyPr/>
           <a:lstStyle/>
           <a:p>
-            <a:fld id="{DE1A1D8F-738D-413B-8C2D-0C3ECEED58D0}" type="datetime1">
+            <a:fld id="{84FA9E4D-4CD2-044A-8DCC-8C511A98BD50}" type="datetime1">
               <a:rPr lang="en-US" smtClean="0"/>
-              <a:t>6/11/18</a:t>
+              <a:t>5/29/23</a:t>
             </a:fld>
             <a:endParaRPr lang="en-US"/>
           </a:p>
@@ -6697,7 +6697,7 @@
           <a:p>
             <a:r>
               <a:rPr lang="en-US"/>
-              <a:t>© 2018, FLL Tutorials, Last Edit 6/11/2018</a:t>
+              <a:t>© 2023, FLLTutorials.org, Last Edit 5/29/2023</a:t>
             </a:r>
           </a:p>
         </p:txBody>
@@ -6929,9 +6929,9 @@
           <a:bodyPr/>
           <a:lstStyle/>
           <a:p>
-            <a:fld id="{FD177078-61B9-4E7A-B2E1-FABDA1629A68}" type="datetime1">
+            <a:fld id="{688C936A-FFC6-924F-B38F-E28BBE8618F5}" type="datetime1">
               <a:rPr lang="en-US" smtClean="0"/>
-              <a:t>6/11/18</a:t>
+              <a:t>5/29/23</a:t>
             </a:fld>
             <a:endParaRPr lang="en-US"/>
           </a:p>
@@ -6977,7 +6977,7 @@
           <a:p>
             <a:r>
               <a:rPr lang="en-US"/>
-              <a:t>© 2018, FLL Tutorials, Last Edit 6/11/2018</a:t>
+              <a:t>© 2023, FLLTutorials.org, Last Edit 5/29/2023</a:t>
             </a:r>
           </a:p>
         </p:txBody>
@@ -7207,9 +7207,9 @@
           <a:bodyPr/>
           <a:lstStyle/>
           <a:p>
-            <a:fld id="{429B1552-DB47-414C-94AE-3D8B87A8A3DD}" type="datetime1">
+            <a:fld id="{BA724174-67CE-0149-8554-21439F452444}" type="datetime1">
               <a:rPr lang="en-US" smtClean="0"/>
-              <a:t>6/11/18</a:t>
+              <a:t>5/29/23</a:t>
             </a:fld>
             <a:endParaRPr lang="en-US"/>
           </a:p>
@@ -7232,7 +7232,7 @@
           <a:p>
             <a:r>
               <a:rPr lang="en-US"/>
-              <a:t>© 2018, FLL Tutorials, Last Edit 6/11/2018</a:t>
+              <a:t>© 2023, FLLTutorials.org, Last Edit 5/29/2023</a:t>
             </a:r>
           </a:p>
         </p:txBody>
@@ -7465,9 +7465,9 @@
           <a:bodyPr/>
           <a:lstStyle/>
           <a:p>
-            <a:fld id="{31D7A12F-6387-4CBC-B80C-E752019D5339}" type="datetime1">
+            <a:fld id="{1ADD92F9-D514-AA43-864F-7FED8EBBDF00}" type="datetime1">
               <a:rPr lang="en-US" smtClean="0"/>
-              <a:t>6/11/18</a:t>
+              <a:t>5/29/23</a:t>
             </a:fld>
             <a:endParaRPr lang="en-US"/>
           </a:p>
@@ -7490,7 +7490,7 @@
           <a:p>
             <a:r>
               <a:rPr lang="en-US"/>
-              <a:t>© 2018, FLL Tutorials, Last Edit 6/11/2018</a:t>
+              <a:t>© 2023, FLLTutorials.org, Last Edit 5/29/2023</a:t>
             </a:r>
           </a:p>
         </p:txBody>
@@ -7636,9 +7636,9 @@
           <a:bodyPr/>
           <a:lstStyle/>
           <a:p>
-            <a:fld id="{431F54EF-77F2-4BBE-9A6D-F01712C4CFEE}" type="datetime1">
+            <a:fld id="{38998ED6-FEFC-D64D-B3CD-0ADCF83D3B98}" type="datetime1">
               <a:rPr lang="en-US" smtClean="0"/>
-              <a:t>6/11/18</a:t>
+              <a:t>5/29/23</a:t>
             </a:fld>
             <a:endParaRPr lang="en-US"/>
           </a:p>
@@ -7661,7 +7661,7 @@
           <a:p>
             <a:r>
               <a:rPr lang="en-US"/>
-              <a:t>© 2018, FLL Tutorials, Last Edit 6/11/2018</a:t>
+              <a:t>© 2023, FLLTutorials.org, Last Edit 5/29/2023</a:t>
             </a:r>
           </a:p>
         </p:txBody>
@@ -7817,9 +7817,9 @@
           <a:bodyPr/>
           <a:lstStyle/>
           <a:p>
-            <a:fld id="{15B699D4-633E-4E34-A973-408A512123D4}" type="datetime1">
+            <a:fld id="{067A51A0-E8AA-1B47-B039-466A9CC59132}" type="datetime1">
               <a:rPr lang="en-US" smtClean="0"/>
-              <a:t>6/11/18</a:t>
+              <a:t>5/29/23</a:t>
             </a:fld>
             <a:endParaRPr lang="en-US"/>
           </a:p>
@@ -7842,7 +7842,7 @@
           <a:p>
             <a:r>
               <a:rPr lang="en-US"/>
-              <a:t>© 2018, FLL Tutorials, Last Edit 6/11/2018</a:t>
+              <a:t>© 2023, FLLTutorials.org, Last Edit 5/29/2023</a:t>
             </a:r>
           </a:p>
         </p:txBody>
@@ -8074,9 +8074,9 @@
           <a:bodyPr/>
           <a:lstStyle/>
           <a:p>
-            <a:fld id="{5F7BFD5E-64D2-4439-B925-61BD985D8699}" type="datetime1">
+            <a:fld id="{43845B31-B037-5840-9BAD-2390F7FD32A7}" type="datetime1">
               <a:rPr lang="en-US" smtClean="0"/>
-              <a:t>6/11/18</a:t>
+              <a:t>5/29/23</a:t>
             </a:fld>
             <a:endParaRPr lang="en-US"/>
           </a:p>
@@ -8099,7 +8099,7 @@
           <a:p>
             <a:r>
               <a:rPr lang="en-US"/>
-              <a:t>© 2018, FLL Tutorials, Last Edit 6/11/2018</a:t>
+              <a:t>© 2023, FLLTutorials.org, Last Edit 5/29/2023</a:t>
             </a:r>
           </a:p>
         </p:txBody>
@@ -9098,9 +9098,9 @@
           <a:bodyPr/>
           <a:lstStyle/>
           <a:p>
-            <a:fld id="{0295B3B1-CBAC-4838-B69A-9F18585DB8C1}" type="datetime1">
+            <a:fld id="{B5E77457-4024-7A44-8E9F-BEE0EAE23ABE}" type="datetime1">
               <a:rPr lang="en-US" smtClean="0"/>
-              <a:t>6/11/18</a:t>
+              <a:t>5/29/23</a:t>
             </a:fld>
             <a:endParaRPr lang="en-US"/>
           </a:p>
@@ -9123,7 +9123,7 @@
           <a:p>
             <a:r>
               <a:rPr lang="en-US"/>
-              <a:t>© 2018, FLL Tutorials, Last Edit 6/11/2018</a:t>
+              <a:t>© 2023, FLLTutorials.org, Last Edit 5/29/2023</a:t>
             </a:r>
           </a:p>
         </p:txBody>
@@ -9360,9 +9360,9 @@
           <a:bodyPr/>
           <a:lstStyle/>
           <a:p>
-            <a:fld id="{663A9006-8D57-4BBF-88AB-57DF53836874}" type="datetime1">
+            <a:fld id="{8CBDD6A2-EDEE-7F40-914E-95888D843F90}" type="datetime1">
               <a:rPr lang="en-US" smtClean="0"/>
-              <a:t>6/11/18</a:t>
+              <a:t>5/29/23</a:t>
             </a:fld>
             <a:endParaRPr lang="en-US"/>
           </a:p>
@@ -9408,7 +9408,7 @@
           <a:p>
             <a:r>
               <a:rPr lang="en-US"/>
-              <a:t>© 2018, FLL Tutorials, Last Edit 6/11/2018</a:t>
+              <a:t>© 2023, FLLTutorials.org, Last Edit 5/29/2023</a:t>
             </a:r>
           </a:p>
         </p:txBody>
@@ -9655,9 +9655,9 @@
           <a:bodyPr/>
           <a:lstStyle/>
           <a:p>
-            <a:fld id="{8D4F1622-9BA6-4622-987B-8E3FA47CCB61}" type="datetime1">
+            <a:fld id="{2FEA588B-39FF-244E-8FF7-217C14FEA589}" type="datetime1">
               <a:rPr lang="en-US" smtClean="0"/>
-              <a:t>6/11/18</a:t>
+              <a:t>5/29/23</a:t>
             </a:fld>
             <a:endParaRPr lang="en-US"/>
           </a:p>
@@ -9680,7 +9680,7 @@
           <a:p>
             <a:r>
               <a:rPr lang="en-US"/>
-              <a:t>© 2018, FLL Tutorials, Last Edit 6/11/2018</a:t>
+              <a:t>© 2023, FLLTutorials.org, Last Edit 5/29/2023</a:t>
             </a:r>
           </a:p>
         </p:txBody>
@@ -10101,9 +10101,9 @@
           <a:bodyPr/>
           <a:lstStyle/>
           <a:p>
-            <a:fld id="{65CF207C-7E10-4632-A69E-9E47825D48F1}" type="datetime1">
+            <a:fld id="{2FC0281F-1624-A446-93F0-471B33CD5335}" type="datetime1">
               <a:rPr lang="en-US" smtClean="0"/>
-              <a:t>6/11/18</a:t>
+              <a:t>5/29/23</a:t>
             </a:fld>
             <a:endParaRPr lang="en-US"/>
           </a:p>
@@ -10126,7 +10126,7 @@
           <a:p>
             <a:r>
               <a:rPr lang="en-US"/>
-              <a:t>© 2018, FLL Tutorials, Last Edit 6/11/2018</a:t>
+              <a:t>© 2023, FLLTutorials.org, Last Edit 5/29/2023</a:t>
             </a:r>
           </a:p>
         </p:txBody>
@@ -10221,9 +10221,9 @@
           <a:bodyPr/>
           <a:lstStyle/>
           <a:p>
-            <a:fld id="{0EBB65FE-AA22-413E-95E1-49DE6C2E3E5B}" type="datetime1">
+            <a:fld id="{60C152B1-9DB4-BB4E-9D62-83425ECC146D}" type="datetime1">
               <a:rPr lang="en-US" smtClean="0"/>
-              <a:t>6/11/18</a:t>
+              <a:t>5/29/23</a:t>
             </a:fld>
             <a:endParaRPr lang="en-US"/>
           </a:p>
@@ -10246,7 +10246,7 @@
           <a:p>
             <a:r>
               <a:rPr lang="en-US"/>
-              <a:t>© 2018, FLL Tutorials, Last Edit 6/11/2018</a:t>
+              <a:t>© 2023, FLLTutorials.org, Last Edit 5/29/2023</a:t>
             </a:r>
           </a:p>
         </p:txBody>
@@ -10515,9 +10515,9 @@
           <a:bodyPr/>
           <a:lstStyle/>
           <a:p>
-            <a:fld id="{18A8C887-9769-4795-919E-74E7245C8E9D}" type="datetime1">
+            <a:fld id="{D33A89DF-D00D-5248-AC3E-D1729872DC18}" type="datetime1">
               <a:rPr lang="en-US" smtClean="0"/>
-              <a:t>6/11/18</a:t>
+              <a:t>5/29/23</a:t>
             </a:fld>
             <a:endParaRPr lang="en-US"/>
           </a:p>
@@ -10540,7 +10540,7 @@
           <a:p>
             <a:r>
               <a:rPr lang="en-US"/>
-              <a:t>© 2018, FLL Tutorials, Last Edit 6/11/2018</a:t>
+              <a:t>© 2023, FLLTutorials.org, Last Edit 5/29/2023</a:t>
             </a:r>
           </a:p>
         </p:txBody>
@@ -10613,9 +10613,9 @@
           <a:bodyPr/>
           <a:lstStyle/>
           <a:p>
-            <a:fld id="{42E6C8FE-2EE9-4200-8764-67DE22303A24}" type="datetime1">
+            <a:fld id="{15D19582-CD38-A748-A87D-8F7591DC5101}" type="datetime1">
               <a:rPr lang="en-US" smtClean="0"/>
-              <a:t>6/11/18</a:t>
+              <a:t>5/29/23</a:t>
             </a:fld>
             <a:endParaRPr lang="en-US"/>
           </a:p>
@@ -10638,7 +10638,7 @@
           <a:p>
             <a:r>
               <a:rPr lang="en-US"/>
-              <a:t>© 2018, FLL Tutorials, Last Edit 6/11/2018</a:t>
+              <a:t>© 2023, FLLTutorials.org, Last Edit 5/29/2023</a:t>
             </a:r>
           </a:p>
         </p:txBody>
@@ -10863,9 +10863,9 @@
           <a:bodyPr/>
           <a:lstStyle/>
           <a:p>
-            <a:fld id="{2DBC0EB7-3602-4FDA-A80A-81BF9E69CC9D}" type="datetime1">
+            <a:fld id="{EC76C92B-EA7A-9848-9655-F9CAD81DE65F}" type="datetime1">
               <a:rPr lang="en-US" smtClean="0"/>
-              <a:t>6/11/18</a:t>
+              <a:t>5/29/23</a:t>
             </a:fld>
             <a:endParaRPr lang="en-US"/>
           </a:p>
@@ -10888,7 +10888,7 @@
           <a:p>
             <a:r>
               <a:rPr lang="en-US"/>
-              <a:t>© 2018, FLL Tutorials, Last Edit 6/11/2018</a:t>
+              <a:t>© 2023, FLLTutorials.org, Last Edit 5/29/2023</a:t>
             </a:r>
           </a:p>
         </p:txBody>
@@ -11163,9 +11163,9 @@
           <a:bodyPr/>
           <a:lstStyle/>
           <a:p>
-            <a:fld id="{E634A7CE-793C-40FD-8A3D-8820366CD833}" type="datetime1">
+            <a:fld id="{4FC8F1D6-D5BB-1140-B40F-A3B9810C8091}" type="datetime1">
               <a:rPr lang="en-US" smtClean="0"/>
-              <a:t>6/11/18</a:t>
+              <a:t>5/29/23</a:t>
             </a:fld>
             <a:endParaRPr lang="en-US"/>
           </a:p>
@@ -11188,7 +11188,7 @@
           <a:p>
             <a:r>
               <a:rPr lang="en-US"/>
-              <a:t>© 2018, FLL Tutorials, Last Edit 6/11/2018</a:t>
+              <a:t>© 2023, FLLTutorials.org, Last Edit 5/29/2023</a:t>
             </a:r>
           </a:p>
         </p:txBody>
@@ -11422,9 +11422,9 @@
           <a:bodyPr/>
           <a:lstStyle/>
           <a:p>
-            <a:fld id="{4F33BF73-2F9C-4902-B07F-ABF99B0D1BB5}" type="datetime1">
+            <a:fld id="{230F38F0-652D-C34B-9A6A-F92B56D632AA}" type="datetime1">
               <a:rPr lang="en-US" smtClean="0"/>
-              <a:t>6/11/18</a:t>
+              <a:t>5/29/23</a:t>
             </a:fld>
             <a:endParaRPr lang="en-US"/>
           </a:p>
@@ -11447,7 +11447,7 @@
           <a:p>
             <a:r>
               <a:rPr lang="en-US"/>
-              <a:t>© 2018, FLL Tutorials, Last Edit 6/11/2018</a:t>
+              <a:t>© 2023, FLLTutorials.org, Last Edit 5/29/2023</a:t>
             </a:r>
           </a:p>
         </p:txBody>
@@ -11603,9 +11603,9 @@
           <a:bodyPr/>
           <a:lstStyle/>
           <a:p>
-            <a:fld id="{784CE993-7E57-418F-A1B3-C3F256D87FCE}" type="datetime1">
+            <a:fld id="{5C4EFB65-43E0-9A49-91A9-BC8ED3797096}" type="datetime1">
               <a:rPr lang="en-US" smtClean="0"/>
-              <a:t>6/11/18</a:t>
+              <a:t>5/29/23</a:t>
             </a:fld>
             <a:endParaRPr lang="en-US"/>
           </a:p>
@@ -11628,7 +11628,7 @@
           <a:p>
             <a:r>
               <a:rPr lang="en-US"/>
-              <a:t>© 2018, FLL Tutorials, Last Edit 6/11/2018</a:t>
+              <a:t>© 2023, FLLTutorials.org, Last Edit 5/29/2023</a:t>
             </a:r>
           </a:p>
         </p:txBody>
@@ -11819,9 +11819,9 @@
           <a:bodyPr/>
           <a:lstStyle/>
           <a:p>
-            <a:fld id="{13F17F39-73E7-45A2-9894-DC41E34B6475}" type="datetime1">
+            <a:fld id="{E8BE2CD7-8EF5-BE40-B9C1-0B035C3C1566}" type="datetime1">
               <a:rPr lang="en-US" smtClean="0"/>
-              <a:t>6/11/18</a:t>
+              <a:t>5/29/23</a:t>
             </a:fld>
             <a:endParaRPr lang="en-US"/>
           </a:p>
@@ -11849,7 +11849,7 @@
           <a:p>
             <a:r>
               <a:rPr lang="en-US"/>
-              <a:t>© 2018, FLL Tutorials, Last Edit 6/11/2018</a:t>
+              <a:t>© 2023, FLLTutorials.org, Last Edit 5/29/2023</a:t>
             </a:r>
           </a:p>
         </p:txBody>
@@ -13075,9 +13075,9 @@
           <a:bodyPr/>
           <a:lstStyle/>
           <a:p>
-            <a:fld id="{3210A3E2-9922-4669-A092-74830C7CD743}" type="datetime1">
+            <a:fld id="{BA3F1E02-9223-5446-A66F-C0608C08CFB8}" type="datetime1">
               <a:rPr lang="en-US" smtClean="0"/>
-              <a:t>6/11/18</a:t>
+              <a:t>5/29/23</a:t>
             </a:fld>
             <a:endParaRPr lang="en-US"/>
           </a:p>
@@ -13100,7 +13100,7 @@
           <a:p>
             <a:r>
               <a:rPr lang="en-US"/>
-              <a:t>© 2018, FLL Tutorials, Last Edit 6/11/2018</a:t>
+              <a:t>© 2023, FLLTutorials.org, Last Edit 5/29/2023</a:t>
             </a:r>
           </a:p>
         </p:txBody>
@@ -13340,9 +13340,9 @@
           <a:bodyPr/>
           <a:lstStyle/>
           <a:p>
-            <a:fld id="{BFD481AC-959B-4A6A-B562-172A9EC0F718}" type="datetime1">
+            <a:fld id="{DBA604A6-6D37-5449-B78F-9E803310E020}" type="datetime1">
               <a:rPr lang="en-US" smtClean="0"/>
-              <a:t>6/11/18</a:t>
+              <a:t>5/29/23</a:t>
             </a:fld>
             <a:endParaRPr lang="en-US"/>
           </a:p>
@@ -13396,7 +13396,7 @@
           <a:p>
             <a:r>
               <a:rPr lang="en-US"/>
-              <a:t>© 2018, FLL Tutorials, Last Edit 6/11/2018</a:t>
+              <a:t>© 2023, FLLTutorials.org, Last Edit 5/29/2023</a:t>
             </a:r>
           </a:p>
         </p:txBody>
@@ -13643,9 +13643,9 @@
           <a:bodyPr/>
           <a:lstStyle/>
           <a:p>
-            <a:fld id="{710D56DC-7ED3-4F85-B7F8-46E7260D8B02}" type="datetime1">
+            <a:fld id="{40E77A9E-9C92-AB43-BD76-692A29FAB8CE}" type="datetime1">
               <a:rPr lang="en-US" smtClean="0"/>
-              <a:t>6/11/18</a:t>
+              <a:t>5/29/23</a:t>
             </a:fld>
             <a:endParaRPr lang="en-US"/>
           </a:p>
@@ -13668,7 +13668,7 @@
           <a:p>
             <a:r>
               <a:rPr lang="en-US"/>
-              <a:t>© 2018, FLL Tutorials, Last Edit 6/11/2018</a:t>
+              <a:t>© 2023, FLLTutorials.org, Last Edit 5/29/2023</a:t>
             </a:r>
           </a:p>
         </p:txBody>
@@ -14097,9 +14097,9 @@
           <a:bodyPr/>
           <a:lstStyle/>
           <a:p>
-            <a:fld id="{21DF5635-8658-4C2B-A038-9FA906D9BFE7}" type="datetime1">
+            <a:fld id="{54B61BF3-CDCE-F941-9785-EF3C7C6E12ED}" type="datetime1">
               <a:rPr lang="en-US" smtClean="0"/>
-              <a:t>6/11/18</a:t>
+              <a:t>5/29/23</a:t>
             </a:fld>
             <a:endParaRPr lang="en-US"/>
           </a:p>
@@ -14122,7 +14122,7 @@
           <a:p>
             <a:r>
               <a:rPr lang="en-US"/>
-              <a:t>© 2018, FLL Tutorials, Last Edit 6/11/2018</a:t>
+              <a:t>© 2023, FLLTutorials.org, Last Edit 5/29/2023</a:t>
             </a:r>
           </a:p>
         </p:txBody>
@@ -14551,9 +14551,9 @@
           <a:bodyPr/>
           <a:lstStyle/>
           <a:p>
-            <a:fld id="{315D4E18-DCD2-4C06-9442-F73848003104}" type="datetime1">
+            <a:fld id="{B1883511-1C94-714C-A32C-02DA77758A9E}" type="datetime1">
               <a:rPr lang="en-US" smtClean="0"/>
-              <a:t>6/11/18</a:t>
+              <a:t>5/29/23</a:t>
             </a:fld>
             <a:endParaRPr lang="en-US"/>
           </a:p>
@@ -14576,7 +14576,7 @@
           <a:p>
             <a:r>
               <a:rPr lang="en-US"/>
-              <a:t>© 2018, FLL Tutorials, Last Edit 6/11/2018</a:t>
+              <a:t>© 2023, FLLTutorials.org, Last Edit 5/29/2023</a:t>
             </a:r>
           </a:p>
         </p:txBody>
@@ -14671,9 +14671,9 @@
           <a:bodyPr/>
           <a:lstStyle/>
           <a:p>
-            <a:fld id="{71FE874C-8836-483A-BD58-3EEA235FF80A}" type="datetime1">
+            <a:fld id="{D1A57E07-2908-634E-8B42-B3D2DDFF6FB7}" type="datetime1">
               <a:rPr lang="en-US" smtClean="0"/>
-              <a:t>6/11/18</a:t>
+              <a:t>5/29/23</a:t>
             </a:fld>
             <a:endParaRPr lang="en-US"/>
           </a:p>
@@ -14696,7 +14696,7 @@
           <a:p>
             <a:r>
               <a:rPr lang="en-US"/>
-              <a:t>© 2018, FLL Tutorials, Last Edit 6/11/2018</a:t>
+              <a:t>© 2023, FLLTutorials.org, Last Edit 5/29/2023</a:t>
             </a:r>
           </a:p>
         </p:txBody>
@@ -14777,9 +14777,9 @@
           <a:bodyPr/>
           <a:lstStyle/>
           <a:p>
-            <a:fld id="{5CB20955-BD86-426A-8B87-F96FBADCAED3}" type="datetime1">
+            <a:fld id="{6BC8D390-4BA5-2044-A579-6E291872073B}" type="datetime1">
               <a:rPr lang="en-US" smtClean="0"/>
-              <a:t>6/11/18</a:t>
+              <a:t>5/29/23</a:t>
             </a:fld>
             <a:endParaRPr lang="en-US"/>
           </a:p>
@@ -14802,7 +14802,7 @@
           <a:p>
             <a:r>
               <a:rPr lang="en-US"/>
-              <a:t>© 2018, FLL Tutorials, Last Edit 6/11/2018</a:t>
+              <a:t>© 2023, FLLTutorials.org, Last Edit 5/29/2023</a:t>
             </a:r>
           </a:p>
         </p:txBody>
@@ -15035,9 +15035,9 @@
           <a:bodyPr/>
           <a:lstStyle/>
           <a:p>
-            <a:fld id="{8A1C7CA0-D63B-491F-B3CC-C32BF4FBCB59}" type="datetime1">
+            <a:fld id="{A23F0CB5-E7A6-4D4C-8699-A333F321D4C6}" type="datetime1">
               <a:rPr lang="en-US" smtClean="0"/>
-              <a:t>6/11/18</a:t>
+              <a:t>5/29/23</a:t>
             </a:fld>
             <a:endParaRPr lang="en-US"/>
           </a:p>
@@ -15060,7 +15060,7 @@
           <a:p>
             <a:r>
               <a:rPr lang="en-US"/>
-              <a:t>© 2018, FLL Tutorials, Last Edit 6/11/2018</a:t>
+              <a:t>© 2023, FLLTutorials.org, Last Edit 5/29/2023</a:t>
             </a:r>
           </a:p>
         </p:txBody>
@@ -15343,9 +15343,9 @@
           <a:bodyPr/>
           <a:lstStyle/>
           <a:p>
-            <a:fld id="{082DD835-6709-4849-AF76-442DF0C9AB21}" type="datetime1">
+            <a:fld id="{F83604A6-7EB6-814F-94B3-71EFD4CBAD24}" type="datetime1">
               <a:rPr lang="en-US" smtClean="0"/>
-              <a:t>6/11/18</a:t>
+              <a:t>5/29/23</a:t>
             </a:fld>
             <a:endParaRPr lang="en-US"/>
           </a:p>
@@ -15368,7 +15368,7 @@
           <a:p>
             <a:r>
               <a:rPr lang="en-US"/>
-              <a:t>© 2018, FLL Tutorials, Last Edit 6/11/2018</a:t>
+              <a:t>© 2023, FLLTutorials.org, Last Edit 5/29/2023</a:t>
             </a:r>
           </a:p>
         </p:txBody>
@@ -15610,9 +15610,9 @@
           <a:bodyPr/>
           <a:lstStyle/>
           <a:p>
-            <a:fld id="{A774C837-BE80-492F-A815-98343FCDB2FC}" type="datetime1">
+            <a:fld id="{817DF6B4-3F24-CF40-88C4-AEDF064AD0DB}" type="datetime1">
               <a:rPr lang="en-US" smtClean="0"/>
-              <a:t>6/11/18</a:t>
+              <a:t>5/29/23</a:t>
             </a:fld>
             <a:endParaRPr lang="en-US"/>
           </a:p>
@@ -15635,7 +15635,7 @@
           <a:p>
             <a:r>
               <a:rPr lang="en-US"/>
-              <a:t>© 2018, FLL Tutorials, Last Edit 6/11/2018</a:t>
+              <a:t>© 2023, FLLTutorials.org, Last Edit 5/29/2023</a:t>
             </a:r>
           </a:p>
         </p:txBody>
@@ -15799,9 +15799,9 @@
           <a:bodyPr/>
           <a:lstStyle/>
           <a:p>
-            <a:fld id="{863A1E09-C8AB-42E4-BC7A-F404DAC34423}" type="datetime1">
+            <a:fld id="{F5CF25A0-E214-8A49-B2C9-8D7EB88008FF}" type="datetime1">
               <a:rPr lang="en-US" smtClean="0"/>
-              <a:t>6/11/18</a:t>
+              <a:t>5/29/23</a:t>
             </a:fld>
             <a:endParaRPr lang="en-US"/>
           </a:p>
@@ -15824,7 +15824,7 @@
           <a:p>
             <a:r>
               <a:rPr lang="en-US"/>
-              <a:t>© 2018, FLL Tutorials, Last Edit 6/11/2018</a:t>
+              <a:t>© 2023, FLLTutorials.org, Last Edit 5/29/2023</a:t>
             </a:r>
           </a:p>
         </p:txBody>
@@ -16000,9 +16000,9 @@
           <a:bodyPr/>
           <a:lstStyle/>
           <a:p>
-            <a:fld id="{BC53A374-5E9D-4521-B3B0-CDEEA6FF63BB}" type="datetime1">
+            <a:fld id="{18A5B00F-8A8D-4B41-9617-4399F19BD644}" type="datetime1">
               <a:rPr lang="en-US" smtClean="0"/>
-              <a:t>6/11/18</a:t>
+              <a:t>5/29/23</a:t>
             </a:fld>
             <a:endParaRPr lang="en-US"/>
           </a:p>
@@ -16025,7 +16025,7 @@
           <a:p>
             <a:r>
               <a:rPr lang="en-US"/>
-              <a:t>© 2018, FLL Tutorials, Last Edit 6/11/2018</a:t>
+              <a:t>© 2023, FLLTutorials.org, Last Edit 5/29/2023</a:t>
             </a:r>
           </a:p>
         </p:txBody>
@@ -16171,9 +16171,9 @@
           <a:bodyPr/>
           <a:lstStyle/>
           <a:p>
-            <a:fld id="{DDB63C25-267A-41A6-986D-C238A6091550}" type="datetime1">
+            <a:fld id="{6FE3F868-6177-3649-9EE3-46528C31070B}" type="datetime1">
               <a:rPr lang="en-US" smtClean="0"/>
-              <a:t>6/11/18</a:t>
+              <a:t>5/29/23</a:t>
             </a:fld>
             <a:endParaRPr lang="en-US"/>
           </a:p>
@@ -16196,7 +16196,7 @@
           <a:p>
             <a:r>
               <a:rPr lang="en-US"/>
-              <a:t>© 2018, FLL Tutorials, Last Edit 6/11/2018</a:t>
+              <a:t>© 2023, FLLTutorials.org, Last Edit 5/29/2023</a:t>
             </a:r>
           </a:p>
         </p:txBody>
@@ -16419,9 +16419,9 @@
           <a:bodyPr/>
           <a:lstStyle/>
           <a:p>
-            <a:fld id="{09E4DAA5-871F-40A3-9B0B-DE64D35F6ECD}" type="datetime1">
+            <a:fld id="{082AFFBF-F00D-BE41-898F-78BF95C51C61}" type="datetime1">
               <a:rPr lang="en-US" smtClean="0"/>
-              <a:t>6/11/18</a:t>
+              <a:t>5/29/23</a:t>
             </a:fld>
             <a:endParaRPr lang="en-US"/>
           </a:p>
@@ -16444,7 +16444,7 @@
           <a:p>
             <a:r>
               <a:rPr lang="en-US"/>
-              <a:t>© 2018, FLL Tutorials, Last Edit 6/11/2018</a:t>
+              <a:t>© 2023, FLLTutorials.org, Last Edit 5/29/2023</a:t>
             </a:r>
           </a:p>
         </p:txBody>
@@ -16651,9 +16651,9 @@
           <a:bodyPr/>
           <a:lstStyle/>
           <a:p>
-            <a:fld id="{D0B72FD2-BA32-4F71-AA4E-08BE768BDD59}" type="datetime1">
+            <a:fld id="{1B084974-8A2C-9D40-AFF9-5344C1D123DA}" type="datetime1">
               <a:rPr lang="en-US" smtClean="0"/>
-              <a:t>6/11/18</a:t>
+              <a:t>5/29/23</a:t>
             </a:fld>
             <a:endParaRPr lang="en-US"/>
           </a:p>
@@ -16676,7 +16676,7 @@
           <a:p>
             <a:r>
               <a:rPr lang="en-US"/>
-              <a:t>© 2018, FLL Tutorials, Last Edit 6/11/2018</a:t>
+              <a:t>© 2023, FLLTutorials.org, Last Edit 5/29/2023</a:t>
             </a:r>
           </a:p>
         </p:txBody>
@@ -16771,9 +16771,9 @@
           <a:bodyPr/>
           <a:lstStyle/>
           <a:p>
-            <a:fld id="{B673B490-348F-4C1C-9773-C0CF09B0A997}" type="datetime1">
+            <a:fld id="{C8A445ED-AD04-9949-B9B8-5DF66D064FCE}" type="datetime1">
               <a:rPr lang="en-US" smtClean="0"/>
-              <a:t>6/11/18</a:t>
+              <a:t>5/29/23</a:t>
             </a:fld>
             <a:endParaRPr lang="en-US"/>
           </a:p>
@@ -16796,7 +16796,7 @@
           <a:p>
             <a:r>
               <a:rPr lang="en-US"/>
-              <a:t>© 2018, FLL Tutorials, Last Edit 6/11/2018</a:t>
+              <a:t>© 2023, FLLTutorials.org, Last Edit 5/29/2023</a:t>
             </a:r>
           </a:p>
         </p:txBody>
@@ -17138,9 +17138,9 @@
           <a:bodyPr/>
           <a:lstStyle/>
           <a:p>
-            <a:fld id="{B467446B-200B-4A71-BC24-9CCDCD461E15}" type="datetime1">
+            <a:fld id="{0536F52C-5DFE-B441-845F-EE0B5B2939D2}" type="datetime1">
               <a:rPr lang="en-US" smtClean="0"/>
-              <a:t>6/11/18</a:t>
+              <a:t>5/29/23</a:t>
             </a:fld>
             <a:endParaRPr lang="en-US"/>
           </a:p>
@@ -17163,7 +17163,7 @@
           <a:p>
             <a:r>
               <a:rPr lang="en-US"/>
-              <a:t>© 2018, FLL Tutorials, Last Edit 6/11/2018</a:t>
+              <a:t>© 2023, FLLTutorials.org, Last Edit 5/29/2023</a:t>
             </a:r>
           </a:p>
         </p:txBody>
@@ -17258,9 +17258,9 @@
           <a:bodyPr/>
           <a:lstStyle/>
           <a:p>
-            <a:fld id="{456C651B-AEFB-4B35-9F22-81C5881B6389}" type="datetime1">
+            <a:fld id="{3E2BC371-12E1-974B-B86E-EC88EAA851CB}" type="datetime1">
               <a:rPr lang="en-US" smtClean="0"/>
-              <a:t>6/11/18</a:t>
+              <a:t>5/29/23</a:t>
             </a:fld>
             <a:endParaRPr lang="en-US"/>
           </a:p>
@@ -17283,7 +17283,7 @@
           <a:p>
             <a:r>
               <a:rPr lang="en-US"/>
-              <a:t>© 2018, FLL Tutorials, Last Edit 6/11/2018</a:t>
+              <a:t>© 2023, FLLTutorials.org, Last Edit 5/29/2023</a:t>
             </a:r>
           </a:p>
         </p:txBody>
@@ -17356,9 +17356,9 @@
           <a:bodyPr/>
           <a:lstStyle/>
           <a:p>
-            <a:fld id="{658F79F4-237F-4CEF-BA3D-0ADF46736FD0}" type="datetime1">
+            <a:fld id="{F6E64E61-7888-304D-BC8B-339F0F833E17}" type="datetime1">
               <a:rPr lang="en-US" smtClean="0"/>
-              <a:t>6/11/18</a:t>
+              <a:t>5/29/23</a:t>
             </a:fld>
             <a:endParaRPr lang="en-US"/>
           </a:p>
@@ -17381,7 +17381,7 @@
           <a:p>
             <a:r>
               <a:rPr lang="en-US"/>
-              <a:t>© 2018, FLL Tutorials, Last Edit 6/11/2018</a:t>
+              <a:t>© 2023, FLLTutorials.org, Last Edit 5/29/2023</a:t>
             </a:r>
           </a:p>
         </p:txBody>
@@ -17634,9 +17634,9 @@
           <a:bodyPr/>
           <a:lstStyle/>
           <a:p>
-            <a:fld id="{1F92F1E7-B227-4F70-A66A-CCC02B355DE6}" type="datetime1">
+            <a:fld id="{C55F87DC-814E-5143-B73B-86C1B2E19A4C}" type="datetime1">
               <a:rPr lang="en-US" smtClean="0"/>
-              <a:t>6/11/18</a:t>
+              <a:t>5/29/23</a:t>
             </a:fld>
             <a:endParaRPr lang="en-US"/>
           </a:p>
@@ -17659,7 +17659,7 @@
           <a:p>
             <a:r>
               <a:rPr lang="en-US"/>
-              <a:t>© 2018, FLL Tutorials, Last Edit 6/11/2018</a:t>
+              <a:t>© 2023, FLLTutorials.org, Last Edit 5/29/2023</a:t>
             </a:r>
           </a:p>
         </p:txBody>
@@ -17892,9 +17892,9 @@
           <a:bodyPr/>
           <a:lstStyle/>
           <a:p>
-            <a:fld id="{6EBB45EA-919A-4977-8000-8AB16D698EC5}" type="datetime1">
+            <a:fld id="{C6626011-162E-6D4F-9081-DAF58C2A8471}" type="datetime1">
               <a:rPr lang="en-US" smtClean="0"/>
-              <a:t>6/11/18</a:t>
+              <a:t>5/29/23</a:t>
             </a:fld>
             <a:endParaRPr lang="en-US"/>
           </a:p>
@@ -17917,7 +17917,7 @@
           <a:p>
             <a:r>
               <a:rPr lang="en-US"/>
-              <a:t>© 2018, FLL Tutorials, Last Edit 6/11/2018</a:t>
+              <a:t>© 2023, FLLTutorials.org, Last Edit 5/29/2023</a:t>
             </a:r>
           </a:p>
         </p:txBody>
@@ -18063,9 +18063,9 @@
           <a:bodyPr/>
           <a:lstStyle/>
           <a:p>
-            <a:fld id="{C4FCA1F4-032F-499A-B857-AE644C266F12}" type="datetime1">
+            <a:fld id="{5D044A93-D3A7-FC40-B112-AC2926CDBF3E}" type="datetime1">
               <a:rPr lang="en-US" smtClean="0"/>
-              <a:t>6/11/18</a:t>
+              <a:t>5/29/23</a:t>
             </a:fld>
             <a:endParaRPr lang="en-US"/>
           </a:p>
@@ -18088,7 +18088,7 @@
           <a:p>
             <a:r>
               <a:rPr lang="en-US"/>
-              <a:t>© 2018, FLL Tutorials, Last Edit 6/11/2018</a:t>
+              <a:t>© 2023, FLLTutorials.org, Last Edit 5/29/2023</a:t>
             </a:r>
           </a:p>
         </p:txBody>
@@ -18244,9 +18244,9 @@
           <a:bodyPr/>
           <a:lstStyle/>
           <a:p>
-            <a:fld id="{E23C20B4-A41F-455E-B6C6-CCABCDD79890}" type="datetime1">
+            <a:fld id="{549CE021-B2A1-F14A-940B-52F0006AE00B}" type="datetime1">
               <a:rPr lang="en-US" smtClean="0"/>
-              <a:t>6/11/18</a:t>
+              <a:t>5/29/23</a:t>
             </a:fld>
             <a:endParaRPr lang="en-US"/>
           </a:p>
@@ -18269,7 +18269,7 @@
           <a:p>
             <a:r>
               <a:rPr lang="en-US"/>
-              <a:t>© 2018, FLL Tutorials, Last Edit 6/11/2018</a:t>
+              <a:t>© 2023, FLLTutorials.org, Last Edit 5/29/2023</a:t>
             </a:r>
           </a:p>
         </p:txBody>
@@ -18561,9 +18561,9 @@
             </a:lvl1pPr>
           </a:lstStyle>
           <a:p>
-            <a:fld id="{34AAE910-019D-46BD-9064-1C0FF9A7C782}" type="datetime1">
+            <a:fld id="{6114B1CC-9032-F14D-8C1A-4E451BF8D7F6}" type="datetime1">
               <a:rPr lang="en-US" smtClean="0"/>
-              <a:t>6/11/18</a:t>
+              <a:t>5/29/23</a:t>
             </a:fld>
             <a:endParaRPr lang="en-US"/>
           </a:p>
@@ -18605,7 +18605,7 @@
           <a:p>
             <a:r>
               <a:rPr lang="en-US"/>
-              <a:t>© 2018, FLL Tutorials, Last Edit 6/11/2018</a:t>
+              <a:t>© 2023, FLLTutorials.org, Last Edit 5/29/2023</a:t>
             </a:r>
           </a:p>
         </p:txBody>
@@ -18894,9 +18894,9 @@
             </a:lvl1pPr>
           </a:lstStyle>
           <a:p>
-            <a:fld id="{0AD6AEAA-3C7A-44B2-ABCB-6562FE1ED020}" type="datetime1">
+            <a:fld id="{5B53E6A2-1E57-C24A-ADEA-9BCFBFCF5D3A}" type="datetime1">
               <a:rPr lang="en-US" smtClean="0"/>
-              <a:t>6/11/18</a:t>
+              <a:t>5/29/23</a:t>
             </a:fld>
             <a:endParaRPr lang="en-US"/>
           </a:p>
@@ -18941,7 +18941,7 @@
           <a:p>
             <a:r>
               <a:rPr lang="en-US"/>
-              <a:t>© 2018, FLL Tutorials, Last Edit 6/11/2018</a:t>
+              <a:t>© 2023, FLLTutorials.org, Last Edit 5/29/2023</a:t>
             </a:r>
           </a:p>
         </p:txBody>
@@ -19348,7 +19348,7 @@
             <a:fld id="{B61BEF0D-F0BB-DE4B-95CE-6DB70DBA9567}" type="datetimeFigureOut">
               <a:rPr lang="en-US" smtClean="0"/>
               <a:pPr/>
-              <a:t>6/11/18</a:t>
+              <a:t>5/29/23</a:t>
             </a:fld>
             <a:endParaRPr lang="en-US" dirty="0"/>
           </a:p>
@@ -19664,9 +19664,9 @@
           <a:bodyPr/>
           <a:lstStyle/>
           <a:p>
-            <a:fld id="{57702815-D695-4E68-B579-3AF091F85D14}" type="datetime1">
+            <a:fld id="{1C55F809-F508-284E-B0B9-54E507F37A44}" type="datetime1">
               <a:rPr lang="en-US" smtClean="0"/>
-              <a:t>6/11/18</a:t>
+              <a:t>5/29/23</a:t>
             </a:fld>
             <a:endParaRPr lang="en-US"/>
           </a:p>
@@ -19689,7 +19689,7 @@
           <a:p>
             <a:r>
               <a:rPr lang="en-US"/>
-              <a:t>© 2018, FLL Tutorials, Last Edit 6/11/2018</a:t>
+              <a:t>© 2023, FLLTutorials.org, Last Edit 5/29/2023</a:t>
             </a:r>
           </a:p>
         </p:txBody>
@@ -19950,9 +19950,9 @@
           <a:bodyPr/>
           <a:lstStyle/>
           <a:p>
-            <a:fld id="{C608D00E-B923-42C5-A542-15AACB8C5803}" type="datetime1">
+            <a:fld id="{76B2959D-536A-124F-8140-841773D56628}" type="datetime1">
               <a:rPr lang="en-US" smtClean="0"/>
-              <a:t>6/11/18</a:t>
+              <a:t>5/29/23</a:t>
             </a:fld>
             <a:endParaRPr lang="en-US"/>
           </a:p>
@@ -19983,7 +19983,7 @@
           <a:p>
             <a:r>
               <a:rPr lang="en-US"/>
-              <a:t>© 2018, FLL Tutorials, Last Edit 6/11/2018</a:t>
+              <a:t>© 2023, FLLTutorials.org, Last Edit 5/29/2023</a:t>
             </a:r>
           </a:p>
         </p:txBody>
@@ -20398,9 +20398,9 @@
           <a:bodyPr/>
           <a:lstStyle/>
           <a:p>
-            <a:fld id="{2125FC5F-78BB-4850-8AFF-6753A1A81983}" type="datetime1">
+            <a:fld id="{8454DFFF-25A7-D84A-9986-1ED71D7D67C7}" type="datetime1">
               <a:rPr lang="en-US" smtClean="0"/>
-              <a:t>6/11/18</a:t>
+              <a:t>5/29/23</a:t>
             </a:fld>
             <a:endParaRPr lang="en-US"/>
           </a:p>
@@ -20431,7 +20431,7 @@
           <a:p>
             <a:r>
               <a:rPr lang="en-US"/>
-              <a:t>© 2018, FLL Tutorials, Last Edit 6/11/2018</a:t>
+              <a:t>© 2023, FLLTutorials.org, Last Edit 5/29/2023</a:t>
             </a:r>
           </a:p>
         </p:txBody>
@@ -20582,9 +20582,9 @@
           <a:bodyPr/>
           <a:lstStyle/>
           <a:p>
-            <a:fld id="{88FD0ED8-98B8-400E-8882-694FAA5E399B}" type="datetime1">
+            <a:fld id="{0486774C-E66B-DA4D-A68B-F0BE9B810F4D}" type="datetime1">
               <a:rPr lang="en-US" smtClean="0"/>
-              <a:t>6/11/18</a:t>
+              <a:t>5/29/23</a:t>
             </a:fld>
             <a:endParaRPr lang="en-US"/>
           </a:p>
@@ -20615,7 +20615,7 @@
           <a:p>
             <a:r>
               <a:rPr lang="en-US"/>
-              <a:t>© 2018, FLL Tutorials, Last Edit 6/11/2018</a:t>
+              <a:t>© 2023, FLLTutorials.org, Last Edit 5/29/2023</a:t>
             </a:r>
           </a:p>
         </p:txBody>
@@ -20704,9 +20704,9 @@
           <a:bodyPr/>
           <a:lstStyle/>
           <a:p>
-            <a:fld id="{E8774096-E847-45A1-97DB-DBA77A3C0308}" type="datetime1">
+            <a:fld id="{A534809E-55A5-014B-B24C-57F9230F5072}" type="datetime1">
               <a:rPr lang="en-US" smtClean="0"/>
-              <a:t>6/11/18</a:t>
+              <a:t>5/29/23</a:t>
             </a:fld>
             <a:endParaRPr lang="en-US"/>
           </a:p>
@@ -20737,7 +20737,7 @@
           <a:p>
             <a:r>
               <a:rPr lang="en-US"/>
-              <a:t>© 2018, FLL Tutorials, Last Edit 6/11/2018</a:t>
+              <a:t>© 2023, FLLTutorials.org, Last Edit 5/29/2023</a:t>
             </a:r>
           </a:p>
         </p:txBody>
@@ -21109,9 +21109,9 @@
             </a:lvl1pPr>
           </a:lstStyle>
           <a:p>
-            <a:fld id="{22CEE8EB-23D6-419E-8134-CE7A4A815EB4}" type="datetime1">
+            <a:fld id="{33057CD3-4340-4646-8D56-F687A7BE07B9}" type="datetime1">
               <a:rPr lang="en-US" smtClean="0"/>
-              <a:t>6/11/18</a:t>
+              <a:t>5/29/23</a:t>
             </a:fld>
             <a:endParaRPr lang="en-US"/>
           </a:p>
@@ -21153,7 +21153,7 @@
           <a:p>
             <a:r>
               <a:rPr lang="en-US"/>
-              <a:t>© 2018, FLL Tutorials, Last Edit 6/11/2018</a:t>
+              <a:t>© 2023, FLLTutorials.org, Last Edit 5/29/2023</a:t>
             </a:r>
           </a:p>
         </p:txBody>
@@ -21425,9 +21425,9 @@
           <a:bodyPr/>
           <a:lstStyle/>
           <a:p>
-            <a:fld id="{316029FF-A2BC-400F-9C1B-5CAD8C707E55}" type="datetime1">
+            <a:fld id="{5813A4B6-7D8B-D64A-9472-0BDC7C85AC58}" type="datetime1">
               <a:rPr lang="en-US" smtClean="0"/>
-              <a:t>6/11/18</a:t>
+              <a:t>5/29/23</a:t>
             </a:fld>
             <a:endParaRPr lang="en-US"/>
           </a:p>
@@ -21458,7 +21458,7 @@
           <a:p>
             <a:r>
               <a:rPr lang="en-US"/>
-              <a:t>© 2018, FLL Tutorials, Last Edit 6/11/2018</a:t>
+              <a:t>© 2023, FLLTutorials.org, Last Edit 5/29/2023</a:t>
             </a:r>
           </a:p>
         </p:txBody>
@@ -21677,9 +21677,9 @@
           <a:bodyPr/>
           <a:lstStyle/>
           <a:p>
-            <a:fld id="{357038F3-6B73-4114-ABCD-06B7C76E4B62}" type="datetime1">
+            <a:fld id="{8C0503FF-D53A-564C-9635-A5CE01F3AE66}" type="datetime1">
               <a:rPr lang="en-US" smtClean="0"/>
-              <a:t>6/11/18</a:t>
+              <a:t>5/29/23</a:t>
             </a:fld>
             <a:endParaRPr lang="en-US"/>
           </a:p>
@@ -21710,7 +21710,7 @@
           <a:p>
             <a:r>
               <a:rPr lang="en-US"/>
-              <a:t>© 2018, FLL Tutorials, Last Edit 6/11/2018</a:t>
+              <a:t>© 2023, FLLTutorials.org, Last Edit 5/29/2023</a:t>
             </a:r>
           </a:p>
         </p:txBody>
@@ -21934,9 +21934,9 @@
             </a:lvl1pPr>
           </a:lstStyle>
           <a:p>
-            <a:fld id="{24CE7BC1-166C-4469-B73F-6E19677F3FA3}" type="datetime1">
+            <a:fld id="{84BAA48E-C20C-AF41-983A-CCEA74AA46CE}" type="datetime1">
               <a:rPr lang="en-US" smtClean="0"/>
-              <a:t>6/11/18</a:t>
+              <a:t>5/29/23</a:t>
             </a:fld>
             <a:endParaRPr lang="en-US"/>
           </a:p>
@@ -21967,7 +21967,7 @@
           <a:p>
             <a:r>
               <a:rPr lang="en-US"/>
-              <a:t>© 2018, FLL Tutorials, Last Edit 6/11/2018</a:t>
+              <a:t>© 2023, FLLTutorials.org, Last Edit 5/29/2023</a:t>
             </a:r>
           </a:p>
         </p:txBody>
@@ -22211,9 +22211,9 @@
           <a:bodyPr/>
           <a:lstStyle/>
           <a:p>
-            <a:fld id="{47D3C9F6-8AA5-45E6-9FB8-1929D8957021}" type="datetime1">
+            <a:fld id="{EBF119DA-C752-B743-8AD9-29C6D933F3A8}" type="datetime1">
               <a:rPr lang="en-US" smtClean="0"/>
-              <a:t>6/11/18</a:t>
+              <a:t>5/29/23</a:t>
             </a:fld>
             <a:endParaRPr lang="en-US"/>
           </a:p>
@@ -22236,7 +22236,7 @@
           <a:p>
             <a:r>
               <a:rPr lang="en-US"/>
-              <a:t>© 2018, FLL Tutorials, Last Edit 6/11/2018</a:t>
+              <a:t>© 2023, FLLTutorials.org, Last Edit 5/29/2023</a:t>
             </a:r>
           </a:p>
         </p:txBody>
@@ -22511,9 +22511,9 @@
           <a:bodyPr/>
           <a:lstStyle/>
           <a:p>
-            <a:fld id="{06B1148F-469F-424A-8CE8-A7337B061477}" type="datetime1">
+            <a:fld id="{B47E56E5-FC5E-C441-AD08-5F40FD7C128D}" type="datetime1">
               <a:rPr lang="en-US" smtClean="0"/>
-              <a:t>6/11/18</a:t>
+              <a:t>5/29/23</a:t>
             </a:fld>
             <a:endParaRPr lang="en-US"/>
           </a:p>
@@ -22536,7 +22536,7 @@
           <a:p>
             <a:r>
               <a:rPr lang="en-US"/>
-              <a:t>© 2018, FLL Tutorials, Last Edit 6/11/2018</a:t>
+              <a:t>© 2023, FLLTutorials.org, Last Edit 5/29/2023</a:t>
             </a:r>
           </a:p>
         </p:txBody>
@@ -22812,9 +22812,9 @@
             </a:lvl1pPr>
           </a:lstStyle>
           <a:p>
-            <a:fld id="{84AB8F06-D5B5-4486-ABFE-B9360431F32A}" type="datetime1">
+            <a:fld id="{0254E5A8-E37D-3342-9FD8-D9DA60EA5916}" type="datetime1">
               <a:rPr lang="en-US" smtClean="0"/>
-              <a:t>6/11/18</a:t>
+              <a:t>5/29/23</a:t>
             </a:fld>
             <a:endParaRPr lang="en-US"/>
           </a:p>
@@ -22853,7 +22853,7 @@
           <a:p>
             <a:r>
               <a:rPr lang="en-US"/>
-              <a:t>© 2018, FLL Tutorials, Last Edit 6/11/2018</a:t>
+              <a:t>© 2023, FLLTutorials.org, Last Edit 5/29/2023</a:t>
             </a:r>
           </a:p>
         </p:txBody>
@@ -23764,9 +23764,9 @@
             </a:lvl1pPr>
           </a:lstStyle>
           <a:p>
-            <a:fld id="{7A7E4796-441D-446C-A03A-9F920681CBD7}" type="datetime1">
+            <a:fld id="{6C73EF06-B6F1-CF46-8868-BB5AD1159471}" type="datetime1">
               <a:rPr lang="en-US" smtClean="0"/>
-              <a:t>6/11/18</a:t>
+              <a:t>5/29/23</a:t>
             </a:fld>
             <a:endParaRPr lang="en-US"/>
           </a:p>
@@ -23805,7 +23805,7 @@
           <a:p>
             <a:r>
               <a:rPr lang="en-US"/>
-              <a:t>© 2018, FLL Tutorials, Last Edit 6/11/2018</a:t>
+              <a:t>© 2023, FLLTutorials.org, Last Edit 5/29/2023</a:t>
             </a:r>
           </a:p>
         </p:txBody>
@@ -24822,9 +24822,9 @@
             </a:lvl1pPr>
           </a:lstStyle>
           <a:p>
-            <a:fld id="{88D3651C-47FF-4450-B91B-D084191EF65E}" type="datetime1">
+            <a:fld id="{84FD9FF0-832C-0049-928B-772571E5F56F}" type="datetime1">
               <a:rPr lang="en-US" smtClean="0"/>
-              <a:t>6/11/18</a:t>
+              <a:t>5/29/23</a:t>
             </a:fld>
             <a:endParaRPr lang="en-US"/>
           </a:p>
@@ -24865,7 +24865,7 @@
           <a:p>
             <a:r>
               <a:rPr lang="en-US"/>
-              <a:t>© 2018, FLL Tutorials, Last Edit 6/11/2018</a:t>
+              <a:t>© 2023, FLLTutorials.org, Last Edit 5/29/2023</a:t>
             </a:r>
           </a:p>
         </p:txBody>
@@ -25364,9 +25364,9 @@
             </a:lvl1pPr>
           </a:lstStyle>
           <a:p>
-            <a:fld id="{69E5B7E9-6A1B-49B8-B036-2315BB437608}" type="datetime1">
+            <a:fld id="{99A5594C-26E8-BB48-96D2-A663418491C2}" type="datetime1">
               <a:rPr lang="en-US" smtClean="0"/>
-              <a:t>6/11/18</a:t>
+              <a:t>5/29/23</a:t>
             </a:fld>
             <a:endParaRPr lang="en-US"/>
           </a:p>
@@ -25405,7 +25405,7 @@
           <a:p>
             <a:r>
               <a:rPr lang="en-US"/>
-              <a:t>© 2018, FLL Tutorials, Last Edit 6/11/2018</a:t>
+              <a:t>© 2023, FLLTutorials.org, Last Edit 5/29/2023</a:t>
             </a:r>
           </a:p>
         </p:txBody>
@@ -26733,9 +26733,9 @@
             </a:lvl1pPr>
           </a:lstStyle>
           <a:p>
-            <a:fld id="{42FB556C-435C-441F-B575-3918DA47BE40}" type="datetime1">
+            <a:fld id="{884389F0-D48E-9048-A5A5-B29818304329}" type="datetime1">
               <a:rPr lang="en-US" smtClean="0"/>
-              <a:t>6/11/18</a:t>
+              <a:t>5/29/23</a:t>
             </a:fld>
             <a:endParaRPr lang="en-US"/>
           </a:p>
@@ -26774,7 +26774,7 @@
           <a:p>
             <a:r>
               <a:rPr lang="en-US"/>
-              <a:t>© 2018, FLL Tutorials, Last Edit 6/11/2018</a:t>
+              <a:t>© 2023, FLLTutorials.org, Last Edit 5/29/2023</a:t>
             </a:r>
           </a:p>
         </p:txBody>
@@ -27811,9 +27811,9 @@
             </a:lvl1pPr>
           </a:lstStyle>
           <a:p>
-            <a:fld id="{80E4CE3D-FFEB-41B8-9387-6A6E72BE2348}" type="datetime1">
+            <a:fld id="{5FE69172-808C-3846-8366-6C9AFAEABD97}" type="datetime1">
               <a:rPr lang="en-US" smtClean="0"/>
-              <a:t>6/11/18</a:t>
+              <a:t>5/29/23</a:t>
             </a:fld>
             <a:endParaRPr lang="en-US"/>
           </a:p>
@@ -27854,7 +27854,7 @@
           <a:p>
             <a:r>
               <a:rPr lang="en-US"/>
-              <a:t>© 2018, FLL Tutorials, Last Edit 6/11/2018</a:t>
+              <a:t>© 2023, FLLTutorials.org, Last Edit 5/29/2023</a:t>
             </a:r>
           </a:p>
         </p:txBody>
@@ -28473,9 +28473,9 @@
             </a:lvl1pPr>
           </a:lstStyle>
           <a:p>
-            <a:fld id="{5FCA5FAF-C41A-410C-8BB3-7E833EEF67F1}" type="datetime1">
+            <a:fld id="{843A5CD2-9E73-2641-98EB-17EFB433C507}" type="datetime1">
               <a:rPr lang="en-US" smtClean="0"/>
-              <a:t>6/11/18</a:t>
+              <a:t>5/29/23</a:t>
             </a:fld>
             <a:endParaRPr lang="en-US"/>
           </a:p>
@@ -28523,7 +28523,7 @@
           <a:p>
             <a:r>
               <a:rPr lang="en-US"/>
-              <a:t>© 2018, FLL Tutorials, Last Edit 6/11/2018</a:t>
+              <a:t>© 2023, FLLTutorials.org, Last Edit 5/29/2023</a:t>
             </a:r>
           </a:p>
         </p:txBody>
@@ -29155,7 +29155,7 @@
           <a:p>
             <a:r>
               <a:rPr lang="en-US"/>
-              <a:t>© 2018, FLL Tutorials, Last Edit 6/11/2018</a:t>
+              <a:t>© 2023, FLLTutorials.org, Last Edit 5/29/2023</a:t>
             </a:r>
           </a:p>
         </p:txBody>
@@ -29317,36 +29317,12 @@
           <a:p>
             <a:r>
               <a:rPr lang="en-US"/>
-              <a:t>© 2018, FLL Tutorials, Last Edit 6/11/2018</a:t>
+              <a:t>© 2023, FLLTutorials.org, Last Edit 5/29/2023</a:t>
             </a:r>
             <a:endParaRPr lang="en-US" dirty="0"/>
           </a:p>
         </p:txBody>
       </p:sp>
-      <p:pic>
-        <p:nvPicPr>
-          <p:cNvPr id="4" name="Picture 3"/>
-          <p:cNvPicPr>
-            <a:picLocks noChangeAspect="1"/>
-          </p:cNvPicPr>
-          <p:nvPr/>
-        </p:nvPicPr>
-        <p:blipFill>
-          <a:blip r:embed="rId2"/>
-          <a:stretch>
-            <a:fillRect/>
-          </a:stretch>
-        </p:blipFill>
-        <p:spPr>
-          <a:xfrm>
-            <a:off x="5208220" y="4295054"/>
-            <a:ext cx="3094065" cy="1398814"/>
-          </a:xfrm>
-          <a:prstGeom prst="rect">
-            <a:avLst/>
-          </a:prstGeom>
-        </p:spPr>
-      </p:pic>
       <p:pic>
         <p:nvPicPr>
           <p:cNvPr id="10" name="Picture 9"/>
@@ -29356,7 +29332,7 @@
           <p:nvPr/>
         </p:nvPicPr>
         <p:blipFill rotWithShape="1">
-          <a:blip r:embed="rId3" cstate="print">
+          <a:blip r:embed="rId2" cstate="print">
             <a:extLst>
               <a:ext uri="{28A0092B-C50C-407E-A947-70E740481C1C}">
                 <a14:useLocalDpi xmlns:a14="http://schemas.microsoft.com/office/drawing/2010/main"/>
@@ -29370,6 +29346,41 @@
           <a:xfrm>
             <a:off x="5320694" y="1524318"/>
             <a:ext cx="2869118" cy="1976717"/>
+          </a:xfrm>
+          <a:prstGeom prst="rect">
+            <a:avLst/>
+          </a:prstGeom>
+        </p:spPr>
+      </p:pic>
+      <p:pic>
+        <p:nvPicPr>
+          <p:cNvPr id="12" name="Picture 11" descr="A picture containing LEGO, auto part&#10;&#10;Description automatically generated">
+            <a:extLst>
+              <a:ext uri="{FF2B5EF4-FFF2-40B4-BE49-F238E27FC236}">
+                <a16:creationId xmlns:a16="http://schemas.microsoft.com/office/drawing/2014/main" id="{EE065AFF-24DF-35E8-52B6-C1BE93022385}"/>
+              </a:ext>
+            </a:extLst>
+          </p:cNvPr>
+          <p:cNvPicPr>
+            <a:picLocks noChangeAspect="1"/>
+          </p:cNvPicPr>
+          <p:nvPr/>
+        </p:nvPicPr>
+        <p:blipFill rotWithShape="1">
+          <a:blip r:embed="rId3">
+            <a:extLst>
+              <a:ext uri="{28A0092B-C50C-407E-A947-70E740481C1C}">
+                <a14:useLocalDpi xmlns:a14="http://schemas.microsoft.com/office/drawing/2010/main" val="0"/>
+              </a:ext>
+            </a:extLst>
+          </a:blip>
+          <a:srcRect r="44630" b="37969"/>
+          <a:stretch/>
+        </p:blipFill>
+        <p:spPr>
+          <a:xfrm>
+            <a:off x="5320694" y="3763724"/>
+            <a:ext cx="3094065" cy="2670617"/>
           </a:xfrm>
           <a:prstGeom prst="rect">
             <a:avLst/>
@@ -29472,7 +29483,7 @@
           <a:p>
             <a:r>
               <a:rPr lang="en-US"/>
-              <a:t>© 2018, FLL Tutorials, Last Edit 6/11/2018</a:t>
+              <a:t>© 2023, FLLTutorials.org, Last Edit 5/29/2023</a:t>
             </a:r>
           </a:p>
         </p:txBody>
@@ -29634,7 +29645,7 @@
           <a:p>
             <a:r>
               <a:rPr lang="en-US"/>
-              <a:t>© 2018, FLL Tutorials, Last Edit 6/11/2018</a:t>
+              <a:t>© 2023, FLLTutorials.org, Last Edit 5/29/2023</a:t>
             </a:r>
           </a:p>
         </p:txBody>
@@ -29930,7 +29941,7 @@
           <a:p>
             <a:r>
               <a:rPr lang="en-US"/>
-              <a:t>© 2018, FLL Tutorials, Last Edit 6/11/2018</a:t>
+              <a:t>© 2023, FLLTutorials.org, Last Edit 5/29/2023</a:t>
             </a:r>
           </a:p>
         </p:txBody>
@@ -30091,7 +30102,7 @@
           <a:p>
             <a:r>
               <a:rPr lang="en-US"/>
-              <a:t>© 2018, FLL Tutorials, Last Edit 6/11/2018</a:t>
+              <a:t>© 2023, FLLTutorials.org, Last Edit 5/29/2023</a:t>
             </a:r>
           </a:p>
         </p:txBody>
@@ -30453,12 +30464,22 @@
             </a:r>
             <a:r>
               <a:rPr lang="en-US" sz="2800" dirty="0"/>
-              <a:t> and </a:t>
+              <a:t>, </a:t>
             </a:r>
             <a:r>
               <a:rPr lang="en-US" sz="2800" dirty="0">
                 <a:hlinkClick r:id="rId4"/>
               </a:rPr>
+              <a:t>www.primelessons.org</a:t>
+            </a:r>
+            <a:r>
+              <a:rPr lang="en-US" sz="2800" dirty="0"/>
+              <a:t>, and </a:t>
+            </a:r>
+            <a:r>
+              <a:rPr lang="en-US" sz="2800" dirty="0">
+                <a:hlinkClick r:id="rId5"/>
+              </a:rPr>
               <a:t>www.flltutorials.com</a:t>
             </a:r>
             <a:endParaRPr lang="en-US" sz="2800" dirty="0"/>
@@ -30485,7 +30506,7 @@
           <a:p>
             <a:r>
               <a:rPr lang="en-US"/>
-              <a:t>© 2018, FLL Tutorials, Last Edit 6/11/2018</a:t>
+              <a:t>© 2023, FLLTutorials.org, Last Edit 5/29/2023</a:t>
             </a:r>
           </a:p>
         </p:txBody>
@@ -30515,7 +30536,7 @@
           <a:effectLst/>
           <a:extLst>
             <a:ext uri="{91240B29-F687-4f45-9708-019B960494DF}">
-              <a14:hiddenLine xmlns:a14="http://schemas.microsoft.com/office/drawing/2010/main" xmlns="" w="9525">
+              <a14:hiddenLine xmlns="" xmlns:a14="http://schemas.microsoft.com/office/drawing/2010/main" w="9525">
                 <a:solidFill>
                   <a:schemeClr val="tx1"/>
                 </a:solidFill>
@@ -30525,7 +30546,7 @@
               </a14:hiddenLine>
             </a:ext>
             <a:ext uri="{AF507438-7753-43e0-B8FC-AC1667EBCBE1}">
-              <a14:hiddenEffects xmlns:a14="http://schemas.microsoft.com/office/drawing/2010/main" xmlns="">
+              <a14:hiddenEffects xmlns="" xmlns:a14="http://schemas.microsoft.com/office/drawing/2010/main">
                 <a:effectLst>
                   <a:outerShdw dist="35921" dir="2700000" algn="ctr" rotWithShape="0">
                     <a:schemeClr val="bg2"/>
@@ -30734,7 +30755,7 @@
                 </a:solidFill>
                 <a:effectLst/>
                 <a:latin typeface="Helvetica Neue"/>
-                <a:hlinkClick r:id="rId5"/>
+                <a:hlinkClick r:id="rId6"/>
               </a:rPr>
               <a:t>Creative Commons Attribution-</a:t>
             </a:r>
@@ -30748,7 +30769,7 @@
                 </a:solidFill>
                 <a:effectLst/>
                 <a:latin typeface="Helvetica Neue"/>
-                <a:hlinkClick r:id="rId5"/>
+                <a:hlinkClick r:id="rId6"/>
               </a:rPr>
               <a:t>NonCommercial</a:t>
             </a:r>
@@ -30762,7 +30783,7 @@
                 </a:solidFill>
                 <a:effectLst/>
                 <a:latin typeface="Helvetica Neue"/>
-                <a:hlinkClick r:id="rId5"/>
+                <a:hlinkClick r:id="rId6"/>
               </a:rPr>
               <a:t>-</a:t>
             </a:r>
@@ -30776,7 +30797,7 @@
                 </a:solidFill>
                 <a:effectLst/>
                 <a:latin typeface="Helvetica Neue"/>
-                <a:hlinkClick r:id="rId5"/>
+                <a:hlinkClick r:id="rId6"/>
               </a:rPr>
               <a:t>ShareAlike</a:t>
             </a:r>
@@ -30790,7 +30811,7 @@
                 </a:solidFill>
                 <a:effectLst/>
                 <a:latin typeface="Helvetica Neue"/>
-                <a:hlinkClick r:id="rId5"/>
+                <a:hlinkClick r:id="rId6"/>
               </a:rPr>
               <a:t> 4.0 International License</a:t>
             </a:r>
@@ -30835,7 +30856,7 @@
       <p:pic>
         <p:nvPicPr>
           <p:cNvPr id="6" name="Picture 2" descr="Creative Commons License">
-            <a:hlinkClick r:id="rId5"/>
+            <a:hlinkClick r:id="rId6"/>
           </p:cNvPr>
           <p:cNvPicPr>
             <a:picLocks noChangeAspect="1" noChangeArrowheads="1"/>
@@ -30843,7 +30864,7 @@
           <p:nvPr/>
         </p:nvPicPr>
         <p:blipFill>
-          <a:blip r:embed="rId6">
+          <a:blip r:embed="rId7">
             <a:extLst>
               <a:ext uri="{28A0092B-C50C-407E-A947-70E740481C1C}">
                 <a14:useLocalDpi xmlns:a14="http://schemas.microsoft.com/office/drawing/2010/main"/>
@@ -30866,7 +30887,7 @@
           <a:noFill/>
           <a:extLst>
             <a:ext uri="{909E8E84-426E-40dd-AFC4-6F175D3DCCD1}">
-              <a14:hiddenFill xmlns:a14="http://schemas.microsoft.com/office/drawing/2010/main" xmlns="">
+              <a14:hiddenFill xmlns="" xmlns:a14="http://schemas.microsoft.com/office/drawing/2010/main">
                 <a:solidFill>
                   <a:srgbClr val="FFFFFF"/>
                 </a:solidFill>
